--- a/phishing_detection_application_presentation_3.pptx
+++ b/phishing_detection_application_presentation_3.pptx
@@ -16,7 +16,6 @@
     <p:sldId id="263" r:id="rId11"/>
     <p:sldId id="264" r:id="rId12"/>
     <p:sldId id="265" r:id="rId13"/>
-    <p:sldId id="266" r:id="rId14"/>
   </p:sldIdLst>
   <p:sldSz cx="12192000" cy="6858000"/>
   <p:notesSz cx="7559675" cy="10691813"/>
@@ -47,7 +46,7 @@
             <a:spLocks noGrp="1"/>
           </p:cNvSpPr>
           <p:nvPr>
-            <p:ph type="ftr" idx="2"/>
+            <p:ph type="ftr" idx="1"/>
           </p:nvPr>
         </p:nvSpPr>
         <p:spPr/>
@@ -67,14 +66,14 @@
             <a:spLocks noGrp="1"/>
           </p:cNvSpPr>
           <p:nvPr>
-            <p:ph type="sldNum" idx="3"/>
+            <p:ph type="sldNum" idx="2"/>
           </p:nvPr>
         </p:nvSpPr>
         <p:spPr/>
         <p:txBody>
           <a:bodyPr/>
           <a:p>
-            <a:fld id="{5A317C17-D7E4-4399-B51B-D67F911096EF}" type="slidenum">
+            <a:fld id="{53A38CEB-E92A-4FD1-BD55-9D691DB291A4}" type="slidenum">
               <a:t>&lt;#&gt;</a:t>
             </a:fld>
           </a:p>
@@ -87,7 +86,7 @@
             <a:spLocks noGrp="1"/>
           </p:cNvSpPr>
           <p:nvPr>
-            <p:ph type="dt" idx="1"/>
+            <p:ph type="dt" idx="3"/>
           </p:nvPr>
         </p:nvSpPr>
         <p:spPr/>
@@ -135,8 +134,8 @@
         </p:nvSpPr>
         <p:spPr>
           <a:xfrm>
-            <a:off x="838080" y="365040"/>
-            <a:ext cx="10515240" cy="1325160"/>
+            <a:off x="609480" y="273600"/>
+            <a:ext cx="10972440" cy="1144800"/>
           </a:xfrm>
           <a:prstGeom prst="rect">
             <a:avLst/>
@@ -151,14 +150,11 @@
             <a:noAutofit/>
           </a:bodyPr>
           <a:p>
-            <a:pPr indent="0">
-              <a:buNone/>
-            </a:pPr>
-            <a:endParaRPr b="0" lang="en-US" sz="1800" spc="-1" strike="noStrike">
-              <a:solidFill>
-                <a:srgbClr val="000000"/>
-              </a:solidFill>
-              <a:latin typeface="Calibri"/>
+            <a:pPr indent="0" algn="ctr">
+              <a:buNone/>
+            </a:pPr>
+            <a:endParaRPr b="0" lang="en-IN" sz="4400" spc="-1" strike="noStrike">
+              <a:latin typeface="Arial"/>
             </a:endParaRPr>
           </a:p>
         </p:txBody>
@@ -175,8 +171,8 @@
         </p:nvSpPr>
         <p:spPr>
           <a:xfrm>
-            <a:off x="838080" y="1825560"/>
-            <a:ext cx="10515240" cy="2075040"/>
+            <a:off x="609480" y="1604520"/>
+            <a:ext cx="10972440" cy="1896840"/>
           </a:xfrm>
           <a:prstGeom prst="rect">
             <a:avLst/>
@@ -192,19 +188,13 @@
           </a:bodyPr>
           <a:p>
             <a:pPr indent="0">
-              <a:lnSpc>
-                <a:spcPct val="90000"/>
-              </a:lnSpc>
               <a:spcBef>
                 <a:spcPts val="1417"/>
               </a:spcBef>
               <a:buNone/>
             </a:pPr>
-            <a:endParaRPr b="0" lang="en-US" sz="2800" spc="-1" strike="noStrike">
-              <a:solidFill>
-                <a:srgbClr val="000000"/>
-              </a:solidFill>
-              <a:latin typeface="Calibri"/>
+            <a:endParaRPr b="0" lang="en-IN" sz="3200" spc="-1" strike="noStrike">
+              <a:latin typeface="Arial"/>
             </a:endParaRPr>
           </a:p>
         </p:txBody>
@@ -221,8 +211,8 @@
         </p:nvSpPr>
         <p:spPr>
           <a:xfrm>
-            <a:off x="838080" y="4098240"/>
-            <a:ext cx="10515240" cy="2075040"/>
+            <a:off x="609480" y="3682080"/>
+            <a:ext cx="10972440" cy="1896840"/>
           </a:xfrm>
           <a:prstGeom prst="rect">
             <a:avLst/>
@@ -238,19 +228,13 @@
           </a:bodyPr>
           <a:p>
             <a:pPr indent="0">
-              <a:lnSpc>
-                <a:spcPct val="90000"/>
-              </a:lnSpc>
               <a:spcBef>
                 <a:spcPts val="1417"/>
               </a:spcBef>
               <a:buNone/>
             </a:pPr>
-            <a:endParaRPr b="0" lang="en-US" sz="2800" spc="-1" strike="noStrike">
-              <a:solidFill>
-                <a:srgbClr val="000000"/>
-              </a:solidFill>
-              <a:latin typeface="Calibri"/>
+            <a:endParaRPr b="0" lang="en-IN" sz="3200" spc="-1" strike="noStrike">
+              <a:latin typeface="Arial"/>
             </a:endParaRPr>
           </a:p>
         </p:txBody>
@@ -262,7 +246,7 @@
             <a:spLocks noGrp="1"/>
           </p:cNvSpPr>
           <p:nvPr>
-            <p:ph type="ftr" idx="2"/>
+            <p:ph type="ftr" idx="1"/>
           </p:nvPr>
         </p:nvSpPr>
         <p:spPr/>
@@ -282,14 +266,14 @@
             <a:spLocks noGrp="1"/>
           </p:cNvSpPr>
           <p:nvPr>
-            <p:ph type="sldNum" idx="3"/>
+            <p:ph type="sldNum" idx="2"/>
           </p:nvPr>
         </p:nvSpPr>
         <p:spPr/>
         <p:txBody>
           <a:bodyPr/>
           <a:p>
-            <a:fld id="{DD9840CE-C9FB-4F2A-87A0-BB4E4E91967A}" type="slidenum">
+            <a:fld id="{69297AF4-AF1C-4431-ACBC-4F20B0265026}" type="slidenum">
               <a:t>&lt;#&gt;</a:t>
             </a:fld>
           </a:p>
@@ -302,7 +286,7 @@
             <a:spLocks noGrp="1"/>
           </p:cNvSpPr>
           <p:nvPr>
-            <p:ph type="dt" idx="1"/>
+            <p:ph type="dt" idx="3"/>
           </p:nvPr>
         </p:nvSpPr>
         <p:spPr/>
@@ -350,8 +334,8 @@
         </p:nvSpPr>
         <p:spPr>
           <a:xfrm>
-            <a:off x="838080" y="365040"/>
-            <a:ext cx="10515240" cy="1325160"/>
+            <a:off x="609480" y="273600"/>
+            <a:ext cx="10972440" cy="1144800"/>
           </a:xfrm>
           <a:prstGeom prst="rect">
             <a:avLst/>
@@ -366,14 +350,11 @@
             <a:noAutofit/>
           </a:bodyPr>
           <a:p>
-            <a:pPr indent="0">
-              <a:buNone/>
-            </a:pPr>
-            <a:endParaRPr b="0" lang="en-US" sz="1800" spc="-1" strike="noStrike">
-              <a:solidFill>
-                <a:srgbClr val="000000"/>
-              </a:solidFill>
-              <a:latin typeface="Calibri"/>
+            <a:pPr indent="0" algn="ctr">
+              <a:buNone/>
+            </a:pPr>
+            <a:endParaRPr b="0" lang="en-IN" sz="4400" spc="-1" strike="noStrike">
+              <a:latin typeface="Arial"/>
             </a:endParaRPr>
           </a:p>
         </p:txBody>
@@ -390,8 +371,8 @@
         </p:nvSpPr>
         <p:spPr>
           <a:xfrm>
-            <a:off x="838080" y="1825560"/>
-            <a:ext cx="5131080" cy="2075040"/>
+            <a:off x="609480" y="1604520"/>
+            <a:ext cx="5354280" cy="1896840"/>
           </a:xfrm>
           <a:prstGeom prst="rect">
             <a:avLst/>
@@ -407,19 +388,13 @@
           </a:bodyPr>
           <a:p>
             <a:pPr indent="0">
-              <a:lnSpc>
-                <a:spcPct val="90000"/>
-              </a:lnSpc>
               <a:spcBef>
                 <a:spcPts val="1417"/>
               </a:spcBef>
               <a:buNone/>
             </a:pPr>
-            <a:endParaRPr b="0" lang="en-US" sz="2800" spc="-1" strike="noStrike">
-              <a:solidFill>
-                <a:srgbClr val="000000"/>
-              </a:solidFill>
-              <a:latin typeface="Calibri"/>
+            <a:endParaRPr b="0" lang="en-IN" sz="3200" spc="-1" strike="noStrike">
+              <a:latin typeface="Arial"/>
             </a:endParaRPr>
           </a:p>
         </p:txBody>
@@ -436,8 +411,8 @@
         </p:nvSpPr>
         <p:spPr>
           <a:xfrm>
-            <a:off x="6226200" y="1825560"/>
-            <a:ext cx="5131080" cy="2075040"/>
+            <a:off x="6231960" y="1604520"/>
+            <a:ext cx="5354280" cy="1896840"/>
           </a:xfrm>
           <a:prstGeom prst="rect">
             <a:avLst/>
@@ -453,19 +428,13 @@
           </a:bodyPr>
           <a:p>
             <a:pPr indent="0">
-              <a:lnSpc>
-                <a:spcPct val="90000"/>
-              </a:lnSpc>
               <a:spcBef>
                 <a:spcPts val="1417"/>
               </a:spcBef>
               <a:buNone/>
             </a:pPr>
-            <a:endParaRPr b="0" lang="en-US" sz="2800" spc="-1" strike="noStrike">
-              <a:solidFill>
-                <a:srgbClr val="000000"/>
-              </a:solidFill>
-              <a:latin typeface="Calibri"/>
+            <a:endParaRPr b="0" lang="en-IN" sz="3200" spc="-1" strike="noStrike">
+              <a:latin typeface="Arial"/>
             </a:endParaRPr>
           </a:p>
         </p:txBody>
@@ -482,8 +451,8 @@
         </p:nvSpPr>
         <p:spPr>
           <a:xfrm>
-            <a:off x="838080" y="4098240"/>
-            <a:ext cx="5131080" cy="2075040"/>
+            <a:off x="609480" y="3682080"/>
+            <a:ext cx="5354280" cy="1896840"/>
           </a:xfrm>
           <a:prstGeom prst="rect">
             <a:avLst/>
@@ -499,19 +468,13 @@
           </a:bodyPr>
           <a:p>
             <a:pPr indent="0">
-              <a:lnSpc>
-                <a:spcPct val="90000"/>
-              </a:lnSpc>
               <a:spcBef>
                 <a:spcPts val="1417"/>
               </a:spcBef>
               <a:buNone/>
             </a:pPr>
-            <a:endParaRPr b="0" lang="en-US" sz="2800" spc="-1" strike="noStrike">
-              <a:solidFill>
-                <a:srgbClr val="000000"/>
-              </a:solidFill>
-              <a:latin typeface="Calibri"/>
+            <a:endParaRPr b="0" lang="en-IN" sz="3200" spc="-1" strike="noStrike">
+              <a:latin typeface="Arial"/>
             </a:endParaRPr>
           </a:p>
         </p:txBody>
@@ -528,8 +491,8 @@
         </p:nvSpPr>
         <p:spPr>
           <a:xfrm>
-            <a:off x="6226200" y="4098240"/>
-            <a:ext cx="5131080" cy="2075040"/>
+            <a:off x="6231960" y="3682080"/>
+            <a:ext cx="5354280" cy="1896840"/>
           </a:xfrm>
           <a:prstGeom prst="rect">
             <a:avLst/>
@@ -545,19 +508,13 @@
           </a:bodyPr>
           <a:p>
             <a:pPr indent="0">
-              <a:lnSpc>
-                <a:spcPct val="90000"/>
-              </a:lnSpc>
               <a:spcBef>
                 <a:spcPts val="1417"/>
               </a:spcBef>
               <a:buNone/>
             </a:pPr>
-            <a:endParaRPr b="0" lang="en-US" sz="2800" spc="-1" strike="noStrike">
-              <a:solidFill>
-                <a:srgbClr val="000000"/>
-              </a:solidFill>
-              <a:latin typeface="Calibri"/>
+            <a:endParaRPr b="0" lang="en-IN" sz="3200" spc="-1" strike="noStrike">
+              <a:latin typeface="Arial"/>
             </a:endParaRPr>
           </a:p>
         </p:txBody>
@@ -569,7 +526,7 @@
             <a:spLocks noGrp="1"/>
           </p:cNvSpPr>
           <p:nvPr>
-            <p:ph type="ftr" idx="2"/>
+            <p:ph type="ftr" idx="1"/>
           </p:nvPr>
         </p:nvSpPr>
         <p:spPr/>
@@ -589,14 +546,14 @@
             <a:spLocks noGrp="1"/>
           </p:cNvSpPr>
           <p:nvPr>
-            <p:ph type="sldNum" idx="3"/>
+            <p:ph type="sldNum" idx="2"/>
           </p:nvPr>
         </p:nvSpPr>
         <p:spPr/>
         <p:txBody>
           <a:bodyPr/>
           <a:p>
-            <a:fld id="{F3FEB473-FB20-49C0-97B2-C09A2266E47D}" type="slidenum">
+            <a:fld id="{036B8FFE-21E4-453B-A55B-13D8AB3C7750}" type="slidenum">
               <a:t>&lt;#&gt;</a:t>
             </a:fld>
           </a:p>
@@ -609,7 +566,7 @@
             <a:spLocks noGrp="1"/>
           </p:cNvSpPr>
           <p:nvPr>
-            <p:ph type="dt" idx="1"/>
+            <p:ph type="dt" idx="3"/>
           </p:nvPr>
         </p:nvSpPr>
         <p:spPr/>
@@ -657,8 +614,8 @@
         </p:nvSpPr>
         <p:spPr>
           <a:xfrm>
-            <a:off x="838080" y="365040"/>
-            <a:ext cx="10515240" cy="1325160"/>
+            <a:off x="609480" y="273600"/>
+            <a:ext cx="10972440" cy="1144800"/>
           </a:xfrm>
           <a:prstGeom prst="rect">
             <a:avLst/>
@@ -673,14 +630,11 @@
             <a:noAutofit/>
           </a:bodyPr>
           <a:p>
-            <a:pPr indent="0">
-              <a:buNone/>
-            </a:pPr>
-            <a:endParaRPr b="0" lang="en-US" sz="1800" spc="-1" strike="noStrike">
-              <a:solidFill>
-                <a:srgbClr val="000000"/>
-              </a:solidFill>
-              <a:latin typeface="Calibri"/>
+            <a:pPr indent="0" algn="ctr">
+              <a:buNone/>
+            </a:pPr>
+            <a:endParaRPr b="0" lang="en-IN" sz="4400" spc="-1" strike="noStrike">
+              <a:latin typeface="Arial"/>
             </a:endParaRPr>
           </a:p>
         </p:txBody>
@@ -697,8 +651,8 @@
         </p:nvSpPr>
         <p:spPr>
           <a:xfrm>
-            <a:off x="838080" y="1825560"/>
-            <a:ext cx="3385800" cy="2075040"/>
+            <a:off x="609480" y="1604520"/>
+            <a:ext cx="3533040" cy="1896840"/>
           </a:xfrm>
           <a:prstGeom prst="rect">
             <a:avLst/>
@@ -714,19 +668,13 @@
           </a:bodyPr>
           <a:p>
             <a:pPr indent="0">
-              <a:lnSpc>
-                <a:spcPct val="90000"/>
-              </a:lnSpc>
               <a:spcBef>
                 <a:spcPts val="1417"/>
               </a:spcBef>
               <a:buNone/>
             </a:pPr>
-            <a:endParaRPr b="0" lang="en-US" sz="2800" spc="-1" strike="noStrike">
-              <a:solidFill>
-                <a:srgbClr val="000000"/>
-              </a:solidFill>
-              <a:latin typeface="Calibri"/>
+            <a:endParaRPr b="0" lang="en-IN" sz="3200" spc="-1" strike="noStrike">
+              <a:latin typeface="Arial"/>
             </a:endParaRPr>
           </a:p>
         </p:txBody>
@@ -743,8 +691,8 @@
         </p:nvSpPr>
         <p:spPr>
           <a:xfrm>
-            <a:off x="4393440" y="1825560"/>
-            <a:ext cx="3385800" cy="2075040"/>
+            <a:off x="4319640" y="1604520"/>
+            <a:ext cx="3533040" cy="1896840"/>
           </a:xfrm>
           <a:prstGeom prst="rect">
             <a:avLst/>
@@ -760,19 +708,13 @@
           </a:bodyPr>
           <a:p>
             <a:pPr indent="0">
-              <a:lnSpc>
-                <a:spcPct val="90000"/>
-              </a:lnSpc>
               <a:spcBef>
                 <a:spcPts val="1417"/>
               </a:spcBef>
               <a:buNone/>
             </a:pPr>
-            <a:endParaRPr b="0" lang="en-US" sz="2800" spc="-1" strike="noStrike">
-              <a:solidFill>
-                <a:srgbClr val="000000"/>
-              </a:solidFill>
-              <a:latin typeface="Calibri"/>
+            <a:endParaRPr b="0" lang="en-IN" sz="3200" spc="-1" strike="noStrike">
+              <a:latin typeface="Arial"/>
             </a:endParaRPr>
           </a:p>
         </p:txBody>
@@ -789,8 +731,8 @@
         </p:nvSpPr>
         <p:spPr>
           <a:xfrm>
-            <a:off x="7949160" y="1825560"/>
-            <a:ext cx="3385800" cy="2075040"/>
+            <a:off x="8029800" y="1604520"/>
+            <a:ext cx="3533040" cy="1896840"/>
           </a:xfrm>
           <a:prstGeom prst="rect">
             <a:avLst/>
@@ -806,19 +748,13 @@
           </a:bodyPr>
           <a:p>
             <a:pPr indent="0">
-              <a:lnSpc>
-                <a:spcPct val="90000"/>
-              </a:lnSpc>
               <a:spcBef>
                 <a:spcPts val="1417"/>
               </a:spcBef>
               <a:buNone/>
             </a:pPr>
-            <a:endParaRPr b="0" lang="en-US" sz="2800" spc="-1" strike="noStrike">
-              <a:solidFill>
-                <a:srgbClr val="000000"/>
-              </a:solidFill>
-              <a:latin typeface="Calibri"/>
+            <a:endParaRPr b="0" lang="en-IN" sz="3200" spc="-1" strike="noStrike">
+              <a:latin typeface="Arial"/>
             </a:endParaRPr>
           </a:p>
         </p:txBody>
@@ -835,8 +771,8 @@
         </p:nvSpPr>
         <p:spPr>
           <a:xfrm>
-            <a:off x="838080" y="4098240"/>
-            <a:ext cx="3385800" cy="2075040"/>
+            <a:off x="609480" y="3682080"/>
+            <a:ext cx="3533040" cy="1896840"/>
           </a:xfrm>
           <a:prstGeom prst="rect">
             <a:avLst/>
@@ -852,19 +788,13 @@
           </a:bodyPr>
           <a:p>
             <a:pPr indent="0">
-              <a:lnSpc>
-                <a:spcPct val="90000"/>
-              </a:lnSpc>
               <a:spcBef>
                 <a:spcPts val="1417"/>
               </a:spcBef>
               <a:buNone/>
             </a:pPr>
-            <a:endParaRPr b="0" lang="en-US" sz="2800" spc="-1" strike="noStrike">
-              <a:solidFill>
-                <a:srgbClr val="000000"/>
-              </a:solidFill>
-              <a:latin typeface="Calibri"/>
+            <a:endParaRPr b="0" lang="en-IN" sz="3200" spc="-1" strike="noStrike">
+              <a:latin typeface="Arial"/>
             </a:endParaRPr>
           </a:p>
         </p:txBody>
@@ -881,8 +811,8 @@
         </p:nvSpPr>
         <p:spPr>
           <a:xfrm>
-            <a:off x="4393440" y="4098240"/>
-            <a:ext cx="3385800" cy="2075040"/>
+            <a:off x="4319640" y="3682080"/>
+            <a:ext cx="3533040" cy="1896840"/>
           </a:xfrm>
           <a:prstGeom prst="rect">
             <a:avLst/>
@@ -898,19 +828,13 @@
           </a:bodyPr>
           <a:p>
             <a:pPr indent="0">
-              <a:lnSpc>
-                <a:spcPct val="90000"/>
-              </a:lnSpc>
               <a:spcBef>
                 <a:spcPts val="1417"/>
               </a:spcBef>
               <a:buNone/>
             </a:pPr>
-            <a:endParaRPr b="0" lang="en-US" sz="2800" spc="-1" strike="noStrike">
-              <a:solidFill>
-                <a:srgbClr val="000000"/>
-              </a:solidFill>
-              <a:latin typeface="Calibri"/>
+            <a:endParaRPr b="0" lang="en-IN" sz="3200" spc="-1" strike="noStrike">
+              <a:latin typeface="Arial"/>
             </a:endParaRPr>
           </a:p>
         </p:txBody>
@@ -927,8 +851,8 @@
         </p:nvSpPr>
         <p:spPr>
           <a:xfrm>
-            <a:off x="7949160" y="4098240"/>
-            <a:ext cx="3385800" cy="2075040"/>
+            <a:off x="8029800" y="3682080"/>
+            <a:ext cx="3533040" cy="1896840"/>
           </a:xfrm>
           <a:prstGeom prst="rect">
             <a:avLst/>
@@ -944,19 +868,13 @@
           </a:bodyPr>
           <a:p>
             <a:pPr indent="0">
-              <a:lnSpc>
-                <a:spcPct val="90000"/>
-              </a:lnSpc>
               <a:spcBef>
                 <a:spcPts val="1417"/>
               </a:spcBef>
               <a:buNone/>
             </a:pPr>
-            <a:endParaRPr b="0" lang="en-US" sz="2800" spc="-1" strike="noStrike">
-              <a:solidFill>
-                <a:srgbClr val="000000"/>
-              </a:solidFill>
-              <a:latin typeface="Calibri"/>
+            <a:endParaRPr b="0" lang="en-IN" sz="3200" spc="-1" strike="noStrike">
+              <a:latin typeface="Arial"/>
             </a:endParaRPr>
           </a:p>
         </p:txBody>
@@ -968,7 +886,7 @@
             <a:spLocks noGrp="1"/>
           </p:cNvSpPr>
           <p:nvPr>
-            <p:ph type="ftr" idx="2"/>
+            <p:ph type="ftr" idx="1"/>
           </p:nvPr>
         </p:nvSpPr>
         <p:spPr/>
@@ -988,14 +906,14 @@
             <a:spLocks noGrp="1"/>
           </p:cNvSpPr>
           <p:nvPr>
-            <p:ph type="sldNum" idx="3"/>
+            <p:ph type="sldNum" idx="2"/>
           </p:nvPr>
         </p:nvSpPr>
         <p:spPr/>
         <p:txBody>
           <a:bodyPr/>
           <a:p>
-            <a:fld id="{16556AD7-3E7B-4E25-80DF-6EC314994D4E}" type="slidenum">
+            <a:fld id="{845005AF-2EB7-4823-9B3D-9897A58D36E6}" type="slidenum">
               <a:t>&lt;#&gt;</a:t>
             </a:fld>
           </a:p>
@@ -1008,7 +926,7 @@
             <a:spLocks noGrp="1"/>
           </p:cNvSpPr>
           <p:nvPr>
-            <p:ph type="dt" idx="1"/>
+            <p:ph type="dt" idx="3"/>
           </p:nvPr>
         </p:nvSpPr>
         <p:spPr/>
@@ -1051,7 +969,7 @@
             <a:spLocks noGrp="1"/>
           </p:cNvSpPr>
           <p:nvPr>
-            <p:ph type="ftr" idx="5"/>
+            <p:ph type="ftr" idx="4"/>
           </p:nvPr>
         </p:nvSpPr>
         <p:spPr/>
@@ -1071,14 +989,14 @@
             <a:spLocks noGrp="1"/>
           </p:cNvSpPr>
           <p:nvPr>
-            <p:ph type="sldNum" idx="6"/>
+            <p:ph type="sldNum" idx="5"/>
           </p:nvPr>
         </p:nvSpPr>
         <p:spPr/>
         <p:txBody>
           <a:bodyPr/>
           <a:p>
-            <a:fld id="{4690DFE6-C0B9-4207-9BB6-98419FA5EC73}" type="slidenum">
+            <a:fld id="{8954EF55-1F7D-4EEA-B6AC-A1CAFB87BAEA}" type="slidenum">
               <a:t>&lt;#&gt;</a:t>
             </a:fld>
           </a:p>
@@ -1091,7 +1009,7 @@
             <a:spLocks noGrp="1"/>
           </p:cNvSpPr>
           <p:nvPr>
-            <p:ph type="dt" idx="4"/>
+            <p:ph type="dt" idx="6"/>
           </p:nvPr>
         </p:nvSpPr>
         <p:spPr/>
@@ -1139,8 +1057,8 @@
         </p:nvSpPr>
         <p:spPr>
           <a:xfrm>
-            <a:off x="838080" y="365040"/>
-            <a:ext cx="10515240" cy="1325160"/>
+            <a:off x="609480" y="273600"/>
+            <a:ext cx="10972440" cy="1144800"/>
           </a:xfrm>
           <a:prstGeom prst="rect">
             <a:avLst/>
@@ -1155,14 +1073,11 @@
             <a:noAutofit/>
           </a:bodyPr>
           <a:p>
-            <a:pPr indent="0">
-              <a:buNone/>
-            </a:pPr>
-            <a:endParaRPr b="0" lang="en-US" sz="1800" spc="-1" strike="noStrike">
-              <a:solidFill>
-                <a:srgbClr val="000000"/>
-              </a:solidFill>
-              <a:latin typeface="Calibri"/>
+            <a:pPr indent="0" algn="ctr">
+              <a:buNone/>
+            </a:pPr>
+            <a:endParaRPr b="0" lang="en-IN" sz="4400" spc="-1" strike="noStrike">
+              <a:latin typeface="Arial"/>
             </a:endParaRPr>
           </a:p>
         </p:txBody>
@@ -1179,8 +1094,8 @@
         </p:nvSpPr>
         <p:spPr>
           <a:xfrm>
-            <a:off x="838080" y="1825560"/>
-            <a:ext cx="10515240" cy="4350960"/>
+            <a:off x="609480" y="1604520"/>
+            <a:ext cx="10972440" cy="3977280"/>
           </a:xfrm>
           <a:prstGeom prst="rect">
             <a:avLst/>
@@ -1211,7 +1126,7 @@
             <a:spLocks noGrp="1"/>
           </p:cNvSpPr>
           <p:nvPr>
-            <p:ph type="ftr" idx="5"/>
+            <p:ph type="ftr" idx="4"/>
           </p:nvPr>
         </p:nvSpPr>
         <p:spPr/>
@@ -1231,14 +1146,14 @@
             <a:spLocks noGrp="1"/>
           </p:cNvSpPr>
           <p:nvPr>
-            <p:ph type="sldNum" idx="6"/>
+            <p:ph type="sldNum" idx="5"/>
           </p:nvPr>
         </p:nvSpPr>
         <p:spPr/>
         <p:txBody>
           <a:bodyPr/>
           <a:p>
-            <a:fld id="{C4F26259-91FE-4285-AB95-4CB920AF1B4B}" type="slidenum">
+            <a:fld id="{C6ED5941-270C-4779-824A-46CAF0D9C12C}" type="slidenum">
               <a:t>&lt;#&gt;</a:t>
             </a:fld>
           </a:p>
@@ -1251,7 +1166,7 @@
             <a:spLocks noGrp="1"/>
           </p:cNvSpPr>
           <p:nvPr>
-            <p:ph type="dt" idx="4"/>
+            <p:ph type="dt" idx="6"/>
           </p:nvPr>
         </p:nvSpPr>
         <p:spPr/>
@@ -1299,8 +1214,8 @@
         </p:nvSpPr>
         <p:spPr>
           <a:xfrm>
-            <a:off x="838080" y="365040"/>
-            <a:ext cx="10515240" cy="1325160"/>
+            <a:off x="609480" y="273600"/>
+            <a:ext cx="10972440" cy="1144800"/>
           </a:xfrm>
           <a:prstGeom prst="rect">
             <a:avLst/>
@@ -1315,14 +1230,11 @@
             <a:noAutofit/>
           </a:bodyPr>
           <a:p>
-            <a:pPr indent="0">
-              <a:buNone/>
-            </a:pPr>
-            <a:endParaRPr b="0" lang="en-US" sz="1800" spc="-1" strike="noStrike">
-              <a:solidFill>
-                <a:srgbClr val="000000"/>
-              </a:solidFill>
-              <a:latin typeface="Calibri"/>
+            <a:pPr indent="0" algn="ctr">
+              <a:buNone/>
+            </a:pPr>
+            <a:endParaRPr b="0" lang="en-IN" sz="4400" spc="-1" strike="noStrike">
+              <a:latin typeface="Arial"/>
             </a:endParaRPr>
           </a:p>
         </p:txBody>
@@ -1339,8 +1251,8 @@
         </p:nvSpPr>
         <p:spPr>
           <a:xfrm>
-            <a:off x="838080" y="1825560"/>
-            <a:ext cx="10515240" cy="4350960"/>
+            <a:off x="609480" y="1604520"/>
+            <a:ext cx="10972440" cy="3977280"/>
           </a:xfrm>
           <a:prstGeom prst="rect">
             <a:avLst/>
@@ -1356,19 +1268,13 @@
           </a:bodyPr>
           <a:p>
             <a:pPr indent="0">
-              <a:lnSpc>
-                <a:spcPct val="90000"/>
-              </a:lnSpc>
               <a:spcBef>
                 <a:spcPts val="1417"/>
               </a:spcBef>
               <a:buNone/>
             </a:pPr>
-            <a:endParaRPr b="0" lang="en-US" sz="2800" spc="-1" strike="noStrike">
-              <a:solidFill>
-                <a:srgbClr val="000000"/>
-              </a:solidFill>
-              <a:latin typeface="Calibri"/>
+            <a:endParaRPr b="0" lang="en-IN" sz="3200" spc="-1" strike="noStrike">
+              <a:latin typeface="Arial"/>
             </a:endParaRPr>
           </a:p>
         </p:txBody>
@@ -1380,7 +1286,7 @@
             <a:spLocks noGrp="1"/>
           </p:cNvSpPr>
           <p:nvPr>
-            <p:ph type="ftr" idx="5"/>
+            <p:ph type="ftr" idx="4"/>
           </p:nvPr>
         </p:nvSpPr>
         <p:spPr/>
@@ -1400,14 +1306,14 @@
             <a:spLocks noGrp="1"/>
           </p:cNvSpPr>
           <p:nvPr>
-            <p:ph type="sldNum" idx="6"/>
+            <p:ph type="sldNum" idx="5"/>
           </p:nvPr>
         </p:nvSpPr>
         <p:spPr/>
         <p:txBody>
           <a:bodyPr/>
           <a:p>
-            <a:fld id="{F7554B08-7A7A-4B55-BCFC-877FB9B12D99}" type="slidenum">
+            <a:fld id="{DF5C67DB-D24D-4DB1-806F-D03EC8FDFFA3}" type="slidenum">
               <a:t>&lt;#&gt;</a:t>
             </a:fld>
           </a:p>
@@ -1420,7 +1326,7 @@
             <a:spLocks noGrp="1"/>
           </p:cNvSpPr>
           <p:nvPr>
-            <p:ph type="dt" idx="4"/>
+            <p:ph type="dt" idx="6"/>
           </p:nvPr>
         </p:nvSpPr>
         <p:spPr/>
@@ -1468,8 +1374,8 @@
         </p:nvSpPr>
         <p:spPr>
           <a:xfrm>
-            <a:off x="838080" y="365040"/>
-            <a:ext cx="10515240" cy="1325160"/>
+            <a:off x="609480" y="273600"/>
+            <a:ext cx="10972440" cy="1144800"/>
           </a:xfrm>
           <a:prstGeom prst="rect">
             <a:avLst/>
@@ -1484,14 +1390,11 @@
             <a:noAutofit/>
           </a:bodyPr>
           <a:p>
-            <a:pPr indent="0">
-              <a:buNone/>
-            </a:pPr>
-            <a:endParaRPr b="0" lang="en-US" sz="1800" spc="-1" strike="noStrike">
-              <a:solidFill>
-                <a:srgbClr val="000000"/>
-              </a:solidFill>
-              <a:latin typeface="Calibri"/>
+            <a:pPr indent="0" algn="ctr">
+              <a:buNone/>
+            </a:pPr>
+            <a:endParaRPr b="0" lang="en-IN" sz="4400" spc="-1" strike="noStrike">
+              <a:latin typeface="Arial"/>
             </a:endParaRPr>
           </a:p>
         </p:txBody>
@@ -1508,8 +1411,8 @@
         </p:nvSpPr>
         <p:spPr>
           <a:xfrm>
-            <a:off x="838080" y="1825560"/>
-            <a:ext cx="5131080" cy="4350960"/>
+            <a:off x="609480" y="1604520"/>
+            <a:ext cx="5354280" cy="3977280"/>
           </a:xfrm>
           <a:prstGeom prst="rect">
             <a:avLst/>
@@ -1525,19 +1428,13 @@
           </a:bodyPr>
           <a:p>
             <a:pPr indent="0">
-              <a:lnSpc>
-                <a:spcPct val="90000"/>
-              </a:lnSpc>
               <a:spcBef>
                 <a:spcPts val="1417"/>
               </a:spcBef>
               <a:buNone/>
             </a:pPr>
-            <a:endParaRPr b="0" lang="en-US" sz="2800" spc="-1" strike="noStrike">
-              <a:solidFill>
-                <a:srgbClr val="000000"/>
-              </a:solidFill>
-              <a:latin typeface="Calibri"/>
+            <a:endParaRPr b="0" lang="en-IN" sz="3200" spc="-1" strike="noStrike">
+              <a:latin typeface="Arial"/>
             </a:endParaRPr>
           </a:p>
         </p:txBody>
@@ -1554,8 +1451,8 @@
         </p:nvSpPr>
         <p:spPr>
           <a:xfrm>
-            <a:off x="6226200" y="1825560"/>
-            <a:ext cx="5131080" cy="4350960"/>
+            <a:off x="6231960" y="1604520"/>
+            <a:ext cx="5354280" cy="3977280"/>
           </a:xfrm>
           <a:prstGeom prst="rect">
             <a:avLst/>
@@ -1571,19 +1468,13 @@
           </a:bodyPr>
           <a:p>
             <a:pPr indent="0">
-              <a:lnSpc>
-                <a:spcPct val="90000"/>
-              </a:lnSpc>
               <a:spcBef>
                 <a:spcPts val="1417"/>
               </a:spcBef>
               <a:buNone/>
             </a:pPr>
-            <a:endParaRPr b="0" lang="en-US" sz="2800" spc="-1" strike="noStrike">
-              <a:solidFill>
-                <a:srgbClr val="000000"/>
-              </a:solidFill>
-              <a:latin typeface="Calibri"/>
+            <a:endParaRPr b="0" lang="en-IN" sz="3200" spc="-1" strike="noStrike">
+              <a:latin typeface="Arial"/>
             </a:endParaRPr>
           </a:p>
         </p:txBody>
@@ -1595,7 +1486,7 @@
             <a:spLocks noGrp="1"/>
           </p:cNvSpPr>
           <p:nvPr>
-            <p:ph type="ftr" idx="5"/>
+            <p:ph type="ftr" idx="4"/>
           </p:nvPr>
         </p:nvSpPr>
         <p:spPr/>
@@ -1615,14 +1506,14 @@
             <a:spLocks noGrp="1"/>
           </p:cNvSpPr>
           <p:nvPr>
-            <p:ph type="sldNum" idx="6"/>
+            <p:ph type="sldNum" idx="5"/>
           </p:nvPr>
         </p:nvSpPr>
         <p:spPr/>
         <p:txBody>
           <a:bodyPr/>
           <a:p>
-            <a:fld id="{993736F7-4AD2-4071-ABDF-B58954351CB4}" type="slidenum">
+            <a:fld id="{85B234CD-A63E-4C22-AEB2-8FF76994506F}" type="slidenum">
               <a:t>&lt;#&gt;</a:t>
             </a:fld>
           </a:p>
@@ -1635,7 +1526,7 @@
             <a:spLocks noGrp="1"/>
           </p:cNvSpPr>
           <p:nvPr>
-            <p:ph type="dt" idx="4"/>
+            <p:ph type="dt" idx="6"/>
           </p:nvPr>
         </p:nvSpPr>
         <p:spPr/>
@@ -1683,8 +1574,8 @@
         </p:nvSpPr>
         <p:spPr>
           <a:xfrm>
-            <a:off x="838080" y="365040"/>
-            <a:ext cx="10515240" cy="1325160"/>
+            <a:off x="609480" y="273600"/>
+            <a:ext cx="10972440" cy="1144800"/>
           </a:xfrm>
           <a:prstGeom prst="rect">
             <a:avLst/>
@@ -1699,14 +1590,11 @@
             <a:noAutofit/>
           </a:bodyPr>
           <a:p>
-            <a:pPr indent="0">
-              <a:buNone/>
-            </a:pPr>
-            <a:endParaRPr b="0" lang="en-US" sz="1800" spc="-1" strike="noStrike">
-              <a:solidFill>
-                <a:srgbClr val="000000"/>
-              </a:solidFill>
-              <a:latin typeface="Calibri"/>
+            <a:pPr indent="0" algn="ctr">
+              <a:buNone/>
+            </a:pPr>
+            <a:endParaRPr b="0" lang="en-IN" sz="4400" spc="-1" strike="noStrike">
+              <a:latin typeface="Arial"/>
             </a:endParaRPr>
           </a:p>
         </p:txBody>
@@ -1718,7 +1606,7 @@
             <a:spLocks noGrp="1"/>
           </p:cNvSpPr>
           <p:nvPr>
-            <p:ph type="ftr" idx="5"/>
+            <p:ph type="ftr" idx="4"/>
           </p:nvPr>
         </p:nvSpPr>
         <p:spPr/>
@@ -1738,14 +1626,14 @@
             <a:spLocks noGrp="1"/>
           </p:cNvSpPr>
           <p:nvPr>
-            <p:ph type="sldNum" idx="6"/>
+            <p:ph type="sldNum" idx="5"/>
           </p:nvPr>
         </p:nvSpPr>
         <p:spPr/>
         <p:txBody>
           <a:bodyPr/>
           <a:p>
-            <a:fld id="{DADDDC92-9F04-455F-B711-6717F5B5D4B3}" type="slidenum">
+            <a:fld id="{5D7FB809-AA6A-4F87-AE3A-8C0BB63A5256}" type="slidenum">
               <a:t>&lt;#&gt;</a:t>
             </a:fld>
           </a:p>
@@ -1758,7 +1646,7 @@
             <a:spLocks noGrp="1"/>
           </p:cNvSpPr>
           <p:nvPr>
-            <p:ph type="dt" idx="4"/>
+            <p:ph type="dt" idx="6"/>
           </p:nvPr>
         </p:nvSpPr>
         <p:spPr/>
@@ -1806,8 +1694,8 @@
         </p:nvSpPr>
         <p:spPr>
           <a:xfrm>
-            <a:off x="838080" y="365040"/>
-            <a:ext cx="10515240" cy="6144120"/>
+            <a:off x="609480" y="273600"/>
+            <a:ext cx="10972440" cy="5307840"/>
           </a:xfrm>
           <a:prstGeom prst="rect">
             <a:avLst/>
@@ -1836,7 +1724,7 @@
             <a:spLocks noGrp="1"/>
           </p:cNvSpPr>
           <p:nvPr>
-            <p:ph type="ftr" idx="5"/>
+            <p:ph type="ftr" idx="4"/>
           </p:nvPr>
         </p:nvSpPr>
         <p:spPr/>
@@ -1856,14 +1744,14 @@
             <a:spLocks noGrp="1"/>
           </p:cNvSpPr>
           <p:nvPr>
-            <p:ph type="sldNum" idx="6"/>
+            <p:ph type="sldNum" idx="5"/>
           </p:nvPr>
         </p:nvSpPr>
         <p:spPr/>
         <p:txBody>
           <a:bodyPr/>
           <a:p>
-            <a:fld id="{6110D946-45E8-4ECB-8610-CE0A426C635C}" type="slidenum">
+            <a:fld id="{5357DFB6-2D42-4747-85E4-5ADD9EF3D5CC}" type="slidenum">
               <a:t>&lt;#&gt;</a:t>
             </a:fld>
           </a:p>
@@ -1876,7 +1764,7 @@
             <a:spLocks noGrp="1"/>
           </p:cNvSpPr>
           <p:nvPr>
-            <p:ph type="dt" idx="4"/>
+            <p:ph type="dt" idx="6"/>
           </p:nvPr>
         </p:nvSpPr>
         <p:spPr/>
@@ -1924,8 +1812,8 @@
         </p:nvSpPr>
         <p:spPr>
           <a:xfrm>
-            <a:off x="838080" y="365040"/>
-            <a:ext cx="10515240" cy="1325160"/>
+            <a:off x="609480" y="273600"/>
+            <a:ext cx="10972440" cy="1144800"/>
           </a:xfrm>
           <a:prstGeom prst="rect">
             <a:avLst/>
@@ -1940,14 +1828,11 @@
             <a:noAutofit/>
           </a:bodyPr>
           <a:p>
-            <a:pPr indent="0">
-              <a:buNone/>
-            </a:pPr>
-            <a:endParaRPr b="0" lang="en-US" sz="1800" spc="-1" strike="noStrike">
-              <a:solidFill>
-                <a:srgbClr val="000000"/>
-              </a:solidFill>
-              <a:latin typeface="Calibri"/>
+            <a:pPr indent="0" algn="ctr">
+              <a:buNone/>
+            </a:pPr>
+            <a:endParaRPr b="0" lang="en-IN" sz="4400" spc="-1" strike="noStrike">
+              <a:latin typeface="Arial"/>
             </a:endParaRPr>
           </a:p>
         </p:txBody>
@@ -1964,8 +1849,8 @@
         </p:nvSpPr>
         <p:spPr>
           <a:xfrm>
-            <a:off x="838080" y="1825560"/>
-            <a:ext cx="5131080" cy="2075040"/>
+            <a:off x="609480" y="1604520"/>
+            <a:ext cx="5354280" cy="1896840"/>
           </a:xfrm>
           <a:prstGeom prst="rect">
             <a:avLst/>
@@ -1981,19 +1866,13 @@
           </a:bodyPr>
           <a:p>
             <a:pPr indent="0">
-              <a:lnSpc>
-                <a:spcPct val="90000"/>
-              </a:lnSpc>
               <a:spcBef>
                 <a:spcPts val="1417"/>
               </a:spcBef>
               <a:buNone/>
             </a:pPr>
-            <a:endParaRPr b="0" lang="en-US" sz="2800" spc="-1" strike="noStrike">
-              <a:solidFill>
-                <a:srgbClr val="000000"/>
-              </a:solidFill>
-              <a:latin typeface="Calibri"/>
+            <a:endParaRPr b="0" lang="en-IN" sz="3200" spc="-1" strike="noStrike">
+              <a:latin typeface="Arial"/>
             </a:endParaRPr>
           </a:p>
         </p:txBody>
@@ -2010,8 +1889,8 @@
         </p:nvSpPr>
         <p:spPr>
           <a:xfrm>
-            <a:off x="6226200" y="1825560"/>
-            <a:ext cx="5131080" cy="4350960"/>
+            <a:off x="6231960" y="1604520"/>
+            <a:ext cx="5354280" cy="3977280"/>
           </a:xfrm>
           <a:prstGeom prst="rect">
             <a:avLst/>
@@ -2027,19 +1906,13 @@
           </a:bodyPr>
           <a:p>
             <a:pPr indent="0">
-              <a:lnSpc>
-                <a:spcPct val="90000"/>
-              </a:lnSpc>
               <a:spcBef>
                 <a:spcPts val="1417"/>
               </a:spcBef>
               <a:buNone/>
             </a:pPr>
-            <a:endParaRPr b="0" lang="en-US" sz="2800" spc="-1" strike="noStrike">
-              <a:solidFill>
-                <a:srgbClr val="000000"/>
-              </a:solidFill>
-              <a:latin typeface="Calibri"/>
+            <a:endParaRPr b="0" lang="en-IN" sz="3200" spc="-1" strike="noStrike">
+              <a:latin typeface="Arial"/>
             </a:endParaRPr>
           </a:p>
         </p:txBody>
@@ -2056,8 +1929,8 @@
         </p:nvSpPr>
         <p:spPr>
           <a:xfrm>
-            <a:off x="838080" y="4098240"/>
-            <a:ext cx="5131080" cy="2075040"/>
+            <a:off x="609480" y="3682080"/>
+            <a:ext cx="5354280" cy="1896840"/>
           </a:xfrm>
           <a:prstGeom prst="rect">
             <a:avLst/>
@@ -2073,19 +1946,13 @@
           </a:bodyPr>
           <a:p>
             <a:pPr indent="0">
-              <a:lnSpc>
-                <a:spcPct val="90000"/>
-              </a:lnSpc>
               <a:spcBef>
                 <a:spcPts val="1417"/>
               </a:spcBef>
               <a:buNone/>
             </a:pPr>
-            <a:endParaRPr b="0" lang="en-US" sz="2800" spc="-1" strike="noStrike">
-              <a:solidFill>
-                <a:srgbClr val="000000"/>
-              </a:solidFill>
-              <a:latin typeface="Calibri"/>
+            <a:endParaRPr b="0" lang="en-IN" sz="3200" spc="-1" strike="noStrike">
+              <a:latin typeface="Arial"/>
             </a:endParaRPr>
           </a:p>
         </p:txBody>
@@ -2097,7 +1964,7 @@
             <a:spLocks noGrp="1"/>
           </p:cNvSpPr>
           <p:nvPr>
-            <p:ph type="ftr" idx="5"/>
+            <p:ph type="ftr" idx="4"/>
           </p:nvPr>
         </p:nvSpPr>
         <p:spPr/>
@@ -2117,14 +1984,14 @@
             <a:spLocks noGrp="1"/>
           </p:cNvSpPr>
           <p:nvPr>
-            <p:ph type="sldNum" idx="6"/>
+            <p:ph type="sldNum" idx="5"/>
           </p:nvPr>
         </p:nvSpPr>
         <p:spPr/>
         <p:txBody>
           <a:bodyPr/>
           <a:p>
-            <a:fld id="{12D83FA9-5BBD-41CF-87FB-E9AFE750ABD5}" type="slidenum">
+            <a:fld id="{E95A6A61-ABDC-4DC9-9F6E-BAE2F1FABE0E}" type="slidenum">
               <a:t>&lt;#&gt;</a:t>
             </a:fld>
           </a:p>
@@ -2137,7 +2004,7 @@
             <a:spLocks noGrp="1"/>
           </p:cNvSpPr>
           <p:nvPr>
-            <p:ph type="dt" idx="4"/>
+            <p:ph type="dt" idx="6"/>
           </p:nvPr>
         </p:nvSpPr>
         <p:spPr/>
@@ -2185,8 +2052,8 @@
         </p:nvSpPr>
         <p:spPr>
           <a:xfrm>
-            <a:off x="838080" y="365040"/>
-            <a:ext cx="10515240" cy="1325160"/>
+            <a:off x="609480" y="273600"/>
+            <a:ext cx="10972440" cy="1144800"/>
           </a:xfrm>
           <a:prstGeom prst="rect">
             <a:avLst/>
@@ -2201,14 +2068,11 @@
             <a:noAutofit/>
           </a:bodyPr>
           <a:p>
-            <a:pPr indent="0">
-              <a:buNone/>
-            </a:pPr>
-            <a:endParaRPr b="0" lang="en-US" sz="1800" spc="-1" strike="noStrike">
-              <a:solidFill>
-                <a:srgbClr val="000000"/>
-              </a:solidFill>
-              <a:latin typeface="Calibri"/>
+            <a:pPr indent="0" algn="ctr">
+              <a:buNone/>
+            </a:pPr>
+            <a:endParaRPr b="0" lang="en-IN" sz="4400" spc="-1" strike="noStrike">
+              <a:latin typeface="Arial"/>
             </a:endParaRPr>
           </a:p>
         </p:txBody>
@@ -2225,8 +2089,8 @@
         </p:nvSpPr>
         <p:spPr>
           <a:xfrm>
-            <a:off x="838080" y="1825560"/>
-            <a:ext cx="10515240" cy="4350960"/>
+            <a:off x="609480" y="1604520"/>
+            <a:ext cx="10972440" cy="3977280"/>
           </a:xfrm>
           <a:prstGeom prst="rect">
             <a:avLst/>
@@ -2257,7 +2121,7 @@
             <a:spLocks noGrp="1"/>
           </p:cNvSpPr>
           <p:nvPr>
-            <p:ph type="ftr" idx="2"/>
+            <p:ph type="ftr" idx="1"/>
           </p:nvPr>
         </p:nvSpPr>
         <p:spPr/>
@@ -2277,14 +2141,14 @@
             <a:spLocks noGrp="1"/>
           </p:cNvSpPr>
           <p:nvPr>
-            <p:ph type="sldNum" idx="3"/>
+            <p:ph type="sldNum" idx="2"/>
           </p:nvPr>
         </p:nvSpPr>
         <p:spPr/>
         <p:txBody>
           <a:bodyPr/>
           <a:p>
-            <a:fld id="{27D90B00-CC6B-479E-9B84-97689AEA3A81}" type="slidenum">
+            <a:fld id="{333FA16D-58A2-4A34-9787-A9B35036A99D}" type="slidenum">
               <a:t>&lt;#&gt;</a:t>
             </a:fld>
           </a:p>
@@ -2297,7 +2161,7 @@
             <a:spLocks noGrp="1"/>
           </p:cNvSpPr>
           <p:nvPr>
-            <p:ph type="dt" idx="1"/>
+            <p:ph type="dt" idx="3"/>
           </p:nvPr>
         </p:nvSpPr>
         <p:spPr/>
@@ -2345,8 +2209,8 @@
         </p:nvSpPr>
         <p:spPr>
           <a:xfrm>
-            <a:off x="838080" y="365040"/>
-            <a:ext cx="10515240" cy="1325160"/>
+            <a:off x="609480" y="273600"/>
+            <a:ext cx="10972440" cy="1144800"/>
           </a:xfrm>
           <a:prstGeom prst="rect">
             <a:avLst/>
@@ -2361,14 +2225,11 @@
             <a:noAutofit/>
           </a:bodyPr>
           <a:p>
-            <a:pPr indent="0">
-              <a:buNone/>
-            </a:pPr>
-            <a:endParaRPr b="0" lang="en-US" sz="1800" spc="-1" strike="noStrike">
-              <a:solidFill>
-                <a:srgbClr val="000000"/>
-              </a:solidFill>
-              <a:latin typeface="Calibri"/>
+            <a:pPr indent="0" algn="ctr">
+              <a:buNone/>
+            </a:pPr>
+            <a:endParaRPr b="0" lang="en-IN" sz="4400" spc="-1" strike="noStrike">
+              <a:latin typeface="Arial"/>
             </a:endParaRPr>
           </a:p>
         </p:txBody>
@@ -2385,8 +2246,8 @@
         </p:nvSpPr>
         <p:spPr>
           <a:xfrm>
-            <a:off x="838080" y="1825560"/>
-            <a:ext cx="5131080" cy="4350960"/>
+            <a:off x="609480" y="1604520"/>
+            <a:ext cx="5354280" cy="3977280"/>
           </a:xfrm>
           <a:prstGeom prst="rect">
             <a:avLst/>
@@ -2402,19 +2263,13 @@
           </a:bodyPr>
           <a:p>
             <a:pPr indent="0">
-              <a:lnSpc>
-                <a:spcPct val="90000"/>
-              </a:lnSpc>
               <a:spcBef>
                 <a:spcPts val="1417"/>
               </a:spcBef>
               <a:buNone/>
             </a:pPr>
-            <a:endParaRPr b="0" lang="en-US" sz="2800" spc="-1" strike="noStrike">
-              <a:solidFill>
-                <a:srgbClr val="000000"/>
-              </a:solidFill>
-              <a:latin typeface="Calibri"/>
+            <a:endParaRPr b="0" lang="en-IN" sz="3200" spc="-1" strike="noStrike">
+              <a:latin typeface="Arial"/>
             </a:endParaRPr>
           </a:p>
         </p:txBody>
@@ -2431,8 +2286,8 @@
         </p:nvSpPr>
         <p:spPr>
           <a:xfrm>
-            <a:off x="6226200" y="1825560"/>
-            <a:ext cx="5131080" cy="2075040"/>
+            <a:off x="6231960" y="1604520"/>
+            <a:ext cx="5354280" cy="1896840"/>
           </a:xfrm>
           <a:prstGeom prst="rect">
             <a:avLst/>
@@ -2448,19 +2303,13 @@
           </a:bodyPr>
           <a:p>
             <a:pPr indent="0">
-              <a:lnSpc>
-                <a:spcPct val="90000"/>
-              </a:lnSpc>
               <a:spcBef>
                 <a:spcPts val="1417"/>
               </a:spcBef>
               <a:buNone/>
             </a:pPr>
-            <a:endParaRPr b="0" lang="en-US" sz="2800" spc="-1" strike="noStrike">
-              <a:solidFill>
-                <a:srgbClr val="000000"/>
-              </a:solidFill>
-              <a:latin typeface="Calibri"/>
+            <a:endParaRPr b="0" lang="en-IN" sz="3200" spc="-1" strike="noStrike">
+              <a:latin typeface="Arial"/>
             </a:endParaRPr>
           </a:p>
         </p:txBody>
@@ -2477,8 +2326,8 @@
         </p:nvSpPr>
         <p:spPr>
           <a:xfrm>
-            <a:off x="6226200" y="4098240"/>
-            <a:ext cx="5131080" cy="2075040"/>
+            <a:off x="6231960" y="3682080"/>
+            <a:ext cx="5354280" cy="1896840"/>
           </a:xfrm>
           <a:prstGeom prst="rect">
             <a:avLst/>
@@ -2494,19 +2343,13 @@
           </a:bodyPr>
           <a:p>
             <a:pPr indent="0">
-              <a:lnSpc>
-                <a:spcPct val="90000"/>
-              </a:lnSpc>
               <a:spcBef>
                 <a:spcPts val="1417"/>
               </a:spcBef>
               <a:buNone/>
             </a:pPr>
-            <a:endParaRPr b="0" lang="en-US" sz="2800" spc="-1" strike="noStrike">
-              <a:solidFill>
-                <a:srgbClr val="000000"/>
-              </a:solidFill>
-              <a:latin typeface="Calibri"/>
+            <a:endParaRPr b="0" lang="en-IN" sz="3200" spc="-1" strike="noStrike">
+              <a:latin typeface="Arial"/>
             </a:endParaRPr>
           </a:p>
         </p:txBody>
@@ -2518,7 +2361,7 @@
             <a:spLocks noGrp="1"/>
           </p:cNvSpPr>
           <p:nvPr>
-            <p:ph type="ftr" idx="5"/>
+            <p:ph type="ftr" idx="4"/>
           </p:nvPr>
         </p:nvSpPr>
         <p:spPr/>
@@ -2538,14 +2381,14 @@
             <a:spLocks noGrp="1"/>
           </p:cNvSpPr>
           <p:nvPr>
-            <p:ph type="sldNum" idx="6"/>
+            <p:ph type="sldNum" idx="5"/>
           </p:nvPr>
         </p:nvSpPr>
         <p:spPr/>
         <p:txBody>
           <a:bodyPr/>
           <a:p>
-            <a:fld id="{45046C99-EBC6-4C8A-BDF0-952B82CFD64B}" type="slidenum">
+            <a:fld id="{09AC5AA5-43EC-49B1-82D7-2662F1541350}" type="slidenum">
               <a:t>&lt;#&gt;</a:t>
             </a:fld>
           </a:p>
@@ -2558,7 +2401,7 @@
             <a:spLocks noGrp="1"/>
           </p:cNvSpPr>
           <p:nvPr>
-            <p:ph type="dt" idx="4"/>
+            <p:ph type="dt" idx="6"/>
           </p:nvPr>
         </p:nvSpPr>
         <p:spPr/>
@@ -2606,8 +2449,8 @@
         </p:nvSpPr>
         <p:spPr>
           <a:xfrm>
-            <a:off x="838080" y="365040"/>
-            <a:ext cx="10515240" cy="1325160"/>
+            <a:off x="609480" y="273600"/>
+            <a:ext cx="10972440" cy="1144800"/>
           </a:xfrm>
           <a:prstGeom prst="rect">
             <a:avLst/>
@@ -2622,14 +2465,11 @@
             <a:noAutofit/>
           </a:bodyPr>
           <a:p>
-            <a:pPr indent="0">
-              <a:buNone/>
-            </a:pPr>
-            <a:endParaRPr b="0" lang="en-US" sz="1800" spc="-1" strike="noStrike">
-              <a:solidFill>
-                <a:srgbClr val="000000"/>
-              </a:solidFill>
-              <a:latin typeface="Calibri"/>
+            <a:pPr indent="0" algn="ctr">
+              <a:buNone/>
+            </a:pPr>
+            <a:endParaRPr b="0" lang="en-IN" sz="4400" spc="-1" strike="noStrike">
+              <a:latin typeface="Arial"/>
             </a:endParaRPr>
           </a:p>
         </p:txBody>
@@ -2646,8 +2486,8 @@
         </p:nvSpPr>
         <p:spPr>
           <a:xfrm>
-            <a:off x="838080" y="1825560"/>
-            <a:ext cx="5131080" cy="2075040"/>
+            <a:off x="609480" y="1604520"/>
+            <a:ext cx="5354280" cy="1896840"/>
           </a:xfrm>
           <a:prstGeom prst="rect">
             <a:avLst/>
@@ -2663,19 +2503,13 @@
           </a:bodyPr>
           <a:p>
             <a:pPr indent="0">
-              <a:lnSpc>
-                <a:spcPct val="90000"/>
-              </a:lnSpc>
               <a:spcBef>
                 <a:spcPts val="1417"/>
               </a:spcBef>
               <a:buNone/>
             </a:pPr>
-            <a:endParaRPr b="0" lang="en-US" sz="2800" spc="-1" strike="noStrike">
-              <a:solidFill>
-                <a:srgbClr val="000000"/>
-              </a:solidFill>
-              <a:latin typeface="Calibri"/>
+            <a:endParaRPr b="0" lang="en-IN" sz="3200" spc="-1" strike="noStrike">
+              <a:latin typeface="Arial"/>
             </a:endParaRPr>
           </a:p>
         </p:txBody>
@@ -2692,8 +2526,8 @@
         </p:nvSpPr>
         <p:spPr>
           <a:xfrm>
-            <a:off x="6226200" y="1825560"/>
-            <a:ext cx="5131080" cy="2075040"/>
+            <a:off x="6231960" y="1604520"/>
+            <a:ext cx="5354280" cy="1896840"/>
           </a:xfrm>
           <a:prstGeom prst="rect">
             <a:avLst/>
@@ -2709,19 +2543,13 @@
           </a:bodyPr>
           <a:p>
             <a:pPr indent="0">
-              <a:lnSpc>
-                <a:spcPct val="90000"/>
-              </a:lnSpc>
               <a:spcBef>
                 <a:spcPts val="1417"/>
               </a:spcBef>
               <a:buNone/>
             </a:pPr>
-            <a:endParaRPr b="0" lang="en-US" sz="2800" spc="-1" strike="noStrike">
-              <a:solidFill>
-                <a:srgbClr val="000000"/>
-              </a:solidFill>
-              <a:latin typeface="Calibri"/>
+            <a:endParaRPr b="0" lang="en-IN" sz="3200" spc="-1" strike="noStrike">
+              <a:latin typeface="Arial"/>
             </a:endParaRPr>
           </a:p>
         </p:txBody>
@@ -2738,8 +2566,8 @@
         </p:nvSpPr>
         <p:spPr>
           <a:xfrm>
-            <a:off x="838080" y="4098240"/>
-            <a:ext cx="10515240" cy="2075040"/>
+            <a:off x="609480" y="3682080"/>
+            <a:ext cx="10972440" cy="1896840"/>
           </a:xfrm>
           <a:prstGeom prst="rect">
             <a:avLst/>
@@ -2755,19 +2583,13 @@
           </a:bodyPr>
           <a:p>
             <a:pPr indent="0">
-              <a:lnSpc>
-                <a:spcPct val="90000"/>
-              </a:lnSpc>
               <a:spcBef>
                 <a:spcPts val="1417"/>
               </a:spcBef>
               <a:buNone/>
             </a:pPr>
-            <a:endParaRPr b="0" lang="en-US" sz="2800" spc="-1" strike="noStrike">
-              <a:solidFill>
-                <a:srgbClr val="000000"/>
-              </a:solidFill>
-              <a:latin typeface="Calibri"/>
+            <a:endParaRPr b="0" lang="en-IN" sz="3200" spc="-1" strike="noStrike">
+              <a:latin typeface="Arial"/>
             </a:endParaRPr>
           </a:p>
         </p:txBody>
@@ -2779,7 +2601,7 @@
             <a:spLocks noGrp="1"/>
           </p:cNvSpPr>
           <p:nvPr>
-            <p:ph type="ftr" idx="5"/>
+            <p:ph type="ftr" idx="4"/>
           </p:nvPr>
         </p:nvSpPr>
         <p:spPr/>
@@ -2799,14 +2621,14 @@
             <a:spLocks noGrp="1"/>
           </p:cNvSpPr>
           <p:nvPr>
-            <p:ph type="sldNum" idx="6"/>
+            <p:ph type="sldNum" idx="5"/>
           </p:nvPr>
         </p:nvSpPr>
         <p:spPr/>
         <p:txBody>
           <a:bodyPr/>
           <a:p>
-            <a:fld id="{8E7121B3-6674-47CA-B1B2-A7FA44344DB8}" type="slidenum">
+            <a:fld id="{BE6E14E5-8338-439E-A8B7-8419A4D3F3EC}" type="slidenum">
               <a:t>&lt;#&gt;</a:t>
             </a:fld>
           </a:p>
@@ -2819,7 +2641,7 @@
             <a:spLocks noGrp="1"/>
           </p:cNvSpPr>
           <p:nvPr>
-            <p:ph type="dt" idx="4"/>
+            <p:ph type="dt" idx="6"/>
           </p:nvPr>
         </p:nvSpPr>
         <p:spPr/>
@@ -2867,8 +2689,8 @@
         </p:nvSpPr>
         <p:spPr>
           <a:xfrm>
-            <a:off x="838080" y="365040"/>
-            <a:ext cx="10515240" cy="1325160"/>
+            <a:off x="609480" y="273600"/>
+            <a:ext cx="10972440" cy="1144800"/>
           </a:xfrm>
           <a:prstGeom prst="rect">
             <a:avLst/>
@@ -2883,14 +2705,11 @@
             <a:noAutofit/>
           </a:bodyPr>
           <a:p>
-            <a:pPr indent="0">
-              <a:buNone/>
-            </a:pPr>
-            <a:endParaRPr b="0" lang="en-US" sz="1800" spc="-1" strike="noStrike">
-              <a:solidFill>
-                <a:srgbClr val="000000"/>
-              </a:solidFill>
-              <a:latin typeface="Calibri"/>
+            <a:pPr indent="0" algn="ctr">
+              <a:buNone/>
+            </a:pPr>
+            <a:endParaRPr b="0" lang="en-IN" sz="4400" spc="-1" strike="noStrike">
+              <a:latin typeface="Arial"/>
             </a:endParaRPr>
           </a:p>
         </p:txBody>
@@ -2907,8 +2726,8 @@
         </p:nvSpPr>
         <p:spPr>
           <a:xfrm>
-            <a:off x="838080" y="1825560"/>
-            <a:ext cx="10515240" cy="2075040"/>
+            <a:off x="609480" y="1604520"/>
+            <a:ext cx="10972440" cy="1896840"/>
           </a:xfrm>
           <a:prstGeom prst="rect">
             <a:avLst/>
@@ -2924,19 +2743,13 @@
           </a:bodyPr>
           <a:p>
             <a:pPr indent="0">
-              <a:lnSpc>
-                <a:spcPct val="90000"/>
-              </a:lnSpc>
               <a:spcBef>
                 <a:spcPts val="1417"/>
               </a:spcBef>
               <a:buNone/>
             </a:pPr>
-            <a:endParaRPr b="0" lang="en-US" sz="2800" spc="-1" strike="noStrike">
-              <a:solidFill>
-                <a:srgbClr val="000000"/>
-              </a:solidFill>
-              <a:latin typeface="Calibri"/>
+            <a:endParaRPr b="0" lang="en-IN" sz="3200" spc="-1" strike="noStrike">
+              <a:latin typeface="Arial"/>
             </a:endParaRPr>
           </a:p>
         </p:txBody>
@@ -2953,8 +2766,8 @@
         </p:nvSpPr>
         <p:spPr>
           <a:xfrm>
-            <a:off x="838080" y="4098240"/>
-            <a:ext cx="10515240" cy="2075040"/>
+            <a:off x="609480" y="3682080"/>
+            <a:ext cx="10972440" cy="1896840"/>
           </a:xfrm>
           <a:prstGeom prst="rect">
             <a:avLst/>
@@ -2970,19 +2783,13 @@
           </a:bodyPr>
           <a:p>
             <a:pPr indent="0">
-              <a:lnSpc>
-                <a:spcPct val="90000"/>
-              </a:lnSpc>
               <a:spcBef>
                 <a:spcPts val="1417"/>
               </a:spcBef>
               <a:buNone/>
             </a:pPr>
-            <a:endParaRPr b="0" lang="en-US" sz="2800" spc="-1" strike="noStrike">
-              <a:solidFill>
-                <a:srgbClr val="000000"/>
-              </a:solidFill>
-              <a:latin typeface="Calibri"/>
+            <a:endParaRPr b="0" lang="en-IN" sz="3200" spc="-1" strike="noStrike">
+              <a:latin typeface="Arial"/>
             </a:endParaRPr>
           </a:p>
         </p:txBody>
@@ -2994,7 +2801,7 @@
             <a:spLocks noGrp="1"/>
           </p:cNvSpPr>
           <p:nvPr>
-            <p:ph type="ftr" idx="5"/>
+            <p:ph type="ftr" idx="4"/>
           </p:nvPr>
         </p:nvSpPr>
         <p:spPr/>
@@ -3014,14 +2821,14 @@
             <a:spLocks noGrp="1"/>
           </p:cNvSpPr>
           <p:nvPr>
-            <p:ph type="sldNum" idx="6"/>
+            <p:ph type="sldNum" idx="5"/>
           </p:nvPr>
         </p:nvSpPr>
         <p:spPr/>
         <p:txBody>
           <a:bodyPr/>
           <a:p>
-            <a:fld id="{ABE25F1E-985E-41B3-99EC-03F3EC61B111}" type="slidenum">
+            <a:fld id="{36EE095D-86B5-4C52-B3E1-9AFB2EC62DB3}" type="slidenum">
               <a:t>&lt;#&gt;</a:t>
             </a:fld>
           </a:p>
@@ -3034,7 +2841,7 @@
             <a:spLocks noGrp="1"/>
           </p:cNvSpPr>
           <p:nvPr>
-            <p:ph type="dt" idx="4"/>
+            <p:ph type="dt" idx="6"/>
           </p:nvPr>
         </p:nvSpPr>
         <p:spPr/>
@@ -3082,8 +2889,8 @@
         </p:nvSpPr>
         <p:spPr>
           <a:xfrm>
-            <a:off x="838080" y="365040"/>
-            <a:ext cx="10515240" cy="1325160"/>
+            <a:off x="609480" y="273600"/>
+            <a:ext cx="10972440" cy="1144800"/>
           </a:xfrm>
           <a:prstGeom prst="rect">
             <a:avLst/>
@@ -3098,14 +2905,11 @@
             <a:noAutofit/>
           </a:bodyPr>
           <a:p>
-            <a:pPr indent="0">
-              <a:buNone/>
-            </a:pPr>
-            <a:endParaRPr b="0" lang="en-US" sz="1800" spc="-1" strike="noStrike">
-              <a:solidFill>
-                <a:srgbClr val="000000"/>
-              </a:solidFill>
-              <a:latin typeface="Calibri"/>
+            <a:pPr indent="0" algn="ctr">
+              <a:buNone/>
+            </a:pPr>
+            <a:endParaRPr b="0" lang="en-IN" sz="4400" spc="-1" strike="noStrike">
+              <a:latin typeface="Arial"/>
             </a:endParaRPr>
           </a:p>
         </p:txBody>
@@ -3122,8 +2926,8 @@
         </p:nvSpPr>
         <p:spPr>
           <a:xfrm>
-            <a:off x="838080" y="1825560"/>
-            <a:ext cx="5131080" cy="2075040"/>
+            <a:off x="609480" y="1604520"/>
+            <a:ext cx="5354280" cy="1896840"/>
           </a:xfrm>
           <a:prstGeom prst="rect">
             <a:avLst/>
@@ -3139,19 +2943,13 @@
           </a:bodyPr>
           <a:p>
             <a:pPr indent="0">
-              <a:lnSpc>
-                <a:spcPct val="90000"/>
-              </a:lnSpc>
               <a:spcBef>
                 <a:spcPts val="1417"/>
               </a:spcBef>
               <a:buNone/>
             </a:pPr>
-            <a:endParaRPr b="0" lang="en-US" sz="2800" spc="-1" strike="noStrike">
-              <a:solidFill>
-                <a:srgbClr val="000000"/>
-              </a:solidFill>
-              <a:latin typeface="Calibri"/>
+            <a:endParaRPr b="0" lang="en-IN" sz="3200" spc="-1" strike="noStrike">
+              <a:latin typeface="Arial"/>
             </a:endParaRPr>
           </a:p>
         </p:txBody>
@@ -3168,8 +2966,8 @@
         </p:nvSpPr>
         <p:spPr>
           <a:xfrm>
-            <a:off x="6226200" y="1825560"/>
-            <a:ext cx="5131080" cy="2075040"/>
+            <a:off x="6231960" y="1604520"/>
+            <a:ext cx="5354280" cy="1896840"/>
           </a:xfrm>
           <a:prstGeom prst="rect">
             <a:avLst/>
@@ -3185,19 +2983,13 @@
           </a:bodyPr>
           <a:p>
             <a:pPr indent="0">
-              <a:lnSpc>
-                <a:spcPct val="90000"/>
-              </a:lnSpc>
               <a:spcBef>
                 <a:spcPts val="1417"/>
               </a:spcBef>
               <a:buNone/>
             </a:pPr>
-            <a:endParaRPr b="0" lang="en-US" sz="2800" spc="-1" strike="noStrike">
-              <a:solidFill>
-                <a:srgbClr val="000000"/>
-              </a:solidFill>
-              <a:latin typeface="Calibri"/>
+            <a:endParaRPr b="0" lang="en-IN" sz="3200" spc="-1" strike="noStrike">
+              <a:latin typeface="Arial"/>
             </a:endParaRPr>
           </a:p>
         </p:txBody>
@@ -3214,8 +3006,8 @@
         </p:nvSpPr>
         <p:spPr>
           <a:xfrm>
-            <a:off x="838080" y="4098240"/>
-            <a:ext cx="5131080" cy="2075040"/>
+            <a:off x="609480" y="3682080"/>
+            <a:ext cx="5354280" cy="1896840"/>
           </a:xfrm>
           <a:prstGeom prst="rect">
             <a:avLst/>
@@ -3231,19 +3023,13 @@
           </a:bodyPr>
           <a:p>
             <a:pPr indent="0">
-              <a:lnSpc>
-                <a:spcPct val="90000"/>
-              </a:lnSpc>
               <a:spcBef>
                 <a:spcPts val="1417"/>
               </a:spcBef>
               <a:buNone/>
             </a:pPr>
-            <a:endParaRPr b="0" lang="en-US" sz="2800" spc="-1" strike="noStrike">
-              <a:solidFill>
-                <a:srgbClr val="000000"/>
-              </a:solidFill>
-              <a:latin typeface="Calibri"/>
+            <a:endParaRPr b="0" lang="en-IN" sz="3200" spc="-1" strike="noStrike">
+              <a:latin typeface="Arial"/>
             </a:endParaRPr>
           </a:p>
         </p:txBody>
@@ -3260,8 +3046,8 @@
         </p:nvSpPr>
         <p:spPr>
           <a:xfrm>
-            <a:off x="6226200" y="4098240"/>
-            <a:ext cx="5131080" cy="2075040"/>
+            <a:off x="6231960" y="3682080"/>
+            <a:ext cx="5354280" cy="1896840"/>
           </a:xfrm>
           <a:prstGeom prst="rect">
             <a:avLst/>
@@ -3277,19 +3063,13 @@
           </a:bodyPr>
           <a:p>
             <a:pPr indent="0">
-              <a:lnSpc>
-                <a:spcPct val="90000"/>
-              </a:lnSpc>
               <a:spcBef>
                 <a:spcPts val="1417"/>
               </a:spcBef>
               <a:buNone/>
             </a:pPr>
-            <a:endParaRPr b="0" lang="en-US" sz="2800" spc="-1" strike="noStrike">
-              <a:solidFill>
-                <a:srgbClr val="000000"/>
-              </a:solidFill>
-              <a:latin typeface="Calibri"/>
+            <a:endParaRPr b="0" lang="en-IN" sz="3200" spc="-1" strike="noStrike">
+              <a:latin typeface="Arial"/>
             </a:endParaRPr>
           </a:p>
         </p:txBody>
@@ -3301,7 +3081,7 @@
             <a:spLocks noGrp="1"/>
           </p:cNvSpPr>
           <p:nvPr>
-            <p:ph type="ftr" idx="5"/>
+            <p:ph type="ftr" idx="4"/>
           </p:nvPr>
         </p:nvSpPr>
         <p:spPr/>
@@ -3321,14 +3101,14 @@
             <a:spLocks noGrp="1"/>
           </p:cNvSpPr>
           <p:nvPr>
-            <p:ph type="sldNum" idx="6"/>
+            <p:ph type="sldNum" idx="5"/>
           </p:nvPr>
         </p:nvSpPr>
         <p:spPr/>
         <p:txBody>
           <a:bodyPr/>
           <a:p>
-            <a:fld id="{5AE7F3DE-053B-4D03-849E-A21E75CB7B2B}" type="slidenum">
+            <a:fld id="{6D19B736-4B5A-44C1-813A-F81807787824}" type="slidenum">
               <a:t>&lt;#&gt;</a:t>
             </a:fld>
           </a:p>
@@ -3341,7 +3121,7 @@
             <a:spLocks noGrp="1"/>
           </p:cNvSpPr>
           <p:nvPr>
-            <p:ph type="dt" idx="4"/>
+            <p:ph type="dt" idx="6"/>
           </p:nvPr>
         </p:nvSpPr>
         <p:spPr/>
@@ -3389,8 +3169,8 @@
         </p:nvSpPr>
         <p:spPr>
           <a:xfrm>
-            <a:off x="838080" y="365040"/>
-            <a:ext cx="10515240" cy="1325160"/>
+            <a:off x="609480" y="273600"/>
+            <a:ext cx="10972440" cy="1144800"/>
           </a:xfrm>
           <a:prstGeom prst="rect">
             <a:avLst/>
@@ -3405,14 +3185,11 @@
             <a:noAutofit/>
           </a:bodyPr>
           <a:p>
-            <a:pPr indent="0">
-              <a:buNone/>
-            </a:pPr>
-            <a:endParaRPr b="0" lang="en-US" sz="1800" spc="-1" strike="noStrike">
-              <a:solidFill>
-                <a:srgbClr val="000000"/>
-              </a:solidFill>
-              <a:latin typeface="Calibri"/>
+            <a:pPr indent="0" algn="ctr">
+              <a:buNone/>
+            </a:pPr>
+            <a:endParaRPr b="0" lang="en-IN" sz="4400" spc="-1" strike="noStrike">
+              <a:latin typeface="Arial"/>
             </a:endParaRPr>
           </a:p>
         </p:txBody>
@@ -3429,8 +3206,8 @@
         </p:nvSpPr>
         <p:spPr>
           <a:xfrm>
-            <a:off x="838080" y="1825560"/>
-            <a:ext cx="3385800" cy="2075040"/>
+            <a:off x="609480" y="1604520"/>
+            <a:ext cx="3533040" cy="1896840"/>
           </a:xfrm>
           <a:prstGeom prst="rect">
             <a:avLst/>
@@ -3446,19 +3223,13 @@
           </a:bodyPr>
           <a:p>
             <a:pPr indent="0">
-              <a:lnSpc>
-                <a:spcPct val="90000"/>
-              </a:lnSpc>
               <a:spcBef>
                 <a:spcPts val="1417"/>
               </a:spcBef>
               <a:buNone/>
             </a:pPr>
-            <a:endParaRPr b="0" lang="en-US" sz="2800" spc="-1" strike="noStrike">
-              <a:solidFill>
-                <a:srgbClr val="000000"/>
-              </a:solidFill>
-              <a:latin typeface="Calibri"/>
+            <a:endParaRPr b="0" lang="en-IN" sz="3200" spc="-1" strike="noStrike">
+              <a:latin typeface="Arial"/>
             </a:endParaRPr>
           </a:p>
         </p:txBody>
@@ -3475,8 +3246,8 @@
         </p:nvSpPr>
         <p:spPr>
           <a:xfrm>
-            <a:off x="4393440" y="1825560"/>
-            <a:ext cx="3385800" cy="2075040"/>
+            <a:off x="4319640" y="1604520"/>
+            <a:ext cx="3533040" cy="1896840"/>
           </a:xfrm>
           <a:prstGeom prst="rect">
             <a:avLst/>
@@ -3492,19 +3263,13 @@
           </a:bodyPr>
           <a:p>
             <a:pPr indent="0">
-              <a:lnSpc>
-                <a:spcPct val="90000"/>
-              </a:lnSpc>
               <a:spcBef>
                 <a:spcPts val="1417"/>
               </a:spcBef>
               <a:buNone/>
             </a:pPr>
-            <a:endParaRPr b="0" lang="en-US" sz="2800" spc="-1" strike="noStrike">
-              <a:solidFill>
-                <a:srgbClr val="000000"/>
-              </a:solidFill>
-              <a:latin typeface="Calibri"/>
+            <a:endParaRPr b="0" lang="en-IN" sz="3200" spc="-1" strike="noStrike">
+              <a:latin typeface="Arial"/>
             </a:endParaRPr>
           </a:p>
         </p:txBody>
@@ -3521,8 +3286,8 @@
         </p:nvSpPr>
         <p:spPr>
           <a:xfrm>
-            <a:off x="7949160" y="1825560"/>
-            <a:ext cx="3385800" cy="2075040"/>
+            <a:off x="8029800" y="1604520"/>
+            <a:ext cx="3533040" cy="1896840"/>
           </a:xfrm>
           <a:prstGeom prst="rect">
             <a:avLst/>
@@ -3538,19 +3303,13 @@
           </a:bodyPr>
           <a:p>
             <a:pPr indent="0">
-              <a:lnSpc>
-                <a:spcPct val="90000"/>
-              </a:lnSpc>
               <a:spcBef>
                 <a:spcPts val="1417"/>
               </a:spcBef>
               <a:buNone/>
             </a:pPr>
-            <a:endParaRPr b="0" lang="en-US" sz="2800" spc="-1" strike="noStrike">
-              <a:solidFill>
-                <a:srgbClr val="000000"/>
-              </a:solidFill>
-              <a:latin typeface="Calibri"/>
+            <a:endParaRPr b="0" lang="en-IN" sz="3200" spc="-1" strike="noStrike">
+              <a:latin typeface="Arial"/>
             </a:endParaRPr>
           </a:p>
         </p:txBody>
@@ -3567,8 +3326,8 @@
         </p:nvSpPr>
         <p:spPr>
           <a:xfrm>
-            <a:off x="838080" y="4098240"/>
-            <a:ext cx="3385800" cy="2075040"/>
+            <a:off x="609480" y="3682080"/>
+            <a:ext cx="3533040" cy="1896840"/>
           </a:xfrm>
           <a:prstGeom prst="rect">
             <a:avLst/>
@@ -3584,19 +3343,13 @@
           </a:bodyPr>
           <a:p>
             <a:pPr indent="0">
-              <a:lnSpc>
-                <a:spcPct val="90000"/>
-              </a:lnSpc>
               <a:spcBef>
                 <a:spcPts val="1417"/>
               </a:spcBef>
               <a:buNone/>
             </a:pPr>
-            <a:endParaRPr b="0" lang="en-US" sz="2800" spc="-1" strike="noStrike">
-              <a:solidFill>
-                <a:srgbClr val="000000"/>
-              </a:solidFill>
-              <a:latin typeface="Calibri"/>
+            <a:endParaRPr b="0" lang="en-IN" sz="3200" spc="-1" strike="noStrike">
+              <a:latin typeface="Arial"/>
             </a:endParaRPr>
           </a:p>
         </p:txBody>
@@ -3613,8 +3366,8 @@
         </p:nvSpPr>
         <p:spPr>
           <a:xfrm>
-            <a:off x="4393440" y="4098240"/>
-            <a:ext cx="3385800" cy="2075040"/>
+            <a:off x="4319640" y="3682080"/>
+            <a:ext cx="3533040" cy="1896840"/>
           </a:xfrm>
           <a:prstGeom prst="rect">
             <a:avLst/>
@@ -3630,19 +3383,13 @@
           </a:bodyPr>
           <a:p>
             <a:pPr indent="0">
-              <a:lnSpc>
-                <a:spcPct val="90000"/>
-              </a:lnSpc>
               <a:spcBef>
                 <a:spcPts val="1417"/>
               </a:spcBef>
               <a:buNone/>
             </a:pPr>
-            <a:endParaRPr b="0" lang="en-US" sz="2800" spc="-1" strike="noStrike">
-              <a:solidFill>
-                <a:srgbClr val="000000"/>
-              </a:solidFill>
-              <a:latin typeface="Calibri"/>
+            <a:endParaRPr b="0" lang="en-IN" sz="3200" spc="-1" strike="noStrike">
+              <a:latin typeface="Arial"/>
             </a:endParaRPr>
           </a:p>
         </p:txBody>
@@ -3659,8 +3406,8 @@
         </p:nvSpPr>
         <p:spPr>
           <a:xfrm>
-            <a:off x="7949160" y="4098240"/>
-            <a:ext cx="3385800" cy="2075040"/>
+            <a:off x="8029800" y="3682080"/>
+            <a:ext cx="3533040" cy="1896840"/>
           </a:xfrm>
           <a:prstGeom prst="rect">
             <a:avLst/>
@@ -3676,19 +3423,13 @@
           </a:bodyPr>
           <a:p>
             <a:pPr indent="0">
-              <a:lnSpc>
-                <a:spcPct val="90000"/>
-              </a:lnSpc>
               <a:spcBef>
                 <a:spcPts val="1417"/>
               </a:spcBef>
               <a:buNone/>
             </a:pPr>
-            <a:endParaRPr b="0" lang="en-US" sz="2800" spc="-1" strike="noStrike">
-              <a:solidFill>
-                <a:srgbClr val="000000"/>
-              </a:solidFill>
-              <a:latin typeface="Calibri"/>
+            <a:endParaRPr b="0" lang="en-IN" sz="3200" spc="-1" strike="noStrike">
+              <a:latin typeface="Arial"/>
             </a:endParaRPr>
           </a:p>
         </p:txBody>
@@ -3700,7 +3441,7 @@
             <a:spLocks noGrp="1"/>
           </p:cNvSpPr>
           <p:nvPr>
-            <p:ph type="ftr" idx="5"/>
+            <p:ph type="ftr" idx="4"/>
           </p:nvPr>
         </p:nvSpPr>
         <p:spPr/>
@@ -3720,14 +3461,14 @@
             <a:spLocks noGrp="1"/>
           </p:cNvSpPr>
           <p:nvPr>
-            <p:ph type="sldNum" idx="6"/>
+            <p:ph type="sldNum" idx="5"/>
           </p:nvPr>
         </p:nvSpPr>
         <p:spPr/>
         <p:txBody>
           <a:bodyPr/>
           <a:p>
-            <a:fld id="{ECC61A7D-E793-4E36-A68E-23FB918AAEFB}" type="slidenum">
+            <a:fld id="{CD2A5397-1982-43CB-A845-C6D8E5F2927E}" type="slidenum">
               <a:t>&lt;#&gt;</a:t>
             </a:fld>
           </a:p>
@@ -3740,7 +3481,7 @@
             <a:spLocks noGrp="1"/>
           </p:cNvSpPr>
           <p:nvPr>
-            <p:ph type="dt" idx="4"/>
+            <p:ph type="dt" idx="6"/>
           </p:nvPr>
         </p:nvSpPr>
         <p:spPr/>
@@ -3788,8 +3529,8 @@
         </p:nvSpPr>
         <p:spPr>
           <a:xfrm>
-            <a:off x="838080" y="365040"/>
-            <a:ext cx="10515240" cy="1325160"/>
+            <a:off x="609480" y="273600"/>
+            <a:ext cx="10972440" cy="1144800"/>
           </a:xfrm>
           <a:prstGeom prst="rect">
             <a:avLst/>
@@ -3804,14 +3545,11 @@
             <a:noAutofit/>
           </a:bodyPr>
           <a:p>
-            <a:pPr indent="0">
-              <a:buNone/>
-            </a:pPr>
-            <a:endParaRPr b="0" lang="en-US" sz="1800" spc="-1" strike="noStrike">
-              <a:solidFill>
-                <a:srgbClr val="000000"/>
-              </a:solidFill>
-              <a:latin typeface="Calibri"/>
+            <a:pPr indent="0" algn="ctr">
+              <a:buNone/>
+            </a:pPr>
+            <a:endParaRPr b="0" lang="en-IN" sz="4400" spc="-1" strike="noStrike">
+              <a:latin typeface="Arial"/>
             </a:endParaRPr>
           </a:p>
         </p:txBody>
@@ -3828,8 +3566,8 @@
         </p:nvSpPr>
         <p:spPr>
           <a:xfrm>
-            <a:off x="838080" y="1825560"/>
-            <a:ext cx="10515240" cy="4350960"/>
+            <a:off x="609480" y="1604520"/>
+            <a:ext cx="10972440" cy="3977280"/>
           </a:xfrm>
           <a:prstGeom prst="rect">
             <a:avLst/>
@@ -3845,19 +3583,13 @@
           </a:bodyPr>
           <a:p>
             <a:pPr indent="0">
-              <a:lnSpc>
-                <a:spcPct val="90000"/>
-              </a:lnSpc>
               <a:spcBef>
                 <a:spcPts val="1417"/>
               </a:spcBef>
               <a:buNone/>
             </a:pPr>
-            <a:endParaRPr b="0" lang="en-US" sz="2800" spc="-1" strike="noStrike">
-              <a:solidFill>
-                <a:srgbClr val="000000"/>
-              </a:solidFill>
-              <a:latin typeface="Calibri"/>
+            <a:endParaRPr b="0" lang="en-IN" sz="3200" spc="-1" strike="noStrike">
+              <a:latin typeface="Arial"/>
             </a:endParaRPr>
           </a:p>
         </p:txBody>
@@ -3869,7 +3601,7 @@
             <a:spLocks noGrp="1"/>
           </p:cNvSpPr>
           <p:nvPr>
-            <p:ph type="ftr" idx="2"/>
+            <p:ph type="ftr" idx="1"/>
           </p:nvPr>
         </p:nvSpPr>
         <p:spPr/>
@@ -3889,14 +3621,14 @@
             <a:spLocks noGrp="1"/>
           </p:cNvSpPr>
           <p:nvPr>
-            <p:ph type="sldNum" idx="3"/>
+            <p:ph type="sldNum" idx="2"/>
           </p:nvPr>
         </p:nvSpPr>
         <p:spPr/>
         <p:txBody>
           <a:bodyPr/>
           <a:p>
-            <a:fld id="{98DAC9DF-D3F5-40C8-82BE-05336914FD5D}" type="slidenum">
+            <a:fld id="{83ADD59C-F1C7-4492-B08A-25F1D123EE9A}" type="slidenum">
               <a:t>&lt;#&gt;</a:t>
             </a:fld>
           </a:p>
@@ -3909,7 +3641,7 @@
             <a:spLocks noGrp="1"/>
           </p:cNvSpPr>
           <p:nvPr>
-            <p:ph type="dt" idx="1"/>
+            <p:ph type="dt" idx="3"/>
           </p:nvPr>
         </p:nvSpPr>
         <p:spPr/>
@@ -3957,8 +3689,8 @@
         </p:nvSpPr>
         <p:spPr>
           <a:xfrm>
-            <a:off x="838080" y="365040"/>
-            <a:ext cx="10515240" cy="1325160"/>
+            <a:off x="609480" y="273600"/>
+            <a:ext cx="10972440" cy="1144800"/>
           </a:xfrm>
           <a:prstGeom prst="rect">
             <a:avLst/>
@@ -3973,14 +3705,11 @@
             <a:noAutofit/>
           </a:bodyPr>
           <a:p>
-            <a:pPr indent="0">
-              <a:buNone/>
-            </a:pPr>
-            <a:endParaRPr b="0" lang="en-US" sz="1800" spc="-1" strike="noStrike">
-              <a:solidFill>
-                <a:srgbClr val="000000"/>
-              </a:solidFill>
-              <a:latin typeface="Calibri"/>
+            <a:pPr indent="0" algn="ctr">
+              <a:buNone/>
+            </a:pPr>
+            <a:endParaRPr b="0" lang="en-IN" sz="4400" spc="-1" strike="noStrike">
+              <a:latin typeface="Arial"/>
             </a:endParaRPr>
           </a:p>
         </p:txBody>
@@ -3997,8 +3726,8 @@
         </p:nvSpPr>
         <p:spPr>
           <a:xfrm>
-            <a:off x="838080" y="1825560"/>
-            <a:ext cx="5131080" cy="4350960"/>
+            <a:off x="609480" y="1604520"/>
+            <a:ext cx="5354280" cy="3977280"/>
           </a:xfrm>
           <a:prstGeom prst="rect">
             <a:avLst/>
@@ -4014,19 +3743,13 @@
           </a:bodyPr>
           <a:p>
             <a:pPr indent="0">
-              <a:lnSpc>
-                <a:spcPct val="90000"/>
-              </a:lnSpc>
               <a:spcBef>
                 <a:spcPts val="1417"/>
               </a:spcBef>
               <a:buNone/>
             </a:pPr>
-            <a:endParaRPr b="0" lang="en-US" sz="2800" spc="-1" strike="noStrike">
-              <a:solidFill>
-                <a:srgbClr val="000000"/>
-              </a:solidFill>
-              <a:latin typeface="Calibri"/>
+            <a:endParaRPr b="0" lang="en-IN" sz="3200" spc="-1" strike="noStrike">
+              <a:latin typeface="Arial"/>
             </a:endParaRPr>
           </a:p>
         </p:txBody>
@@ -4043,8 +3766,8 @@
         </p:nvSpPr>
         <p:spPr>
           <a:xfrm>
-            <a:off x="6226200" y="1825560"/>
-            <a:ext cx="5131080" cy="4350960"/>
+            <a:off x="6231960" y="1604520"/>
+            <a:ext cx="5354280" cy="3977280"/>
           </a:xfrm>
           <a:prstGeom prst="rect">
             <a:avLst/>
@@ -4060,19 +3783,13 @@
           </a:bodyPr>
           <a:p>
             <a:pPr indent="0">
-              <a:lnSpc>
-                <a:spcPct val="90000"/>
-              </a:lnSpc>
               <a:spcBef>
                 <a:spcPts val="1417"/>
               </a:spcBef>
               <a:buNone/>
             </a:pPr>
-            <a:endParaRPr b="0" lang="en-US" sz="2800" spc="-1" strike="noStrike">
-              <a:solidFill>
-                <a:srgbClr val="000000"/>
-              </a:solidFill>
-              <a:latin typeface="Calibri"/>
+            <a:endParaRPr b="0" lang="en-IN" sz="3200" spc="-1" strike="noStrike">
+              <a:latin typeface="Arial"/>
             </a:endParaRPr>
           </a:p>
         </p:txBody>
@@ -4084,7 +3801,7 @@
             <a:spLocks noGrp="1"/>
           </p:cNvSpPr>
           <p:nvPr>
-            <p:ph type="ftr" idx="2"/>
+            <p:ph type="ftr" idx="1"/>
           </p:nvPr>
         </p:nvSpPr>
         <p:spPr/>
@@ -4104,14 +3821,14 @@
             <a:spLocks noGrp="1"/>
           </p:cNvSpPr>
           <p:nvPr>
-            <p:ph type="sldNum" idx="3"/>
+            <p:ph type="sldNum" idx="2"/>
           </p:nvPr>
         </p:nvSpPr>
         <p:spPr/>
         <p:txBody>
           <a:bodyPr/>
           <a:p>
-            <a:fld id="{846B3040-164B-4B36-8390-1C5CF8BEEA1F}" type="slidenum">
+            <a:fld id="{A38C8F89-F19D-4EC9-AB45-F518F4810693}" type="slidenum">
               <a:t>&lt;#&gt;</a:t>
             </a:fld>
           </a:p>
@@ -4124,7 +3841,7 @@
             <a:spLocks noGrp="1"/>
           </p:cNvSpPr>
           <p:nvPr>
-            <p:ph type="dt" idx="1"/>
+            <p:ph type="dt" idx="3"/>
           </p:nvPr>
         </p:nvSpPr>
         <p:spPr/>
@@ -4172,8 +3889,8 @@
         </p:nvSpPr>
         <p:spPr>
           <a:xfrm>
-            <a:off x="838080" y="365040"/>
-            <a:ext cx="10515240" cy="1325160"/>
+            <a:off x="609480" y="273600"/>
+            <a:ext cx="10972440" cy="1144800"/>
           </a:xfrm>
           <a:prstGeom prst="rect">
             <a:avLst/>
@@ -4188,14 +3905,11 @@
             <a:noAutofit/>
           </a:bodyPr>
           <a:p>
-            <a:pPr indent="0">
-              <a:buNone/>
-            </a:pPr>
-            <a:endParaRPr b="0" lang="en-US" sz="1800" spc="-1" strike="noStrike">
-              <a:solidFill>
-                <a:srgbClr val="000000"/>
-              </a:solidFill>
-              <a:latin typeface="Calibri"/>
+            <a:pPr indent="0" algn="ctr">
+              <a:buNone/>
+            </a:pPr>
+            <a:endParaRPr b="0" lang="en-IN" sz="4400" spc="-1" strike="noStrike">
+              <a:latin typeface="Arial"/>
             </a:endParaRPr>
           </a:p>
         </p:txBody>
@@ -4207,7 +3921,7 @@
             <a:spLocks noGrp="1"/>
           </p:cNvSpPr>
           <p:nvPr>
-            <p:ph type="ftr" idx="2"/>
+            <p:ph type="ftr" idx="1"/>
           </p:nvPr>
         </p:nvSpPr>
         <p:spPr/>
@@ -4227,14 +3941,14 @@
             <a:spLocks noGrp="1"/>
           </p:cNvSpPr>
           <p:nvPr>
-            <p:ph type="sldNum" idx="3"/>
+            <p:ph type="sldNum" idx="2"/>
           </p:nvPr>
         </p:nvSpPr>
         <p:spPr/>
         <p:txBody>
           <a:bodyPr/>
           <a:p>
-            <a:fld id="{49567624-3887-461F-841F-0055982425B0}" type="slidenum">
+            <a:fld id="{32CB97CA-D4BF-47CA-968D-892C2D83C9EA}" type="slidenum">
               <a:t>&lt;#&gt;</a:t>
             </a:fld>
           </a:p>
@@ -4247,7 +3961,7 @@
             <a:spLocks noGrp="1"/>
           </p:cNvSpPr>
           <p:nvPr>
-            <p:ph type="dt" idx="1"/>
+            <p:ph type="dt" idx="3"/>
           </p:nvPr>
         </p:nvSpPr>
         <p:spPr/>
@@ -4295,8 +4009,8 @@
         </p:nvSpPr>
         <p:spPr>
           <a:xfrm>
-            <a:off x="838080" y="365040"/>
-            <a:ext cx="10515240" cy="6144120"/>
+            <a:off x="609480" y="273600"/>
+            <a:ext cx="10972440" cy="5307840"/>
           </a:xfrm>
           <a:prstGeom prst="rect">
             <a:avLst/>
@@ -4325,7 +4039,7 @@
             <a:spLocks noGrp="1"/>
           </p:cNvSpPr>
           <p:nvPr>
-            <p:ph type="ftr" idx="2"/>
+            <p:ph type="ftr" idx="1"/>
           </p:nvPr>
         </p:nvSpPr>
         <p:spPr/>
@@ -4345,14 +4059,14 @@
             <a:spLocks noGrp="1"/>
           </p:cNvSpPr>
           <p:nvPr>
-            <p:ph type="sldNum" idx="3"/>
+            <p:ph type="sldNum" idx="2"/>
           </p:nvPr>
         </p:nvSpPr>
         <p:spPr/>
         <p:txBody>
           <a:bodyPr/>
           <a:p>
-            <a:fld id="{D06A2435-BE0C-453F-9786-12259AEAE3BF}" type="slidenum">
+            <a:fld id="{CFB5330B-BC83-46CD-8878-D54B63CCD0EC}" type="slidenum">
               <a:t>&lt;#&gt;</a:t>
             </a:fld>
           </a:p>
@@ -4365,7 +4079,7 @@
             <a:spLocks noGrp="1"/>
           </p:cNvSpPr>
           <p:nvPr>
-            <p:ph type="dt" idx="1"/>
+            <p:ph type="dt" idx="3"/>
           </p:nvPr>
         </p:nvSpPr>
         <p:spPr/>
@@ -4413,8 +4127,8 @@
         </p:nvSpPr>
         <p:spPr>
           <a:xfrm>
-            <a:off x="838080" y="365040"/>
-            <a:ext cx="10515240" cy="1325160"/>
+            <a:off x="609480" y="273600"/>
+            <a:ext cx="10972440" cy="1144800"/>
           </a:xfrm>
           <a:prstGeom prst="rect">
             <a:avLst/>
@@ -4429,14 +4143,11 @@
             <a:noAutofit/>
           </a:bodyPr>
           <a:p>
-            <a:pPr indent="0">
-              <a:buNone/>
-            </a:pPr>
-            <a:endParaRPr b="0" lang="en-US" sz="1800" spc="-1" strike="noStrike">
-              <a:solidFill>
-                <a:srgbClr val="000000"/>
-              </a:solidFill>
-              <a:latin typeface="Calibri"/>
+            <a:pPr indent="0" algn="ctr">
+              <a:buNone/>
+            </a:pPr>
+            <a:endParaRPr b="0" lang="en-IN" sz="4400" spc="-1" strike="noStrike">
+              <a:latin typeface="Arial"/>
             </a:endParaRPr>
           </a:p>
         </p:txBody>
@@ -4453,8 +4164,8 @@
         </p:nvSpPr>
         <p:spPr>
           <a:xfrm>
-            <a:off x="838080" y="1825560"/>
-            <a:ext cx="5131080" cy="2075040"/>
+            <a:off x="609480" y="1604520"/>
+            <a:ext cx="5354280" cy="1896840"/>
           </a:xfrm>
           <a:prstGeom prst="rect">
             <a:avLst/>
@@ -4470,19 +4181,13 @@
           </a:bodyPr>
           <a:p>
             <a:pPr indent="0">
-              <a:lnSpc>
-                <a:spcPct val="90000"/>
-              </a:lnSpc>
               <a:spcBef>
                 <a:spcPts val="1417"/>
               </a:spcBef>
               <a:buNone/>
             </a:pPr>
-            <a:endParaRPr b="0" lang="en-US" sz="2800" spc="-1" strike="noStrike">
-              <a:solidFill>
-                <a:srgbClr val="000000"/>
-              </a:solidFill>
-              <a:latin typeface="Calibri"/>
+            <a:endParaRPr b="0" lang="en-IN" sz="3200" spc="-1" strike="noStrike">
+              <a:latin typeface="Arial"/>
             </a:endParaRPr>
           </a:p>
         </p:txBody>
@@ -4499,8 +4204,8 @@
         </p:nvSpPr>
         <p:spPr>
           <a:xfrm>
-            <a:off x="6226200" y="1825560"/>
-            <a:ext cx="5131080" cy="4350960"/>
+            <a:off x="6231960" y="1604520"/>
+            <a:ext cx="5354280" cy="3977280"/>
           </a:xfrm>
           <a:prstGeom prst="rect">
             <a:avLst/>
@@ -4516,19 +4221,13 @@
           </a:bodyPr>
           <a:p>
             <a:pPr indent="0">
-              <a:lnSpc>
-                <a:spcPct val="90000"/>
-              </a:lnSpc>
               <a:spcBef>
                 <a:spcPts val="1417"/>
               </a:spcBef>
               <a:buNone/>
             </a:pPr>
-            <a:endParaRPr b="0" lang="en-US" sz="2800" spc="-1" strike="noStrike">
-              <a:solidFill>
-                <a:srgbClr val="000000"/>
-              </a:solidFill>
-              <a:latin typeface="Calibri"/>
+            <a:endParaRPr b="0" lang="en-IN" sz="3200" spc="-1" strike="noStrike">
+              <a:latin typeface="Arial"/>
             </a:endParaRPr>
           </a:p>
         </p:txBody>
@@ -4545,8 +4244,8 @@
         </p:nvSpPr>
         <p:spPr>
           <a:xfrm>
-            <a:off x="838080" y="4098240"/>
-            <a:ext cx="5131080" cy="2075040"/>
+            <a:off x="609480" y="3682080"/>
+            <a:ext cx="5354280" cy="1896840"/>
           </a:xfrm>
           <a:prstGeom prst="rect">
             <a:avLst/>
@@ -4562,19 +4261,13 @@
           </a:bodyPr>
           <a:p>
             <a:pPr indent="0">
-              <a:lnSpc>
-                <a:spcPct val="90000"/>
-              </a:lnSpc>
               <a:spcBef>
                 <a:spcPts val="1417"/>
               </a:spcBef>
               <a:buNone/>
             </a:pPr>
-            <a:endParaRPr b="0" lang="en-US" sz="2800" spc="-1" strike="noStrike">
-              <a:solidFill>
-                <a:srgbClr val="000000"/>
-              </a:solidFill>
-              <a:latin typeface="Calibri"/>
+            <a:endParaRPr b="0" lang="en-IN" sz="3200" spc="-1" strike="noStrike">
+              <a:latin typeface="Arial"/>
             </a:endParaRPr>
           </a:p>
         </p:txBody>
@@ -4586,7 +4279,7 @@
             <a:spLocks noGrp="1"/>
           </p:cNvSpPr>
           <p:nvPr>
-            <p:ph type="ftr" idx="2"/>
+            <p:ph type="ftr" idx="1"/>
           </p:nvPr>
         </p:nvSpPr>
         <p:spPr/>
@@ -4606,14 +4299,14 @@
             <a:spLocks noGrp="1"/>
           </p:cNvSpPr>
           <p:nvPr>
-            <p:ph type="sldNum" idx="3"/>
+            <p:ph type="sldNum" idx="2"/>
           </p:nvPr>
         </p:nvSpPr>
         <p:spPr/>
         <p:txBody>
           <a:bodyPr/>
           <a:p>
-            <a:fld id="{8D846314-4B29-4AF7-9446-D3EB3EC0B143}" type="slidenum">
+            <a:fld id="{FF1034EC-E5AC-4E6A-9BCD-03556794A264}" type="slidenum">
               <a:t>&lt;#&gt;</a:t>
             </a:fld>
           </a:p>
@@ -4626,7 +4319,7 @@
             <a:spLocks noGrp="1"/>
           </p:cNvSpPr>
           <p:nvPr>
-            <p:ph type="dt" idx="1"/>
+            <p:ph type="dt" idx="3"/>
           </p:nvPr>
         </p:nvSpPr>
         <p:spPr/>
@@ -4674,8 +4367,8 @@
         </p:nvSpPr>
         <p:spPr>
           <a:xfrm>
-            <a:off x="838080" y="365040"/>
-            <a:ext cx="10515240" cy="1325160"/>
+            <a:off x="609480" y="273600"/>
+            <a:ext cx="10972440" cy="1144800"/>
           </a:xfrm>
           <a:prstGeom prst="rect">
             <a:avLst/>
@@ -4690,14 +4383,11 @@
             <a:noAutofit/>
           </a:bodyPr>
           <a:p>
-            <a:pPr indent="0">
-              <a:buNone/>
-            </a:pPr>
-            <a:endParaRPr b="0" lang="en-US" sz="1800" spc="-1" strike="noStrike">
-              <a:solidFill>
-                <a:srgbClr val="000000"/>
-              </a:solidFill>
-              <a:latin typeface="Calibri"/>
+            <a:pPr indent="0" algn="ctr">
+              <a:buNone/>
+            </a:pPr>
+            <a:endParaRPr b="0" lang="en-IN" sz="4400" spc="-1" strike="noStrike">
+              <a:latin typeface="Arial"/>
             </a:endParaRPr>
           </a:p>
         </p:txBody>
@@ -4714,8 +4404,8 @@
         </p:nvSpPr>
         <p:spPr>
           <a:xfrm>
-            <a:off x="838080" y="1825560"/>
-            <a:ext cx="5131080" cy="4350960"/>
+            <a:off x="609480" y="1604520"/>
+            <a:ext cx="5354280" cy="3977280"/>
           </a:xfrm>
           <a:prstGeom prst="rect">
             <a:avLst/>
@@ -4731,19 +4421,13 @@
           </a:bodyPr>
           <a:p>
             <a:pPr indent="0">
-              <a:lnSpc>
-                <a:spcPct val="90000"/>
-              </a:lnSpc>
               <a:spcBef>
                 <a:spcPts val="1417"/>
               </a:spcBef>
               <a:buNone/>
             </a:pPr>
-            <a:endParaRPr b="0" lang="en-US" sz="2800" spc="-1" strike="noStrike">
-              <a:solidFill>
-                <a:srgbClr val="000000"/>
-              </a:solidFill>
-              <a:latin typeface="Calibri"/>
+            <a:endParaRPr b="0" lang="en-IN" sz="3200" spc="-1" strike="noStrike">
+              <a:latin typeface="Arial"/>
             </a:endParaRPr>
           </a:p>
         </p:txBody>
@@ -4760,8 +4444,8 @@
         </p:nvSpPr>
         <p:spPr>
           <a:xfrm>
-            <a:off x="6226200" y="1825560"/>
-            <a:ext cx="5131080" cy="2075040"/>
+            <a:off x="6231960" y="1604520"/>
+            <a:ext cx="5354280" cy="1896840"/>
           </a:xfrm>
           <a:prstGeom prst="rect">
             <a:avLst/>
@@ -4777,19 +4461,13 @@
           </a:bodyPr>
           <a:p>
             <a:pPr indent="0">
-              <a:lnSpc>
-                <a:spcPct val="90000"/>
-              </a:lnSpc>
               <a:spcBef>
                 <a:spcPts val="1417"/>
               </a:spcBef>
               <a:buNone/>
             </a:pPr>
-            <a:endParaRPr b="0" lang="en-US" sz="2800" spc="-1" strike="noStrike">
-              <a:solidFill>
-                <a:srgbClr val="000000"/>
-              </a:solidFill>
-              <a:latin typeface="Calibri"/>
+            <a:endParaRPr b="0" lang="en-IN" sz="3200" spc="-1" strike="noStrike">
+              <a:latin typeface="Arial"/>
             </a:endParaRPr>
           </a:p>
         </p:txBody>
@@ -4806,8 +4484,8 @@
         </p:nvSpPr>
         <p:spPr>
           <a:xfrm>
-            <a:off x="6226200" y="4098240"/>
-            <a:ext cx="5131080" cy="2075040"/>
+            <a:off x="6231960" y="3682080"/>
+            <a:ext cx="5354280" cy="1896840"/>
           </a:xfrm>
           <a:prstGeom prst="rect">
             <a:avLst/>
@@ -4823,19 +4501,13 @@
           </a:bodyPr>
           <a:p>
             <a:pPr indent="0">
-              <a:lnSpc>
-                <a:spcPct val="90000"/>
-              </a:lnSpc>
               <a:spcBef>
                 <a:spcPts val="1417"/>
               </a:spcBef>
               <a:buNone/>
             </a:pPr>
-            <a:endParaRPr b="0" lang="en-US" sz="2800" spc="-1" strike="noStrike">
-              <a:solidFill>
-                <a:srgbClr val="000000"/>
-              </a:solidFill>
-              <a:latin typeface="Calibri"/>
+            <a:endParaRPr b="0" lang="en-IN" sz="3200" spc="-1" strike="noStrike">
+              <a:latin typeface="Arial"/>
             </a:endParaRPr>
           </a:p>
         </p:txBody>
@@ -4847,7 +4519,7 @@
             <a:spLocks noGrp="1"/>
           </p:cNvSpPr>
           <p:nvPr>
-            <p:ph type="ftr" idx="2"/>
+            <p:ph type="ftr" idx="1"/>
           </p:nvPr>
         </p:nvSpPr>
         <p:spPr/>
@@ -4867,14 +4539,14 @@
             <a:spLocks noGrp="1"/>
           </p:cNvSpPr>
           <p:nvPr>
-            <p:ph type="sldNum" idx="3"/>
+            <p:ph type="sldNum" idx="2"/>
           </p:nvPr>
         </p:nvSpPr>
         <p:spPr/>
         <p:txBody>
           <a:bodyPr/>
           <a:p>
-            <a:fld id="{39E0BD82-E099-4B01-8D1B-AE4C146D6BDE}" type="slidenum">
+            <a:fld id="{B767FB4B-59D1-47F2-A0EC-8055A9FFD13F}" type="slidenum">
               <a:t>&lt;#&gt;</a:t>
             </a:fld>
           </a:p>
@@ -4887,7 +4559,7 @@
             <a:spLocks noGrp="1"/>
           </p:cNvSpPr>
           <p:nvPr>
-            <p:ph type="dt" idx="1"/>
+            <p:ph type="dt" idx="3"/>
           </p:nvPr>
         </p:nvSpPr>
         <p:spPr/>
@@ -4935,8 +4607,8 @@
         </p:nvSpPr>
         <p:spPr>
           <a:xfrm>
-            <a:off x="838080" y="365040"/>
-            <a:ext cx="10515240" cy="1325160"/>
+            <a:off x="609480" y="273600"/>
+            <a:ext cx="10972440" cy="1144800"/>
           </a:xfrm>
           <a:prstGeom prst="rect">
             <a:avLst/>
@@ -4951,14 +4623,11 @@
             <a:noAutofit/>
           </a:bodyPr>
           <a:p>
-            <a:pPr indent="0">
-              <a:buNone/>
-            </a:pPr>
-            <a:endParaRPr b="0" lang="en-US" sz="1800" spc="-1" strike="noStrike">
-              <a:solidFill>
-                <a:srgbClr val="000000"/>
-              </a:solidFill>
-              <a:latin typeface="Calibri"/>
+            <a:pPr indent="0" algn="ctr">
+              <a:buNone/>
+            </a:pPr>
+            <a:endParaRPr b="0" lang="en-IN" sz="4400" spc="-1" strike="noStrike">
+              <a:latin typeface="Arial"/>
             </a:endParaRPr>
           </a:p>
         </p:txBody>
@@ -4975,8 +4644,8 @@
         </p:nvSpPr>
         <p:spPr>
           <a:xfrm>
-            <a:off x="838080" y="1825560"/>
-            <a:ext cx="5131080" cy="2075040"/>
+            <a:off x="609480" y="1604520"/>
+            <a:ext cx="5354280" cy="1896840"/>
           </a:xfrm>
           <a:prstGeom prst="rect">
             <a:avLst/>
@@ -4992,19 +4661,13 @@
           </a:bodyPr>
           <a:p>
             <a:pPr indent="0">
-              <a:lnSpc>
-                <a:spcPct val="90000"/>
-              </a:lnSpc>
               <a:spcBef>
                 <a:spcPts val="1417"/>
               </a:spcBef>
               <a:buNone/>
             </a:pPr>
-            <a:endParaRPr b="0" lang="en-US" sz="2800" spc="-1" strike="noStrike">
-              <a:solidFill>
-                <a:srgbClr val="000000"/>
-              </a:solidFill>
-              <a:latin typeface="Calibri"/>
+            <a:endParaRPr b="0" lang="en-IN" sz="3200" spc="-1" strike="noStrike">
+              <a:latin typeface="Arial"/>
             </a:endParaRPr>
           </a:p>
         </p:txBody>
@@ -5021,8 +4684,8 @@
         </p:nvSpPr>
         <p:spPr>
           <a:xfrm>
-            <a:off x="6226200" y="1825560"/>
-            <a:ext cx="5131080" cy="2075040"/>
+            <a:off x="6231960" y="1604520"/>
+            <a:ext cx="5354280" cy="1896840"/>
           </a:xfrm>
           <a:prstGeom prst="rect">
             <a:avLst/>
@@ -5038,19 +4701,13 @@
           </a:bodyPr>
           <a:p>
             <a:pPr indent="0">
-              <a:lnSpc>
-                <a:spcPct val="90000"/>
-              </a:lnSpc>
               <a:spcBef>
                 <a:spcPts val="1417"/>
               </a:spcBef>
               <a:buNone/>
             </a:pPr>
-            <a:endParaRPr b="0" lang="en-US" sz="2800" spc="-1" strike="noStrike">
-              <a:solidFill>
-                <a:srgbClr val="000000"/>
-              </a:solidFill>
-              <a:latin typeface="Calibri"/>
+            <a:endParaRPr b="0" lang="en-IN" sz="3200" spc="-1" strike="noStrike">
+              <a:latin typeface="Arial"/>
             </a:endParaRPr>
           </a:p>
         </p:txBody>
@@ -5067,8 +4724,8 @@
         </p:nvSpPr>
         <p:spPr>
           <a:xfrm>
-            <a:off x="838080" y="4098240"/>
-            <a:ext cx="10515240" cy="2075040"/>
+            <a:off x="609480" y="3682080"/>
+            <a:ext cx="10972440" cy="1896840"/>
           </a:xfrm>
           <a:prstGeom prst="rect">
             <a:avLst/>
@@ -5084,19 +4741,13 @@
           </a:bodyPr>
           <a:p>
             <a:pPr indent="0">
-              <a:lnSpc>
-                <a:spcPct val="90000"/>
-              </a:lnSpc>
               <a:spcBef>
                 <a:spcPts val="1417"/>
               </a:spcBef>
               <a:buNone/>
             </a:pPr>
-            <a:endParaRPr b="0" lang="en-US" sz="2800" spc="-1" strike="noStrike">
-              <a:solidFill>
-                <a:srgbClr val="000000"/>
-              </a:solidFill>
-              <a:latin typeface="Calibri"/>
+            <a:endParaRPr b="0" lang="en-IN" sz="3200" spc="-1" strike="noStrike">
+              <a:latin typeface="Arial"/>
             </a:endParaRPr>
           </a:p>
         </p:txBody>
@@ -5108,7 +4759,7 @@
             <a:spLocks noGrp="1"/>
           </p:cNvSpPr>
           <p:nvPr>
-            <p:ph type="ftr" idx="2"/>
+            <p:ph type="ftr" idx="1"/>
           </p:nvPr>
         </p:nvSpPr>
         <p:spPr/>
@@ -5128,14 +4779,14 @@
             <a:spLocks noGrp="1"/>
           </p:cNvSpPr>
           <p:nvPr>
-            <p:ph type="sldNum" idx="3"/>
+            <p:ph type="sldNum" idx="2"/>
           </p:nvPr>
         </p:nvSpPr>
         <p:spPr/>
         <p:txBody>
           <a:bodyPr/>
           <a:p>
-            <a:fld id="{E147E7C2-D8F5-417D-BABE-03F7B730C97C}" type="slidenum">
+            <a:fld id="{88D033EF-D4F8-4602-A7A2-E143B917B377}" type="slidenum">
               <a:t>&lt;#&gt;</a:t>
             </a:fld>
           </a:p>
@@ -5148,7 +4799,7 @@
             <a:spLocks noGrp="1"/>
           </p:cNvSpPr>
           <p:nvPr>
-            <p:ph type="dt" idx="1"/>
+            <p:ph type="dt" idx="3"/>
           </p:nvPr>
         </p:nvSpPr>
         <p:spPr/>
@@ -5203,42 +4854,33 @@
         </p:nvSpPr>
         <p:spPr>
           <a:xfrm>
-            <a:off x="1523880" y="1122480"/>
-            <a:ext cx="9143640" cy="2387160"/>
-          </a:xfrm>
-          <a:prstGeom prst="rect">
-            <a:avLst/>
-          </a:prstGeom>
-          <a:noFill/>
-          <a:ln w="0">
-            <a:noFill/>
-          </a:ln>
-        </p:spPr>
-        <p:txBody>
-          <a:bodyPr anchor="b">
+            <a:off x="838080" y="365040"/>
+            <a:ext cx="10514880" cy="1324800"/>
+          </a:xfrm>
+          <a:prstGeom prst="rect">
+            <a:avLst/>
+          </a:prstGeom>
+          <a:noFill/>
+          <a:ln w="0">
+            <a:noFill/>
+          </a:ln>
+        </p:spPr>
+        <p:txBody>
+          <a:bodyPr lIns="0" rIns="0" tIns="0" bIns="0" anchor="ctr">
             <a:noAutofit/>
           </a:bodyPr>
           <a:p>
-            <a:pPr indent="0" algn="ctr">
-              <a:lnSpc>
-                <a:spcPct val="90000"/>
-              </a:lnSpc>
-              <a:buNone/>
-            </a:pPr>
-            <a:r>
-              <a:rPr b="0" lang="en-US" sz="6000" spc="-1" strike="noStrike">
-                <a:solidFill>
-                  <a:srgbClr val="000000"/>
-                </a:solidFill>
-                <a:latin typeface="Calibri Light"/>
-              </a:rPr>
-              <a:t>Click to edit Master title style</a:t>
-            </a:r>
-            <a:endParaRPr b="0" lang="en-US" sz="6000" spc="-1" strike="noStrike">
-              <a:solidFill>
-                <a:srgbClr val="000000"/>
-              </a:solidFill>
-              <a:latin typeface="Calibri"/>
+            <a:pPr indent="0">
+              <a:buNone/>
+            </a:pPr>
+            <a:r>
+              <a:rPr b="0" lang="en-IN" sz="1800" spc="-1" strike="noStrike">
+                <a:latin typeface="Arial"/>
+              </a:rPr>
+              <a:t>Click to edit the title text format</a:t>
+            </a:r>
+            <a:endParaRPr b="0" lang="en-IN" sz="1800" spc="-1" strike="noStrike">
+              <a:latin typeface="Arial"/>
             </a:endParaRPr>
           </a:p>
         </p:txBody>
@@ -5250,92 +4892,35 @@
             <a:spLocks noGrp="1"/>
           </p:cNvSpPr>
           <p:nvPr>
-            <p:ph type="dt" idx="1"/>
-          </p:nvPr>
-        </p:nvSpPr>
-        <p:spPr>
-          <a:xfrm>
-            <a:off x="838080" y="6356520"/>
-            <a:ext cx="2742840" cy="364680"/>
-          </a:xfrm>
-          <a:prstGeom prst="rect">
-            <a:avLst/>
-          </a:prstGeom>
-          <a:noFill/>
-          <a:ln w="0">
-            <a:noFill/>
-          </a:ln>
-        </p:spPr>
-        <p:txBody>
-          <a:bodyPr anchor="ctr">
+            <p:ph type="ftr" idx="1"/>
+          </p:nvPr>
+        </p:nvSpPr>
+        <p:spPr>
+          <a:xfrm>
+            <a:off x="4038480" y="6356520"/>
+            <a:ext cx="4114080" cy="364320"/>
+          </a:xfrm>
+          <a:prstGeom prst="rect">
+            <a:avLst/>
+          </a:prstGeom>
+          <a:noFill/>
+          <a:ln w="0">
+            <a:noFill/>
+          </a:ln>
+        </p:spPr>
+        <p:txBody>
+          <a:bodyPr lIns="90000" rIns="90000" tIns="45000" bIns="45000" anchor="ctr">
             <a:noAutofit/>
           </a:bodyPr>
           <a:lstStyle>
-            <a:lvl1pPr indent="0">
+            <a:lvl1pPr indent="0" algn="ctr">
               <a:lnSpc>
                 <a:spcPct val="100000"/>
               </a:lnSpc>
               <a:buNone/>
-              <a:defRPr b="0" lang="en-IN" sz="1200" spc="-1" strike="noStrike">
-                <a:solidFill>
-                  <a:srgbClr val="8b8b8b"/>
-                </a:solidFill>
-                <a:latin typeface="Calibri"/>
-              </a:defRPr>
-            </a:lvl1pPr>
-          </a:lstStyle>
-          <a:p>
-            <a:pPr indent="0">
-              <a:lnSpc>
-                <a:spcPct val="100000"/>
-              </a:lnSpc>
-              <a:buNone/>
-            </a:pPr>
-            <a:r>
-              <a:rPr b="0" lang="en-IN" sz="1200" spc="-1" strike="noStrike">
-                <a:solidFill>
-                  <a:srgbClr val="8b8b8b"/>
-                </a:solidFill>
-                <a:latin typeface="Calibri"/>
-              </a:rPr>
-              <a:t>&lt;date/time&gt;</a:t>
-            </a:r>
-            <a:endParaRPr b="0" lang="en-IN" sz="1200" spc="-1" strike="noStrike">
-              <a:latin typeface="Times New Roman"/>
-            </a:endParaRPr>
-          </a:p>
-        </p:txBody>
-      </p:sp>
-      <p:sp>
-        <p:nvSpPr>
-          <p:cNvPr id="2" name="PlaceHolder 3"/>
-          <p:cNvSpPr>
-            <a:spLocks noGrp="1"/>
-          </p:cNvSpPr>
-          <p:nvPr>
-            <p:ph type="ftr" idx="2"/>
-          </p:nvPr>
-        </p:nvSpPr>
-        <p:spPr>
-          <a:xfrm>
-            <a:off x="4038480" y="6356520"/>
-            <a:ext cx="4114440" cy="364680"/>
-          </a:xfrm>
-          <a:prstGeom prst="rect">
-            <a:avLst/>
-          </a:prstGeom>
-          <a:noFill/>
-          <a:ln w="0">
-            <a:noFill/>
-          </a:ln>
-        </p:spPr>
-        <p:txBody>
-          <a:bodyPr anchor="ctr">
-            <a:noAutofit/>
-          </a:bodyPr>
-          <a:lstStyle>
-            <a:lvl1pPr indent="0" algn="ctr">
-              <a:buNone/>
+              <a:tabLst>
+                <a:tab algn="l" pos="0"/>
+              </a:tabLst>
               <a:defRPr b="0" lang="en-IN" sz="1400" spc="-1" strike="noStrike">
                 <a:latin typeface="Times New Roman"/>
               </a:defRPr>
@@ -5343,7 +4928,13 @@
           </a:lstStyle>
           <a:p>
             <a:pPr indent="0" algn="ctr">
-              <a:buNone/>
+              <a:lnSpc>
+                <a:spcPct val="100000"/>
+              </a:lnSpc>
+              <a:buNone/>
+              <a:tabLst>
+                <a:tab algn="l" pos="0"/>
+              </a:tabLst>
             </a:pPr>
             <a:r>
               <a:rPr b="0" lang="en-IN" sz="1400" spc="-1" strike="noStrike">
@@ -5359,29 +4950,29 @@
       </p:sp>
       <p:sp>
         <p:nvSpPr>
-          <p:cNvPr id="3" name="PlaceHolder 4"/>
-          <p:cNvSpPr>
-            <a:spLocks noGrp="1"/>
-          </p:cNvSpPr>
-          <p:nvPr>
-            <p:ph type="sldNum" idx="3"/>
+          <p:cNvPr id="2" name="PlaceHolder 3"/>
+          <p:cNvSpPr>
+            <a:spLocks noGrp="1"/>
+          </p:cNvSpPr>
+          <p:nvPr>
+            <p:ph type="sldNum" idx="2"/>
           </p:nvPr>
         </p:nvSpPr>
         <p:spPr>
           <a:xfrm>
             <a:off x="8610480" y="6356520"/>
-            <a:ext cx="2742840" cy="364680"/>
-          </a:xfrm>
-          <a:prstGeom prst="rect">
-            <a:avLst/>
-          </a:prstGeom>
-          <a:noFill/>
-          <a:ln w="0">
-            <a:noFill/>
-          </a:ln>
-        </p:spPr>
-        <p:txBody>
-          <a:bodyPr anchor="ctr">
+            <a:ext cx="2742480" cy="364320"/>
+          </a:xfrm>
+          <a:prstGeom prst="rect">
+            <a:avLst/>
+          </a:prstGeom>
+          <a:noFill/>
+          <a:ln w="0">
+            <a:noFill/>
+          </a:ln>
+        </p:spPr>
+        <p:txBody>
+          <a:bodyPr lIns="90000" rIns="90000" tIns="45000" bIns="45000" anchor="ctr">
             <a:noAutofit/>
           </a:bodyPr>
           <a:lstStyle>
@@ -5390,6 +4981,9 @@
                 <a:spcPct val="100000"/>
               </a:lnSpc>
               <a:buNone/>
+              <a:tabLst>
+                <a:tab algn="l" pos="0"/>
+              </a:tabLst>
               <a:defRPr b="0" lang="en-IN" sz="1200" spc="-1" strike="noStrike">
                 <a:solidFill>
                   <a:srgbClr val="8b8b8b"/>
@@ -5404,8 +4998,11 @@
                 <a:spcPct val="100000"/>
               </a:lnSpc>
               <a:buNone/>
-            </a:pPr>
-            <a:fld id="{151418DD-9429-4D4D-8BCE-9927FB57C22E}" type="slidenum">
+              <a:tabLst>
+                <a:tab algn="l" pos="0"/>
+              </a:tabLst>
+            </a:pPr>
+            <a:fld id="{EADAFDC0-67D3-4E82-820A-5335DB30E6E3}" type="slidenum">
               <a:rPr b="0" lang="en-IN" sz="1200" spc="-1" strike="noStrike">
                 <a:solidFill>
                   <a:srgbClr val="8b8b8b"/>
@@ -5422,6 +5019,57 @@
       </p:sp>
       <p:sp>
         <p:nvSpPr>
+          <p:cNvPr id="3" name="PlaceHolder 4"/>
+          <p:cNvSpPr>
+            <a:spLocks noGrp="1"/>
+          </p:cNvSpPr>
+          <p:nvPr>
+            <p:ph type="dt" idx="3"/>
+          </p:nvPr>
+        </p:nvSpPr>
+        <p:spPr>
+          <a:xfrm>
+            <a:off x="838080" y="6356520"/>
+            <a:ext cx="2742480" cy="364320"/>
+          </a:xfrm>
+          <a:prstGeom prst="rect">
+            <a:avLst/>
+          </a:prstGeom>
+          <a:noFill/>
+          <a:ln w="0">
+            <a:noFill/>
+          </a:ln>
+        </p:spPr>
+        <p:txBody>
+          <a:bodyPr lIns="90000" rIns="90000" tIns="45000" bIns="45000" anchor="ctr">
+            <a:noAutofit/>
+          </a:bodyPr>
+          <a:lstStyle>
+            <a:lvl1pPr indent="0">
+              <a:buNone/>
+              <a:defRPr b="0" lang="en-IN" sz="1400" spc="-1" strike="noStrike">
+                <a:latin typeface="Times New Roman"/>
+              </a:defRPr>
+            </a:lvl1pPr>
+          </a:lstStyle>
+          <a:p>
+            <a:pPr indent="0">
+              <a:buNone/>
+            </a:pPr>
+            <a:r>
+              <a:rPr b="0" lang="en-IN" sz="1400" spc="-1" strike="noStrike">
+                <a:latin typeface="Times New Roman"/>
+              </a:rPr>
+              <a:t>&lt;date/time&gt;</a:t>
+            </a:r>
+            <a:endParaRPr b="0" lang="en-IN" sz="1400" spc="-1" strike="noStrike">
+              <a:latin typeface="Times New Roman"/>
+            </a:endParaRPr>
+          </a:p>
+        </p:txBody>
+      </p:sp>
+      <p:sp>
+        <p:nvSpPr>
           <p:cNvPr id="4" name="PlaceHolder 5"/>
           <p:cNvSpPr>
             <a:spLocks noGrp="1"/>
@@ -5449,9 +5097,6 @@
           </a:bodyPr>
           <a:p>
             <a:pPr marL="432000" indent="-324000">
-              <a:lnSpc>
-                <a:spcPct val="90000"/>
-              </a:lnSpc>
               <a:spcBef>
                 <a:spcPts val="1417"/>
               </a:spcBef>
@@ -5463,26 +5108,17 @@
               <a:buChar char=""/>
             </a:pPr>
             <a:r>
-              <a:rPr b="0" lang="en-US" sz="2800" spc="-1" strike="noStrike">
-                <a:solidFill>
-                  <a:srgbClr val="000000"/>
-                </a:solidFill>
-                <a:latin typeface="Calibri"/>
+              <a:rPr b="0" lang="en-IN" sz="3200" spc="-1" strike="noStrike">
+                <a:latin typeface="Arial"/>
               </a:rPr>
               <a:t>Click to edit the outline text format</a:t>
             </a:r>
-            <a:endParaRPr b="0" lang="en-US" sz="2800" spc="-1" strike="noStrike">
-              <a:solidFill>
-                <a:srgbClr val="000000"/>
-              </a:solidFill>
-              <a:latin typeface="Calibri"/>
+            <a:endParaRPr b="0" lang="en-IN" sz="3200" spc="-1" strike="noStrike">
+              <a:latin typeface="Arial"/>
             </a:endParaRPr>
           </a:p>
           <a:p>
             <a:pPr lvl="1" marL="864000" indent="-324000">
-              <a:lnSpc>
-                <a:spcPct val="90000"/>
-              </a:lnSpc>
               <a:spcBef>
                 <a:spcPts val="1134"/>
               </a:spcBef>
@@ -5494,26 +5130,17 @@
               <a:buChar char=""/>
             </a:pPr>
             <a:r>
-              <a:rPr b="0" lang="en-US" sz="2000" spc="-1" strike="noStrike">
-                <a:solidFill>
-                  <a:srgbClr val="000000"/>
-                </a:solidFill>
-                <a:latin typeface="Calibri"/>
+              <a:rPr b="0" lang="en-IN" sz="2800" spc="-1" strike="noStrike">
+                <a:latin typeface="Arial"/>
               </a:rPr>
               <a:t>Second Outline Level</a:t>
             </a:r>
-            <a:endParaRPr b="0" lang="en-US" sz="2000" spc="-1" strike="noStrike">
-              <a:solidFill>
-                <a:srgbClr val="000000"/>
-              </a:solidFill>
-              <a:latin typeface="Calibri"/>
+            <a:endParaRPr b="0" lang="en-IN" sz="2800" spc="-1" strike="noStrike">
+              <a:latin typeface="Arial"/>
             </a:endParaRPr>
           </a:p>
           <a:p>
             <a:pPr lvl="2" marL="1296000" indent="-288000">
-              <a:lnSpc>
-                <a:spcPct val="90000"/>
-              </a:lnSpc>
               <a:spcBef>
                 <a:spcPts val="850"/>
               </a:spcBef>
@@ -5525,26 +5152,17 @@
               <a:buChar char=""/>
             </a:pPr>
             <a:r>
-              <a:rPr b="0" lang="en-US" sz="1800" spc="-1" strike="noStrike">
-                <a:solidFill>
-                  <a:srgbClr val="000000"/>
-                </a:solidFill>
-                <a:latin typeface="Calibri"/>
+              <a:rPr b="0" lang="en-IN" sz="2400" spc="-1" strike="noStrike">
+                <a:latin typeface="Arial"/>
               </a:rPr>
               <a:t>Third Outline Level</a:t>
             </a:r>
-            <a:endParaRPr b="0" lang="en-US" sz="1800" spc="-1" strike="noStrike">
-              <a:solidFill>
-                <a:srgbClr val="000000"/>
-              </a:solidFill>
-              <a:latin typeface="Calibri"/>
+            <a:endParaRPr b="0" lang="en-IN" sz="2400" spc="-1" strike="noStrike">
+              <a:latin typeface="Arial"/>
             </a:endParaRPr>
           </a:p>
           <a:p>
             <a:pPr lvl="3" marL="1728000" indent="-216000">
-              <a:lnSpc>
-                <a:spcPct val="90000"/>
-              </a:lnSpc>
               <a:spcBef>
                 <a:spcPts val="567"/>
               </a:spcBef>
@@ -5556,26 +5174,17 @@
               <a:buChar char=""/>
             </a:pPr>
             <a:r>
-              <a:rPr b="0" lang="en-US" sz="1800" spc="-1" strike="noStrike">
-                <a:solidFill>
-                  <a:srgbClr val="000000"/>
-                </a:solidFill>
-                <a:latin typeface="Calibri"/>
+              <a:rPr b="0" lang="en-IN" sz="2000" spc="-1" strike="noStrike">
+                <a:latin typeface="Arial"/>
               </a:rPr>
               <a:t>Fourth Outline Level</a:t>
             </a:r>
-            <a:endParaRPr b="0" lang="en-US" sz="1800" spc="-1" strike="noStrike">
-              <a:solidFill>
-                <a:srgbClr val="000000"/>
-              </a:solidFill>
-              <a:latin typeface="Calibri"/>
+            <a:endParaRPr b="0" lang="en-IN" sz="2000" spc="-1" strike="noStrike">
+              <a:latin typeface="Arial"/>
             </a:endParaRPr>
           </a:p>
           <a:p>
             <a:pPr lvl="4" marL="2160000" indent="-216000">
-              <a:lnSpc>
-                <a:spcPct val="90000"/>
-              </a:lnSpc>
               <a:spcBef>
                 <a:spcPts val="283"/>
               </a:spcBef>
@@ -5587,26 +5196,17 @@
               <a:buChar char=""/>
             </a:pPr>
             <a:r>
-              <a:rPr b="0" lang="en-US" sz="2000" spc="-1" strike="noStrike">
-                <a:solidFill>
-                  <a:srgbClr val="000000"/>
-                </a:solidFill>
-                <a:latin typeface="Calibri"/>
+              <a:rPr b="0" lang="en-IN" sz="2000" spc="-1" strike="noStrike">
+                <a:latin typeface="Arial"/>
               </a:rPr>
               <a:t>Fifth Outline Level</a:t>
             </a:r>
-            <a:endParaRPr b="0" lang="en-US" sz="2000" spc="-1" strike="noStrike">
-              <a:solidFill>
-                <a:srgbClr val="000000"/>
-              </a:solidFill>
-              <a:latin typeface="Calibri"/>
+            <a:endParaRPr b="0" lang="en-IN" sz="2000" spc="-1" strike="noStrike">
+              <a:latin typeface="Arial"/>
             </a:endParaRPr>
           </a:p>
           <a:p>
             <a:pPr lvl="5" marL="2592000" indent="-216000">
-              <a:lnSpc>
-                <a:spcPct val="90000"/>
-              </a:lnSpc>
               <a:spcBef>
                 <a:spcPts val="283"/>
               </a:spcBef>
@@ -5618,26 +5218,17 @@
               <a:buChar char=""/>
             </a:pPr>
             <a:r>
-              <a:rPr b="0" lang="en-US" sz="2000" spc="-1" strike="noStrike">
-                <a:solidFill>
-                  <a:srgbClr val="000000"/>
-                </a:solidFill>
-                <a:latin typeface="Calibri"/>
+              <a:rPr b="0" lang="en-IN" sz="2000" spc="-1" strike="noStrike">
+                <a:latin typeface="Arial"/>
               </a:rPr>
               <a:t>Sixth Outline Level</a:t>
             </a:r>
-            <a:endParaRPr b="0" lang="en-US" sz="2000" spc="-1" strike="noStrike">
-              <a:solidFill>
-                <a:srgbClr val="000000"/>
-              </a:solidFill>
-              <a:latin typeface="Calibri"/>
+            <a:endParaRPr b="0" lang="en-IN" sz="2000" spc="-1" strike="noStrike">
+              <a:latin typeface="Arial"/>
             </a:endParaRPr>
           </a:p>
           <a:p>
             <a:pPr lvl="6" marL="3024000" indent="-216000">
-              <a:lnSpc>
-                <a:spcPct val="90000"/>
-              </a:lnSpc>
               <a:spcBef>
                 <a:spcPts val="283"/>
               </a:spcBef>
@@ -5649,19 +5240,13 @@
               <a:buChar char=""/>
             </a:pPr>
             <a:r>
-              <a:rPr b="0" lang="en-US" sz="2000" spc="-1" strike="noStrike">
-                <a:solidFill>
-                  <a:srgbClr val="000000"/>
-                </a:solidFill>
-                <a:latin typeface="Calibri"/>
+              <a:rPr b="0" lang="en-IN" sz="2000" spc="-1" strike="noStrike">
+                <a:latin typeface="Arial"/>
               </a:rPr>
               <a:t>Seventh Outline Level</a:t>
             </a:r>
-            <a:endParaRPr b="0" lang="en-US" sz="2000" spc="-1" strike="noStrike">
-              <a:solidFill>
-                <a:srgbClr val="000000"/>
-              </a:solidFill>
-              <a:latin typeface="Calibri"/>
+            <a:endParaRPr b="0" lang="en-IN" sz="2000" spc="-1" strike="noStrike">
+              <a:latin typeface="Arial"/>
             </a:endParaRPr>
           </a:p>
         </p:txBody>
@@ -5717,323 +5302,35 @@
             <a:spLocks noGrp="1"/>
           </p:cNvSpPr>
           <p:nvPr>
-            <p:ph type="title"/>
-          </p:nvPr>
-        </p:nvSpPr>
-        <p:spPr>
-          <a:xfrm>
-            <a:off x="838080" y="365040"/>
-            <a:ext cx="10515240" cy="1325160"/>
-          </a:xfrm>
-          <a:prstGeom prst="rect">
-            <a:avLst/>
-          </a:prstGeom>
-          <a:noFill/>
-          <a:ln w="0">
-            <a:noFill/>
-          </a:ln>
-        </p:spPr>
-        <p:txBody>
-          <a:bodyPr anchor="ctr">
+            <p:ph type="ftr" idx="4"/>
+          </p:nvPr>
+        </p:nvSpPr>
+        <p:spPr>
+          <a:xfrm>
+            <a:off x="4038480" y="6356520"/>
+            <a:ext cx="4114080" cy="364320"/>
+          </a:xfrm>
+          <a:prstGeom prst="rect">
+            <a:avLst/>
+          </a:prstGeom>
+          <a:noFill/>
+          <a:ln w="0">
+            <a:noFill/>
+          </a:ln>
+        </p:spPr>
+        <p:txBody>
+          <a:bodyPr lIns="90000" rIns="90000" tIns="45000" bIns="45000" anchor="ctr">
             <a:noAutofit/>
           </a:bodyPr>
-          <a:p>
-            <a:pPr indent="0">
-              <a:lnSpc>
-                <a:spcPct val="90000"/>
-              </a:lnSpc>
-              <a:buNone/>
-            </a:pPr>
-            <a:r>
-              <a:rPr b="0" lang="en-US" sz="4400" spc="-1" strike="noStrike">
-                <a:solidFill>
-                  <a:srgbClr val="000000"/>
-                </a:solidFill>
-                <a:latin typeface="Calibri Light"/>
-              </a:rPr>
-              <a:t>Click to edit Master title style</a:t>
-            </a:r>
-            <a:endParaRPr b="0" lang="en-US" sz="4400" spc="-1" strike="noStrike">
-              <a:solidFill>
-                <a:srgbClr val="000000"/>
-              </a:solidFill>
-              <a:latin typeface="Calibri"/>
-            </a:endParaRPr>
-          </a:p>
-        </p:txBody>
-      </p:sp>
-      <p:sp>
-        <p:nvSpPr>
-          <p:cNvPr id="42" name="PlaceHolder 2"/>
-          <p:cNvSpPr>
-            <a:spLocks noGrp="1"/>
-          </p:cNvSpPr>
-          <p:nvPr>
-            <p:ph type="body"/>
-          </p:nvPr>
-        </p:nvSpPr>
-        <p:spPr>
-          <a:xfrm>
-            <a:off x="838080" y="1825560"/>
-            <a:ext cx="10515240" cy="4350960"/>
-          </a:xfrm>
-          <a:prstGeom prst="rect">
-            <a:avLst/>
-          </a:prstGeom>
-          <a:noFill/>
-          <a:ln w="0">
-            <a:noFill/>
-          </a:ln>
-        </p:spPr>
-        <p:txBody>
-          <a:bodyPr anchor="t">
-            <a:noAutofit/>
-          </a:bodyPr>
-          <a:p>
-            <a:pPr marL="228600" indent="-228600">
-              <a:lnSpc>
-                <a:spcPct val="90000"/>
-              </a:lnSpc>
-              <a:spcBef>
-                <a:spcPts val="1001"/>
-              </a:spcBef>
-              <a:buClr>
-                <a:srgbClr val="000000"/>
-              </a:buClr>
-              <a:buFont typeface="Arial"/>
-              <a:buChar char="•"/>
-            </a:pPr>
-            <a:r>
-              <a:rPr b="0" lang="en-US" sz="2800" spc="-1" strike="noStrike">
-                <a:solidFill>
-                  <a:srgbClr val="000000"/>
-                </a:solidFill>
-                <a:latin typeface="Calibri"/>
-              </a:rPr>
-              <a:t>Click to edit Master text styles</a:t>
-            </a:r>
-            <a:endParaRPr b="0" lang="en-US" sz="2800" spc="-1" strike="noStrike">
-              <a:solidFill>
-                <a:srgbClr val="000000"/>
-              </a:solidFill>
-              <a:latin typeface="Calibri"/>
-            </a:endParaRPr>
-          </a:p>
-          <a:p>
-            <a:pPr lvl="1" marL="685800" indent="-228600">
-              <a:lnSpc>
-                <a:spcPct val="90000"/>
-              </a:lnSpc>
-              <a:spcBef>
-                <a:spcPts val="499"/>
-              </a:spcBef>
-              <a:buClr>
-                <a:srgbClr val="000000"/>
-              </a:buClr>
-              <a:buFont typeface="Arial"/>
-              <a:buChar char="•"/>
-            </a:pPr>
-            <a:r>
-              <a:rPr b="0" lang="en-US" sz="2400" spc="-1" strike="noStrike">
-                <a:solidFill>
-                  <a:srgbClr val="000000"/>
-                </a:solidFill>
-                <a:latin typeface="Calibri"/>
-              </a:rPr>
-              <a:t>Second level</a:t>
-            </a:r>
-            <a:endParaRPr b="0" lang="en-US" sz="2400" spc="-1" strike="noStrike">
-              <a:solidFill>
-                <a:srgbClr val="000000"/>
-              </a:solidFill>
-              <a:latin typeface="Calibri"/>
-            </a:endParaRPr>
-          </a:p>
-          <a:p>
-            <a:pPr lvl="2" marL="1143000" indent="-228600">
-              <a:lnSpc>
-                <a:spcPct val="90000"/>
-              </a:lnSpc>
-              <a:spcBef>
-                <a:spcPts val="499"/>
-              </a:spcBef>
-              <a:buClr>
-                <a:srgbClr val="000000"/>
-              </a:buClr>
-              <a:buFont typeface="Arial"/>
-              <a:buChar char="•"/>
-            </a:pPr>
-            <a:r>
-              <a:rPr b="0" lang="en-US" sz="2000" spc="-1" strike="noStrike">
-                <a:solidFill>
-                  <a:srgbClr val="000000"/>
-                </a:solidFill>
-                <a:latin typeface="Calibri"/>
-              </a:rPr>
-              <a:t>Third level</a:t>
-            </a:r>
-            <a:endParaRPr b="0" lang="en-US" sz="2000" spc="-1" strike="noStrike">
-              <a:solidFill>
-                <a:srgbClr val="000000"/>
-              </a:solidFill>
-              <a:latin typeface="Calibri"/>
-            </a:endParaRPr>
-          </a:p>
-          <a:p>
-            <a:pPr lvl="3" marL="1600200" indent="-228600">
-              <a:lnSpc>
-                <a:spcPct val="90000"/>
-              </a:lnSpc>
-              <a:spcBef>
-                <a:spcPts val="499"/>
-              </a:spcBef>
-              <a:buClr>
-                <a:srgbClr val="000000"/>
-              </a:buClr>
-              <a:buFont typeface="Arial"/>
-              <a:buChar char="•"/>
-            </a:pPr>
-            <a:r>
-              <a:rPr b="0" lang="en-US" sz="1800" spc="-1" strike="noStrike">
-                <a:solidFill>
-                  <a:srgbClr val="000000"/>
-                </a:solidFill>
-                <a:latin typeface="Calibri"/>
-              </a:rPr>
-              <a:t>Fourth level</a:t>
-            </a:r>
-            <a:endParaRPr b="0" lang="en-US" sz="1800" spc="-1" strike="noStrike">
-              <a:solidFill>
-                <a:srgbClr val="000000"/>
-              </a:solidFill>
-              <a:latin typeface="Calibri"/>
-            </a:endParaRPr>
-          </a:p>
-          <a:p>
-            <a:pPr lvl="4" marL="2057400" indent="-228600">
-              <a:lnSpc>
-                <a:spcPct val="90000"/>
-              </a:lnSpc>
-              <a:spcBef>
-                <a:spcPts val="499"/>
-              </a:spcBef>
-              <a:buClr>
-                <a:srgbClr val="000000"/>
-              </a:buClr>
-              <a:buFont typeface="Arial"/>
-              <a:buChar char="•"/>
-            </a:pPr>
-            <a:r>
-              <a:rPr b="0" lang="en-US" sz="1800" spc="-1" strike="noStrike">
-                <a:solidFill>
-                  <a:srgbClr val="000000"/>
-                </a:solidFill>
-                <a:latin typeface="Calibri"/>
-              </a:rPr>
-              <a:t>Fifth level</a:t>
-            </a:r>
-            <a:endParaRPr b="0" lang="en-US" sz="1800" spc="-1" strike="noStrike">
-              <a:solidFill>
-                <a:srgbClr val="000000"/>
-              </a:solidFill>
-              <a:latin typeface="Calibri"/>
-            </a:endParaRPr>
-          </a:p>
-        </p:txBody>
-      </p:sp>
-      <p:sp>
-        <p:nvSpPr>
-          <p:cNvPr id="43" name="PlaceHolder 3"/>
-          <p:cNvSpPr>
-            <a:spLocks noGrp="1"/>
-          </p:cNvSpPr>
-          <p:nvPr>
-            <p:ph type="dt" idx="4"/>
-          </p:nvPr>
-        </p:nvSpPr>
-        <p:spPr>
-          <a:xfrm>
-            <a:off x="838080" y="6356520"/>
-            <a:ext cx="2742840" cy="364680"/>
-          </a:xfrm>
-          <a:prstGeom prst="rect">
-            <a:avLst/>
-          </a:prstGeom>
-          <a:noFill/>
-          <a:ln w="0">
-            <a:noFill/>
-          </a:ln>
-        </p:spPr>
-        <p:txBody>
-          <a:bodyPr anchor="ctr">
-            <a:noAutofit/>
-          </a:bodyPr>
           <a:lstStyle>
-            <a:lvl1pPr indent="0">
+            <a:lvl1pPr indent="0" algn="ctr">
               <a:lnSpc>
                 <a:spcPct val="100000"/>
               </a:lnSpc>
               <a:buNone/>
-              <a:defRPr b="0" lang="en-IN" sz="1200" spc="-1" strike="noStrike">
-                <a:solidFill>
-                  <a:srgbClr val="8b8b8b"/>
-                </a:solidFill>
-                <a:latin typeface="Calibri"/>
-              </a:defRPr>
-            </a:lvl1pPr>
-          </a:lstStyle>
-          <a:p>
-            <a:pPr indent="0">
-              <a:lnSpc>
-                <a:spcPct val="100000"/>
-              </a:lnSpc>
-              <a:buNone/>
-            </a:pPr>
-            <a:r>
-              <a:rPr b="0" lang="en-IN" sz="1200" spc="-1" strike="noStrike">
-                <a:solidFill>
-                  <a:srgbClr val="8b8b8b"/>
-                </a:solidFill>
-                <a:latin typeface="Calibri"/>
-              </a:rPr>
-              <a:t>&lt;date/time&gt;</a:t>
-            </a:r>
-            <a:endParaRPr b="0" lang="en-IN" sz="1200" spc="-1" strike="noStrike">
-              <a:latin typeface="Times New Roman"/>
-            </a:endParaRPr>
-          </a:p>
-        </p:txBody>
-      </p:sp>
-      <p:sp>
-        <p:nvSpPr>
-          <p:cNvPr id="44" name="PlaceHolder 4"/>
-          <p:cNvSpPr>
-            <a:spLocks noGrp="1"/>
-          </p:cNvSpPr>
-          <p:nvPr>
-            <p:ph type="ftr" idx="5"/>
-          </p:nvPr>
-        </p:nvSpPr>
-        <p:spPr>
-          <a:xfrm>
-            <a:off x="4038480" y="6356520"/>
-            <a:ext cx="4114440" cy="364680"/>
-          </a:xfrm>
-          <a:prstGeom prst="rect">
-            <a:avLst/>
-          </a:prstGeom>
-          <a:noFill/>
-          <a:ln w="0">
-            <a:noFill/>
-          </a:ln>
-        </p:spPr>
-        <p:txBody>
-          <a:bodyPr anchor="ctr">
-            <a:noAutofit/>
-          </a:bodyPr>
-          <a:lstStyle>
-            <a:lvl1pPr indent="0" algn="ctr">
-              <a:buNone/>
+              <a:tabLst>
+                <a:tab algn="l" pos="0"/>
+              </a:tabLst>
               <a:defRPr b="0" lang="en-IN" sz="1400" spc="-1" strike="noStrike">
                 <a:latin typeface="Times New Roman"/>
               </a:defRPr>
@@ -6041,7 +5338,13 @@
           </a:lstStyle>
           <a:p>
             <a:pPr indent="0" algn="ctr">
-              <a:buNone/>
+              <a:lnSpc>
+                <a:spcPct val="100000"/>
+              </a:lnSpc>
+              <a:buNone/>
+              <a:tabLst>
+                <a:tab algn="l" pos="0"/>
+              </a:tabLst>
             </a:pPr>
             <a:r>
               <a:rPr b="0" lang="en-IN" sz="1400" spc="-1" strike="noStrike">
@@ -6057,29 +5360,29 @@
       </p:sp>
       <p:sp>
         <p:nvSpPr>
-          <p:cNvPr id="45" name="PlaceHolder 5"/>
-          <p:cNvSpPr>
-            <a:spLocks noGrp="1"/>
-          </p:cNvSpPr>
-          <p:nvPr>
-            <p:ph type="sldNum" idx="6"/>
+          <p:cNvPr id="42" name="PlaceHolder 2"/>
+          <p:cNvSpPr>
+            <a:spLocks noGrp="1"/>
+          </p:cNvSpPr>
+          <p:nvPr>
+            <p:ph type="sldNum" idx="5"/>
           </p:nvPr>
         </p:nvSpPr>
         <p:spPr>
           <a:xfrm>
             <a:off x="8610480" y="6356520"/>
-            <a:ext cx="2742840" cy="364680"/>
-          </a:xfrm>
-          <a:prstGeom prst="rect">
-            <a:avLst/>
-          </a:prstGeom>
-          <a:noFill/>
-          <a:ln w="0">
-            <a:noFill/>
-          </a:ln>
-        </p:spPr>
-        <p:txBody>
-          <a:bodyPr anchor="ctr">
+            <a:ext cx="2742480" cy="364320"/>
+          </a:xfrm>
+          <a:prstGeom prst="rect">
+            <a:avLst/>
+          </a:prstGeom>
+          <a:noFill/>
+          <a:ln w="0">
+            <a:noFill/>
+          </a:ln>
+        </p:spPr>
+        <p:txBody>
+          <a:bodyPr lIns="90000" rIns="90000" tIns="45000" bIns="45000" anchor="ctr">
             <a:noAutofit/>
           </a:bodyPr>
           <a:lstStyle>
@@ -6088,6 +5391,9 @@
                 <a:spcPct val="100000"/>
               </a:lnSpc>
               <a:buNone/>
+              <a:tabLst>
+                <a:tab algn="l" pos="0"/>
+              </a:tabLst>
               <a:defRPr b="0" lang="en-IN" sz="1200" spc="-1" strike="noStrike">
                 <a:solidFill>
                   <a:srgbClr val="8b8b8b"/>
@@ -6102,8 +5408,11 @@
                 <a:spcPct val="100000"/>
               </a:lnSpc>
               <a:buNone/>
-            </a:pPr>
-            <a:fld id="{F4AAB40E-95DC-43C6-8A43-C5643D874B1E}" type="slidenum">
+              <a:tabLst>
+                <a:tab algn="l" pos="0"/>
+              </a:tabLst>
+            </a:pPr>
+            <a:fld id="{977A681A-C68C-4B82-A383-10DE281AABBB}" type="slidenum">
               <a:rPr b="0" lang="en-IN" sz="1200" spc="-1" strike="noStrike">
                 <a:solidFill>
                   <a:srgbClr val="8b8b8b"/>
@@ -6114,6 +5423,283 @@
             </a:fld>
             <a:endParaRPr b="0" lang="en-IN" sz="1200" spc="-1" strike="noStrike">
               <a:latin typeface="Times New Roman"/>
+            </a:endParaRPr>
+          </a:p>
+        </p:txBody>
+      </p:sp>
+      <p:sp>
+        <p:nvSpPr>
+          <p:cNvPr id="43" name="PlaceHolder 3"/>
+          <p:cNvSpPr>
+            <a:spLocks noGrp="1"/>
+          </p:cNvSpPr>
+          <p:nvPr>
+            <p:ph type="dt" idx="6"/>
+          </p:nvPr>
+        </p:nvSpPr>
+        <p:spPr>
+          <a:xfrm>
+            <a:off x="838080" y="6356520"/>
+            <a:ext cx="2742480" cy="364320"/>
+          </a:xfrm>
+          <a:prstGeom prst="rect">
+            <a:avLst/>
+          </a:prstGeom>
+          <a:noFill/>
+          <a:ln w="0">
+            <a:noFill/>
+          </a:ln>
+        </p:spPr>
+        <p:txBody>
+          <a:bodyPr lIns="90000" rIns="90000" tIns="45000" bIns="45000" anchor="ctr">
+            <a:noAutofit/>
+          </a:bodyPr>
+          <a:lstStyle>
+            <a:lvl1pPr indent="0">
+              <a:buNone/>
+              <a:defRPr b="0" lang="en-IN" sz="1400" spc="-1" strike="noStrike">
+                <a:latin typeface="Times New Roman"/>
+              </a:defRPr>
+            </a:lvl1pPr>
+          </a:lstStyle>
+          <a:p>
+            <a:pPr indent="0">
+              <a:buNone/>
+            </a:pPr>
+            <a:r>
+              <a:rPr b="0" lang="en-IN" sz="1400" spc="-1" strike="noStrike">
+                <a:latin typeface="Times New Roman"/>
+              </a:rPr>
+              <a:t>&lt;date/time&gt;</a:t>
+            </a:r>
+            <a:endParaRPr b="0" lang="en-IN" sz="1400" spc="-1" strike="noStrike">
+              <a:latin typeface="Times New Roman"/>
+            </a:endParaRPr>
+          </a:p>
+        </p:txBody>
+      </p:sp>
+      <p:sp>
+        <p:nvSpPr>
+          <p:cNvPr id="44" name="PlaceHolder 4"/>
+          <p:cNvSpPr>
+            <a:spLocks noGrp="1"/>
+          </p:cNvSpPr>
+          <p:nvPr>
+            <p:ph type="title"/>
+          </p:nvPr>
+        </p:nvSpPr>
+        <p:spPr>
+          <a:xfrm>
+            <a:off x="609480" y="273600"/>
+            <a:ext cx="10972440" cy="1144800"/>
+          </a:xfrm>
+          <a:prstGeom prst="rect">
+            <a:avLst/>
+          </a:prstGeom>
+          <a:noFill/>
+          <a:ln w="0">
+            <a:noFill/>
+          </a:ln>
+        </p:spPr>
+        <p:txBody>
+          <a:bodyPr lIns="0" rIns="0" tIns="0" bIns="0" anchor="ctr">
+            <a:noAutofit/>
+          </a:bodyPr>
+          <a:p>
+            <a:pPr indent="0" algn="ctr">
+              <a:buNone/>
+            </a:pPr>
+            <a:r>
+              <a:rPr b="0" lang="en-IN" sz="4400" spc="-1" strike="noStrike">
+                <a:latin typeface="Arial"/>
+              </a:rPr>
+              <a:t>Click to edit the title text format</a:t>
+            </a:r>
+            <a:endParaRPr b="0" lang="en-IN" sz="4400" spc="-1" strike="noStrike">
+              <a:latin typeface="Arial"/>
+            </a:endParaRPr>
+          </a:p>
+        </p:txBody>
+      </p:sp>
+      <p:sp>
+        <p:nvSpPr>
+          <p:cNvPr id="45" name="PlaceHolder 5"/>
+          <p:cNvSpPr>
+            <a:spLocks noGrp="1"/>
+          </p:cNvSpPr>
+          <p:nvPr>
+            <p:ph type="body"/>
+          </p:nvPr>
+        </p:nvSpPr>
+        <p:spPr>
+          <a:xfrm>
+            <a:off x="609480" y="1604520"/>
+            <a:ext cx="10972440" cy="3977280"/>
+          </a:xfrm>
+          <a:prstGeom prst="rect">
+            <a:avLst/>
+          </a:prstGeom>
+          <a:noFill/>
+          <a:ln w="0">
+            <a:noFill/>
+          </a:ln>
+        </p:spPr>
+        <p:txBody>
+          <a:bodyPr lIns="0" rIns="0" tIns="0" bIns="0" anchor="t">
+            <a:normAutofit/>
+          </a:bodyPr>
+          <a:p>
+            <a:pPr marL="432000" indent="-324000">
+              <a:spcBef>
+                <a:spcPts val="1417"/>
+              </a:spcBef>
+              <a:buClr>
+                <a:srgbClr val="000000"/>
+              </a:buClr>
+              <a:buSzPct val="45000"/>
+              <a:buFont typeface="Wingdings" charset="2"/>
+              <a:buChar char=""/>
+            </a:pPr>
+            <a:r>
+              <a:rPr b="0" lang="en-IN" sz="3200" spc="-1" strike="noStrike">
+                <a:latin typeface="Arial"/>
+              </a:rPr>
+              <a:t>Click to edit the outline text format</a:t>
+            </a:r>
+            <a:endParaRPr b="0" lang="en-IN" sz="3200" spc="-1" strike="noStrike">
+              <a:latin typeface="Arial"/>
+            </a:endParaRPr>
+          </a:p>
+          <a:p>
+            <a:pPr lvl="1" marL="864000" indent="-324000">
+              <a:spcBef>
+                <a:spcPts val="1134"/>
+              </a:spcBef>
+              <a:buClr>
+                <a:srgbClr val="000000"/>
+              </a:buClr>
+              <a:buSzPct val="75000"/>
+              <a:buFont typeface="Symbol" charset="2"/>
+              <a:buChar char=""/>
+            </a:pPr>
+            <a:r>
+              <a:rPr b="0" lang="en-IN" sz="2800" spc="-1" strike="noStrike">
+                <a:latin typeface="Arial"/>
+              </a:rPr>
+              <a:t>Second Outline Level</a:t>
+            </a:r>
+            <a:endParaRPr b="0" lang="en-IN" sz="2800" spc="-1" strike="noStrike">
+              <a:latin typeface="Arial"/>
+            </a:endParaRPr>
+          </a:p>
+          <a:p>
+            <a:pPr lvl="2" marL="1296000" indent="-288000">
+              <a:spcBef>
+                <a:spcPts val="850"/>
+              </a:spcBef>
+              <a:buClr>
+                <a:srgbClr val="000000"/>
+              </a:buClr>
+              <a:buSzPct val="45000"/>
+              <a:buFont typeface="Wingdings" charset="2"/>
+              <a:buChar char=""/>
+            </a:pPr>
+            <a:r>
+              <a:rPr b="0" lang="en-IN" sz="2400" spc="-1" strike="noStrike">
+                <a:latin typeface="Arial"/>
+              </a:rPr>
+              <a:t>Third Outline Level</a:t>
+            </a:r>
+            <a:endParaRPr b="0" lang="en-IN" sz="2400" spc="-1" strike="noStrike">
+              <a:latin typeface="Arial"/>
+            </a:endParaRPr>
+          </a:p>
+          <a:p>
+            <a:pPr lvl="3" marL="1728000" indent="-216000">
+              <a:spcBef>
+                <a:spcPts val="567"/>
+              </a:spcBef>
+              <a:buClr>
+                <a:srgbClr val="000000"/>
+              </a:buClr>
+              <a:buSzPct val="75000"/>
+              <a:buFont typeface="Symbol" charset="2"/>
+              <a:buChar char=""/>
+            </a:pPr>
+            <a:r>
+              <a:rPr b="0" lang="en-IN" sz="2000" spc="-1" strike="noStrike">
+                <a:latin typeface="Arial"/>
+              </a:rPr>
+              <a:t>Fourth Outline Level</a:t>
+            </a:r>
+            <a:endParaRPr b="0" lang="en-IN" sz="2000" spc="-1" strike="noStrike">
+              <a:latin typeface="Arial"/>
+            </a:endParaRPr>
+          </a:p>
+          <a:p>
+            <a:pPr lvl="4" marL="2160000" indent="-216000">
+              <a:spcBef>
+                <a:spcPts val="283"/>
+              </a:spcBef>
+              <a:buClr>
+                <a:srgbClr val="000000"/>
+              </a:buClr>
+              <a:buSzPct val="45000"/>
+              <a:buFont typeface="Wingdings" charset="2"/>
+              <a:buChar char=""/>
+            </a:pPr>
+            <a:r>
+              <a:rPr b="0" lang="en-IN" sz="2000" spc="-1" strike="noStrike">
+                <a:latin typeface="Arial"/>
+              </a:rPr>
+              <a:t>Fifth Outline Level</a:t>
+            </a:r>
+            <a:endParaRPr b="0" lang="en-IN" sz="2000" spc="-1" strike="noStrike">
+              <a:latin typeface="Arial"/>
+            </a:endParaRPr>
+          </a:p>
+          <a:p>
+            <a:pPr lvl="5" marL="2592000" indent="-216000">
+              <a:spcBef>
+                <a:spcPts val="283"/>
+              </a:spcBef>
+              <a:buClr>
+                <a:srgbClr val="000000"/>
+              </a:buClr>
+              <a:buSzPct val="45000"/>
+              <a:buFont typeface="Wingdings" charset="2"/>
+              <a:buChar char=""/>
+            </a:pPr>
+            <a:r>
+              <a:rPr b="0" lang="en-IN" sz="2000" spc="-1" strike="noStrike">
+                <a:latin typeface="Arial"/>
+              </a:rPr>
+              <a:t>Sixth Outline Level</a:t>
+            </a:r>
+            <a:endParaRPr b="0" lang="en-IN" sz="2000" spc="-1" strike="noStrike">
+              <a:latin typeface="Arial"/>
+            </a:endParaRPr>
+          </a:p>
+          <a:p>
+            <a:pPr lvl="6" marL="3024000" indent="-216000">
+              <a:spcBef>
+                <a:spcPts val="283"/>
+              </a:spcBef>
+              <a:buClr>
+                <a:srgbClr val="000000"/>
+              </a:buClr>
+              <a:buSzPct val="45000"/>
+              <a:buFont typeface="Wingdings" charset="2"/>
+              <a:buChar char=""/>
+            </a:pPr>
+            <a:r>
+              <a:rPr b="0" lang="en-IN" sz="2000" spc="-1" strike="noStrike">
+                <a:latin typeface="Arial"/>
+              </a:rPr>
+              <a:t>Seventh Outline Level</a:t>
+            </a:r>
+            <a:endParaRPr b="0" lang="en-IN" sz="2000" spc="-1" strike="noStrike">
+              <a:latin typeface="Arial"/>
             </a:endParaRPr>
           </a:p>
         </p:txBody>
@@ -6168,18 +5754,18 @@
         <p:spPr>
           <a:xfrm>
             <a:off x="1523880" y="1122480"/>
-            <a:ext cx="9143640" cy="2387160"/>
-          </a:xfrm>
-          <a:prstGeom prst="rect">
-            <a:avLst/>
-          </a:prstGeom>
-          <a:noFill/>
-          <a:ln w="0">
-            <a:noFill/>
-          </a:ln>
-        </p:spPr>
-        <p:txBody>
-          <a:bodyPr anchor="b">
+            <a:ext cx="9143280" cy="2386800"/>
+          </a:xfrm>
+          <a:prstGeom prst="rect">
+            <a:avLst/>
+          </a:prstGeom>
+          <a:noFill/>
+          <a:ln w="0">
+            <a:noFill/>
+          </a:ln>
+        </p:spPr>
+        <p:txBody>
+          <a:bodyPr lIns="0" rIns="0" tIns="0" bIns="0" anchor="b">
             <a:noAutofit/>
           </a:bodyPr>
           <a:p>
@@ -6188,6 +5774,9 @@
                 <a:spcPct val="90000"/>
               </a:lnSpc>
               <a:buNone/>
+              <a:tabLst>
+                <a:tab algn="l" pos="0"/>
+              </a:tabLst>
             </a:pPr>
             <a:r>
               <a:rPr b="0" lang="en-IN" sz="6000" spc="-1" strike="noStrike">
@@ -6225,11 +5814,8 @@
               </a:rPr>
               <a:t>	</a:t>
             </a:r>
-            <a:endParaRPr b="0" lang="en-US" sz="6000" spc="-1" strike="noStrike">
-              <a:solidFill>
-                <a:srgbClr val="000000"/>
-              </a:solidFill>
-              <a:latin typeface="Calibri"/>
+            <a:endParaRPr b="0" lang="en-IN" sz="6000" spc="-1" strike="noStrike">
+              <a:latin typeface="Arial"/>
             </a:endParaRPr>
           </a:p>
         </p:txBody>
@@ -6247,18 +5833,18 @@
         <p:spPr>
           <a:xfrm>
             <a:off x="586440" y="1376640"/>
-            <a:ext cx="10972440" cy="5321520"/>
-          </a:xfrm>
-          <a:prstGeom prst="rect">
-            <a:avLst/>
-          </a:prstGeom>
-          <a:noFill/>
-          <a:ln w="0">
-            <a:noFill/>
-          </a:ln>
-        </p:spPr>
-        <p:txBody>
-          <a:bodyPr anchor="t">
+            <a:ext cx="10972080" cy="5321160"/>
+          </a:xfrm>
+          <a:prstGeom prst="rect">
+            <a:avLst/>
+          </a:prstGeom>
+          <a:noFill/>
+          <a:ln w="0">
+            <a:noFill/>
+          </a:ln>
+        </p:spPr>
+        <p:txBody>
+          <a:bodyPr lIns="0" rIns="0" tIns="0" bIns="0" anchor="t">
             <a:noAutofit/>
           </a:bodyPr>
           <a:p>
@@ -6834,7 +6420,7 @@
         <p:spPr>
           <a:xfrm>
             <a:off x="288360" y="296640"/>
-            <a:ext cx="2290320" cy="736200"/>
+            <a:ext cx="2289960" cy="735840"/>
           </a:xfrm>
           <a:prstGeom prst="rect">
             <a:avLst/>
@@ -6857,7 +6443,7 @@
         <p:spPr>
           <a:xfrm>
             <a:off x="10777680" y="140760"/>
-            <a:ext cx="1367640" cy="883800"/>
+            <a:ext cx="1367280" cy="883440"/>
           </a:xfrm>
           <a:prstGeom prst="rect">
             <a:avLst/>
@@ -6876,12 +6462,12 @@
         <p:spPr>
           <a:xfrm>
             <a:off x="0" y="1105920"/>
-            <a:ext cx="12145680" cy="360"/>
+            <a:ext cx="12146040" cy="720"/>
           </a:xfrm>
           <a:prstGeom prst="straightConnector1">
             <a:avLst/>
           </a:prstGeom>
-          <a:ln>
+          <a:ln w="0">
             <a:solidFill>
               <a:srgbClr val="4472c4"/>
             </a:solidFill>
@@ -6927,7 +6513,7 @@
         <p:spPr>
           <a:xfrm>
             <a:off x="691560" y="2034360"/>
-            <a:ext cx="10515240" cy="3913920"/>
+            <a:ext cx="10514880" cy="3913560"/>
           </a:xfrm>
           <a:prstGeom prst="rect">
             <a:avLst/>
@@ -6944,7 +6530,7 @@
           <a:fontRef idx="minor"/>
         </p:style>
         <p:txBody>
-          <a:bodyPr anchor="ctr">
+          <a:bodyPr lIns="90000" rIns="90000" tIns="45000" bIns="45000" anchor="ctr">
             <a:normAutofit/>
           </a:bodyPr>
           <a:p>
@@ -6959,6 +6545,7 @@
                   <a:srgbClr val="000000"/>
                 </a:solidFill>
                 <a:latin typeface="Calibri Light"/>
+                <a:ea typeface="DejaVu Sans"/>
               </a:rPr>
               <a:t>	</a:t>
             </a:r>
@@ -6968,6 +6555,7 @@
                   <a:srgbClr val="000000"/>
                 </a:solidFill>
                 <a:latin typeface="Calibri Light"/>
+                <a:ea typeface="DejaVu Sans"/>
               </a:rPr>
               <a:t>	</a:t>
             </a:r>
@@ -6977,6 +6565,7 @@
                   <a:srgbClr val="000000"/>
                 </a:solidFill>
                 <a:latin typeface="Calibri Light"/>
+                <a:ea typeface="DejaVu Sans"/>
               </a:rPr>
               <a:t>	</a:t>
             </a:r>
@@ -6999,18 +6588,18 @@
         <p:spPr>
           <a:xfrm>
             <a:off x="838080" y="1202040"/>
-            <a:ext cx="10515240" cy="595080"/>
-          </a:xfrm>
-          <a:prstGeom prst="rect">
-            <a:avLst/>
-          </a:prstGeom>
-          <a:noFill/>
-          <a:ln w="0">
-            <a:noFill/>
-          </a:ln>
-        </p:spPr>
-        <p:txBody>
-          <a:bodyPr anchor="ctr">
+            <a:ext cx="10514880" cy="594720"/>
+          </a:xfrm>
+          <a:prstGeom prst="rect">
+            <a:avLst/>
+          </a:prstGeom>
+          <a:noFill/>
+          <a:ln w="0">
+            <a:noFill/>
+          </a:ln>
+        </p:spPr>
+        <p:txBody>
+          <a:bodyPr lIns="90000" rIns="90000" tIns="45000" bIns="45000" anchor="ctr">
             <a:normAutofit fontScale="83000"/>
           </a:bodyPr>
           <a:p>
@@ -7019,6 +6608,9 @@
                 <a:spcPct val="90000"/>
               </a:lnSpc>
               <a:buNone/>
+              <a:tabLst>
+                <a:tab algn="l" pos="0"/>
+              </a:tabLst>
             </a:pPr>
             <a:r>
               <a:rPr b="0" lang="en-US" sz="4400" spc="-1" strike="noStrike">
@@ -7027,13 +6619,10 @@
                 </a:solidFill>
                 <a:latin typeface="Trebuchet MS"/>
               </a:rPr>
-              <a:t>Conclusion</a:t>
-            </a:r>
-            <a:endParaRPr b="0" lang="en-US" sz="4400" spc="-1" strike="noStrike">
-              <a:solidFill>
-                <a:srgbClr val="000000"/>
-              </a:solidFill>
-              <a:latin typeface="Calibri"/>
+              <a:t>References</a:t>
+            </a:r>
+            <a:endParaRPr b="0" lang="en-IN" sz="4400" spc="-1" strike="noStrike">
+              <a:latin typeface="Arial"/>
             </a:endParaRPr>
           </a:p>
         </p:txBody>
@@ -7051,35 +6640,126 @@
         <p:spPr>
           <a:xfrm>
             <a:off x="838080" y="1893600"/>
-            <a:ext cx="10515240" cy="4491720"/>
-          </a:xfrm>
-          <a:prstGeom prst="rect">
-            <a:avLst/>
-          </a:prstGeom>
-          <a:noFill/>
-          <a:ln w="0">
-            <a:noFill/>
-          </a:ln>
-        </p:spPr>
-        <p:txBody>
-          <a:bodyPr anchor="t">
+            <a:ext cx="10514880" cy="4491360"/>
+          </a:xfrm>
+          <a:prstGeom prst="rect">
+            <a:avLst/>
+          </a:prstGeom>
+          <a:noFill/>
+          <a:ln w="0">
+            <a:noFill/>
+          </a:ln>
+        </p:spPr>
+        <p:txBody>
+          <a:bodyPr lIns="90000" rIns="90000" tIns="45000" bIns="45000" anchor="t">
             <a:normAutofit/>
           </a:bodyPr>
           <a:p>
-            <a:pPr indent="0">
+            <a:pPr marL="228600" indent="-228600">
               <a:lnSpc>
                 <a:spcPct val="90000"/>
               </a:lnSpc>
               <a:spcBef>
-                <a:spcPts val="1417"/>
-              </a:spcBef>
-              <a:buNone/>
-            </a:pPr>
-            <a:endParaRPr b="0" lang="en-US" sz="2800" spc="-1" strike="noStrike">
-              <a:solidFill>
+                <a:spcPts val="1134"/>
+              </a:spcBef>
+              <a:buClr>
                 <a:srgbClr val="000000"/>
-              </a:solidFill>
-              <a:latin typeface="Calibri"/>
+              </a:buClr>
+              <a:buFont typeface="Arial"/>
+              <a:buChar char="•"/>
+            </a:pPr>
+            <a:r>
+              <a:rPr b="0" lang="en-IN" sz="2000" spc="-1" strike="noStrike">
+                <a:solidFill>
+                  <a:srgbClr val="000000"/>
+                </a:solidFill>
+                <a:latin typeface="Calibri"/>
+              </a:rPr>
+              <a:t>PhiUSIIL: A diverse security profile empowered phishing URL detection framework based on similarity index</a:t>
+            </a:r>
+            <a:endParaRPr b="0" lang="en-IN" sz="2000" spc="-1" strike="noStrike">
+              <a:latin typeface="Arial"/>
+            </a:endParaRPr>
+          </a:p>
+          <a:p>
+            <a:pPr marL="228600" indent="-228600">
+              <a:lnSpc>
+                <a:spcPct val="90000"/>
+              </a:lnSpc>
+              <a:spcBef>
+                <a:spcPts val="1134"/>
+              </a:spcBef>
+              <a:buClr>
+                <a:srgbClr val="000000"/>
+              </a:buClr>
+              <a:buFont typeface="Arial"/>
+              <a:buChar char="•"/>
+            </a:pPr>
+            <a:r>
+              <a:rPr b="0" lang="en-IN" sz="2000" spc="-1" strike="noStrike">
+                <a:solidFill>
+                  <a:srgbClr val="000000"/>
+                </a:solidFill>
+                <a:latin typeface="Calibri"/>
+              </a:rPr>
+              <a:t>Ahammad, S.H., Kale, S.D., Upadhye, G.D., Pande, S.D., Babu, E.V., Dhumane, A.V., Bahadur, M.D.K.J., 2022. Phishing URL detection using machine learning methods. Adv. Eng. Softw. 173, 103288. https://doi .org /10 .1016 /j .advengsoft .2022 .103288.</a:t>
+            </a:r>
+            <a:endParaRPr b="0" lang="en-IN" sz="2000" spc="-1" strike="noStrike">
+              <a:latin typeface="Arial"/>
+            </a:endParaRPr>
+          </a:p>
+          <a:p>
+            <a:pPr marL="228600" indent="-228600">
+              <a:lnSpc>
+                <a:spcPct val="90000"/>
+              </a:lnSpc>
+              <a:spcBef>
+                <a:spcPts val="1134"/>
+              </a:spcBef>
+              <a:buClr>
+                <a:srgbClr val="000000"/>
+              </a:buClr>
+              <a:buFont typeface="Arial"/>
+              <a:buChar char="•"/>
+            </a:pPr>
+            <a:r>
+              <a:rPr b="0" lang="en-IN" sz="2000" spc="-1" strike="noStrike">
+                <a:solidFill>
+                  <a:srgbClr val="000000"/>
+                </a:solidFill>
+                <a:latin typeface="Calibri"/>
+              </a:rPr>
+              <a:t>Alani, M.M., Tawfik, H., 2022. PhishNot: a cloud-based machine-learning approach to phishing URL detection. Comput. Netw. 218, 109407. https://doi .org /10 .1016 /j .comnet .2022 .109407.</a:t>
+            </a:r>
+            <a:endParaRPr b="0" lang="en-IN" sz="2000" spc="-1" strike="noStrike">
+              <a:latin typeface="Arial"/>
+            </a:endParaRPr>
+          </a:p>
+          <a:p>
+            <a:pPr marL="228600" indent="-228600">
+              <a:lnSpc>
+                <a:spcPct val="90000"/>
+              </a:lnSpc>
+              <a:spcBef>
+                <a:spcPts val="1134"/>
+              </a:spcBef>
+              <a:buClr>
+                <a:srgbClr val="000000"/>
+              </a:buClr>
+              <a:buFont typeface="Arial"/>
+              <a:buChar char="•"/>
+            </a:pPr>
+            <a:r>
+              <a:rPr b="0" lang="en-IN" sz="2000" spc="-1" strike="noStrike">
+                <a:solidFill>
+                  <a:srgbClr val="000000"/>
+                </a:solidFill>
+                <a:latin typeface="Calibri"/>
+              </a:rPr>
+              <a:t>Anon, 2023a. Retrieved May, 12, 2023. https://isc .sans .edu /diary /The +zip +gTLD + Risks +and +Opportunities /29838.</a:t>
+            </a:r>
+            <a:endParaRPr b="0" lang="en-IN" sz="2000" spc="-1" strike="noStrike">
+              <a:latin typeface="Arial"/>
             </a:endParaRPr>
           </a:p>
         </p:txBody>
@@ -7097,7 +6777,7 @@
         <p:spPr>
           <a:xfrm>
             <a:off x="288360" y="296640"/>
-            <a:ext cx="2290320" cy="736200"/>
+            <a:ext cx="2289960" cy="735840"/>
           </a:xfrm>
           <a:prstGeom prst="rect">
             <a:avLst/>
@@ -7120,7 +6800,7 @@
         <p:spPr>
           <a:xfrm>
             <a:off x="10777680" y="140760"/>
-            <a:ext cx="1367640" cy="883800"/>
+            <a:ext cx="1367280" cy="883440"/>
           </a:xfrm>
           <a:prstGeom prst="rect">
             <a:avLst/>
@@ -7139,378 +6819,12 @@
         <p:spPr>
           <a:xfrm>
             <a:off x="0" y="1105920"/>
-            <a:ext cx="12145680" cy="360"/>
+            <a:ext cx="12146040" cy="720"/>
           </a:xfrm>
           <a:prstGeom prst="straightConnector1">
             <a:avLst/>
           </a:prstGeom>
-          <a:ln>
-            <a:solidFill>
-              <a:srgbClr val="4472c4"/>
-            </a:solidFill>
-          </a:ln>
-        </p:spPr>
-      </p:cxnSp>
-    </p:spTree>
-  </p:cSld>
-  <mc:AlternateContent>
-    <mc:Choice Requires="p14">
-      <p:transition spd="slow" p14:dur="2000"/>
-    </mc:Choice>
-    <mc:Fallback>
-      <p:transition spd="slow"/>
-    </mc:Fallback>
-  </mc:AlternateContent>
-</p:sld>
-</file>
-
-<file path=ppt/slides/slide11.xml><?xml version="1.0" encoding="utf-8"?>
-<p:sld xmlns:a="http://schemas.openxmlformats.org/drawingml/2006/main" xmlns:p="http://schemas.openxmlformats.org/presentationml/2006/main" xmlns:r="http://schemas.openxmlformats.org/officeDocument/2006/relationships" xmlns:p14="http://schemas.microsoft.com/office/powerpoint/2010/main" xmlns:p15="http://schemas.microsoft.com/office/powerpoint/2012/main" xmlns:mc="http://schemas.openxmlformats.org/markup-compatibility/2006">
-  <p:cSld>
-    <p:spTree>
-      <p:nvGrpSpPr>
-        <p:cNvPr id="1" name=""/>
-        <p:cNvGrpSpPr/>
-        <p:nvPr/>
-      </p:nvGrpSpPr>
-      <p:grpSpPr>
-        <a:xfrm>
-          <a:off x="0" y="0"/>
-          <a:ext cx="0" cy="0"/>
-          <a:chOff x="0" y="0"/>
-          <a:chExt cx="0" cy="0"/>
-        </a:xfrm>
-      </p:grpSpPr>
-      <p:sp>
-        <p:nvSpPr>
-          <p:cNvPr id="141" name="Title 1"/>
-          <p:cNvSpPr/>
-          <p:nvPr/>
-        </p:nvSpPr>
-        <p:spPr>
-          <a:xfrm>
-            <a:off x="691560" y="2034360"/>
-            <a:ext cx="10515240" cy="3913920"/>
-          </a:xfrm>
-          <a:prstGeom prst="rect">
-            <a:avLst/>
-          </a:prstGeom>
-          <a:noFill/>
-          <a:ln w="0">
-            <a:noFill/>
-          </a:ln>
-        </p:spPr>
-        <p:style>
-          <a:lnRef idx="0"/>
-          <a:fillRef idx="0"/>
-          <a:effectRef idx="0"/>
-          <a:fontRef idx="minor"/>
-        </p:style>
-        <p:txBody>
-          <a:bodyPr anchor="ctr">
-            <a:normAutofit/>
-          </a:bodyPr>
-          <a:p>
-            <a:pPr>
-              <a:lnSpc>
-                <a:spcPct val="90000"/>
-              </a:lnSpc>
-            </a:pPr>
-            <a:r>
-              <a:rPr b="0" lang="en-IN" sz="4400" spc="-1" strike="noStrike">
-                <a:solidFill>
-                  <a:srgbClr val="000000"/>
-                </a:solidFill>
-                <a:latin typeface="Calibri Light"/>
-              </a:rPr>
-              <a:t>	</a:t>
-            </a:r>
-            <a:r>
-              <a:rPr b="0" lang="en-IN" sz="4400" spc="-1" strike="noStrike">
-                <a:solidFill>
-                  <a:srgbClr val="000000"/>
-                </a:solidFill>
-                <a:latin typeface="Calibri Light"/>
-              </a:rPr>
-              <a:t>	</a:t>
-            </a:r>
-            <a:r>
-              <a:rPr b="0" lang="en-IN" sz="4400" spc="-1" strike="noStrike">
-                <a:solidFill>
-                  <a:srgbClr val="000000"/>
-                </a:solidFill>
-                <a:latin typeface="Calibri Light"/>
-              </a:rPr>
-              <a:t>	</a:t>
-            </a:r>
-            <a:endParaRPr b="0" lang="en-IN" sz="4400" spc="-1" strike="noStrike">
-              <a:latin typeface="Arial"/>
-            </a:endParaRPr>
-          </a:p>
-        </p:txBody>
-      </p:sp>
-      <p:sp>
-        <p:nvSpPr>
-          <p:cNvPr id="142" name="PlaceHolder 1"/>
-          <p:cNvSpPr>
-            <a:spLocks noGrp="1"/>
-          </p:cNvSpPr>
-          <p:nvPr>
-            <p:ph type="title"/>
-          </p:nvPr>
-        </p:nvSpPr>
-        <p:spPr>
-          <a:xfrm>
-            <a:off x="838080" y="1202040"/>
-            <a:ext cx="10515240" cy="595080"/>
-          </a:xfrm>
-          <a:prstGeom prst="rect">
-            <a:avLst/>
-          </a:prstGeom>
-          <a:noFill/>
-          <a:ln w="0">
-            <a:noFill/>
-          </a:ln>
-        </p:spPr>
-        <p:txBody>
-          <a:bodyPr anchor="ctr">
-            <a:normAutofit fontScale="83000"/>
-          </a:bodyPr>
-          <a:p>
-            <a:pPr indent="0" algn="ctr">
-              <a:lnSpc>
-                <a:spcPct val="90000"/>
-              </a:lnSpc>
-              <a:buNone/>
-            </a:pPr>
-            <a:r>
-              <a:rPr b="0" lang="en-US" sz="4400" spc="-1" strike="noStrike">
-                <a:solidFill>
-                  <a:srgbClr val="000000"/>
-                </a:solidFill>
-                <a:latin typeface="Trebuchet MS"/>
-              </a:rPr>
-              <a:t>References</a:t>
-            </a:r>
-            <a:endParaRPr b="0" lang="en-US" sz="4400" spc="-1" strike="noStrike">
-              <a:solidFill>
-                <a:srgbClr val="000000"/>
-              </a:solidFill>
-              <a:latin typeface="Calibri"/>
-            </a:endParaRPr>
-          </a:p>
-        </p:txBody>
-      </p:sp>
-      <p:sp>
-        <p:nvSpPr>
-          <p:cNvPr id="143" name="PlaceHolder 2"/>
-          <p:cNvSpPr>
-            <a:spLocks noGrp="1"/>
-          </p:cNvSpPr>
-          <p:nvPr>
-            <p:ph/>
-          </p:nvPr>
-        </p:nvSpPr>
-        <p:spPr>
-          <a:xfrm>
-            <a:off x="838080" y="1893600"/>
-            <a:ext cx="10515240" cy="4491720"/>
-          </a:xfrm>
-          <a:prstGeom prst="rect">
-            <a:avLst/>
-          </a:prstGeom>
-          <a:noFill/>
-          <a:ln w="0">
-            <a:noFill/>
-          </a:ln>
-        </p:spPr>
-        <p:txBody>
-          <a:bodyPr anchor="t">
-            <a:normAutofit/>
-          </a:bodyPr>
-          <a:p>
-            <a:pPr marL="228600" indent="-228600">
-              <a:lnSpc>
-                <a:spcPct val="90000"/>
-              </a:lnSpc>
-              <a:spcBef>
-                <a:spcPts val="1134"/>
-              </a:spcBef>
-              <a:buClr>
-                <a:srgbClr val="000000"/>
-              </a:buClr>
-              <a:buFont typeface="Arial"/>
-              <a:buChar char="•"/>
-            </a:pPr>
-            <a:r>
-              <a:rPr b="0" lang="en-IN" sz="2000" spc="-1" strike="noStrike">
-                <a:solidFill>
-                  <a:srgbClr val="000000"/>
-                </a:solidFill>
-                <a:latin typeface="Calibri"/>
-              </a:rPr>
-              <a:t>PhiUSIIL: A diverse security profile empowered phishing URL detection framework based on similarity index</a:t>
-            </a:r>
-            <a:endParaRPr b="0" lang="en-US" sz="2000" spc="-1" strike="noStrike">
-              <a:solidFill>
-                <a:srgbClr val="000000"/>
-              </a:solidFill>
-              <a:latin typeface="Calibri"/>
-            </a:endParaRPr>
-          </a:p>
-          <a:p>
-            <a:pPr marL="228600" indent="-228600">
-              <a:lnSpc>
-                <a:spcPct val="90000"/>
-              </a:lnSpc>
-              <a:spcBef>
-                <a:spcPts val="1134"/>
-              </a:spcBef>
-              <a:buClr>
-                <a:srgbClr val="000000"/>
-              </a:buClr>
-              <a:buFont typeface="Arial"/>
-              <a:buChar char="•"/>
-            </a:pPr>
-            <a:r>
-              <a:rPr b="0" lang="en-IN" sz="2000" spc="-1" strike="noStrike">
-                <a:solidFill>
-                  <a:srgbClr val="000000"/>
-                </a:solidFill>
-                <a:latin typeface="Calibri"/>
-              </a:rPr>
-              <a:t>Ahammad, S.H., Kale, S.D., Upadhye, G.D., Pande, S.D., Babu, E.V., Dhumane, A.V., Bahadur, M.D.K.J., 2022. Phishing URL detection using machine learning methods. Adv. Eng. Softw. 173, 103288. https://doi .org /10 .1016 /j .advengsoft .2022 .103288.</a:t>
-            </a:r>
-            <a:endParaRPr b="0" lang="en-US" sz="2000" spc="-1" strike="noStrike">
-              <a:solidFill>
-                <a:srgbClr val="000000"/>
-              </a:solidFill>
-              <a:latin typeface="Calibri"/>
-            </a:endParaRPr>
-          </a:p>
-          <a:p>
-            <a:pPr marL="228600" indent="-228600">
-              <a:lnSpc>
-                <a:spcPct val="90000"/>
-              </a:lnSpc>
-              <a:spcBef>
-                <a:spcPts val="1134"/>
-              </a:spcBef>
-              <a:buClr>
-                <a:srgbClr val="000000"/>
-              </a:buClr>
-              <a:buFont typeface="Arial"/>
-              <a:buChar char="•"/>
-            </a:pPr>
-            <a:r>
-              <a:rPr b="0" lang="en-IN" sz="2000" spc="-1" strike="noStrike">
-                <a:solidFill>
-                  <a:srgbClr val="000000"/>
-                </a:solidFill>
-                <a:latin typeface="Calibri"/>
-              </a:rPr>
-              <a:t>Alani, M.M., Tawfik, H., 2022. PhishNot: a cloud-based machine-learning approach to phishing URL detection. Comput. Netw. 218, 109407. https://doi .org /10 .1016 /j .comnet .2022 .109407.</a:t>
-            </a:r>
-            <a:endParaRPr b="0" lang="en-US" sz="2000" spc="-1" strike="noStrike">
-              <a:solidFill>
-                <a:srgbClr val="000000"/>
-              </a:solidFill>
-              <a:latin typeface="Calibri"/>
-            </a:endParaRPr>
-          </a:p>
-          <a:p>
-            <a:pPr marL="228600" indent="-228600">
-              <a:lnSpc>
-                <a:spcPct val="90000"/>
-              </a:lnSpc>
-              <a:spcBef>
-                <a:spcPts val="1134"/>
-              </a:spcBef>
-              <a:buClr>
-                <a:srgbClr val="000000"/>
-              </a:buClr>
-              <a:buFont typeface="Arial"/>
-              <a:buChar char="•"/>
-            </a:pPr>
-            <a:r>
-              <a:rPr b="0" lang="en-IN" sz="2000" spc="-1" strike="noStrike">
-                <a:solidFill>
-                  <a:srgbClr val="000000"/>
-                </a:solidFill>
-                <a:latin typeface="Calibri"/>
-              </a:rPr>
-              <a:t>Anon, 2023a. Retrieved May, 12, 2023. https://isc .sans .edu /diary /The +zip +gTLD + Risks +and +Opportunities /29838.</a:t>
-            </a:r>
-            <a:endParaRPr b="0" lang="en-US" sz="2000" spc="-1" strike="noStrike">
-              <a:solidFill>
-                <a:srgbClr val="000000"/>
-              </a:solidFill>
-              <a:latin typeface="Calibri"/>
-            </a:endParaRPr>
-          </a:p>
-        </p:txBody>
-      </p:sp>
-      <p:pic>
-        <p:nvPicPr>
-          <p:cNvPr id="144" name="Content Placeholder 4" descr=""/>
-          <p:cNvPicPr/>
-          <p:nvPr/>
-        </p:nvPicPr>
-        <p:blipFill>
-          <a:blip r:embed="rId1"/>
-          <a:stretch/>
-        </p:blipFill>
-        <p:spPr>
-          <a:xfrm>
-            <a:off x="288360" y="296640"/>
-            <a:ext cx="2290320" cy="736200"/>
-          </a:xfrm>
-          <a:prstGeom prst="rect">
-            <a:avLst/>
-          </a:prstGeom>
-          <a:ln w="0">
-            <a:noFill/>
-          </a:ln>
-        </p:spPr>
-      </p:pic>
-      <p:pic>
-        <p:nvPicPr>
-          <p:cNvPr id="145" name="Picture 20" descr=""/>
-          <p:cNvPicPr/>
-          <p:nvPr/>
-        </p:nvPicPr>
-        <p:blipFill>
-          <a:blip r:embed="rId2"/>
-          <a:stretch/>
-        </p:blipFill>
-        <p:spPr>
-          <a:xfrm>
-            <a:off x="10777680" y="140760"/>
-            <a:ext cx="1367640" cy="883800"/>
-          </a:xfrm>
-          <a:prstGeom prst="rect">
-            <a:avLst/>
-          </a:prstGeom>
-          <a:ln w="0">
-            <a:noFill/>
-          </a:ln>
-        </p:spPr>
-      </p:pic>
-      <p:cxnSp>
-        <p:nvCxnSpPr>
-          <p:cNvPr id="146" name="Straight Connector 21"/>
-          <p:cNvCxnSpPr/>
-          <p:nvPr/>
-        </p:nvCxnSpPr>
-        <p:spPr>
-          <a:xfrm>
-            <a:off x="0" y="1105920"/>
-            <a:ext cx="12145680" cy="360"/>
-          </a:xfrm>
-          <a:prstGeom prst="straightConnector1">
-            <a:avLst/>
-          </a:prstGeom>
-          <a:ln>
+          <a:ln w="0">
             <a:solidFill>
               <a:srgbClr val="4472c4"/>
             </a:solidFill>
@@ -7556,7 +6870,7 @@
         <p:spPr>
           <a:xfrm>
             <a:off x="691560" y="2034360"/>
-            <a:ext cx="10515240" cy="3913920"/>
+            <a:ext cx="10514880" cy="3913560"/>
           </a:xfrm>
           <a:prstGeom prst="rect">
             <a:avLst/>
@@ -7573,7 +6887,7 @@
           <a:fontRef idx="minor"/>
         </p:style>
         <p:txBody>
-          <a:bodyPr anchor="ctr">
+          <a:bodyPr lIns="90000" rIns="90000" tIns="45000" bIns="45000" anchor="ctr">
             <a:normAutofit/>
           </a:bodyPr>
           <a:p>
@@ -7588,6 +6902,7 @@
                   <a:srgbClr val="000000"/>
                 </a:solidFill>
                 <a:latin typeface="Calibri Light"/>
+                <a:ea typeface="DejaVu Sans"/>
               </a:rPr>
               <a:t>	</a:t>
             </a:r>
@@ -7597,6 +6912,7 @@
                   <a:srgbClr val="000000"/>
                 </a:solidFill>
                 <a:latin typeface="Calibri Light"/>
+                <a:ea typeface="DejaVu Sans"/>
               </a:rPr>
               <a:t>	</a:t>
             </a:r>
@@ -7606,6 +6922,7 @@
                   <a:srgbClr val="000000"/>
                 </a:solidFill>
                 <a:latin typeface="Calibri Light"/>
+                <a:ea typeface="DejaVu Sans"/>
               </a:rPr>
               <a:t>	</a:t>
             </a:r>
@@ -7628,18 +6945,18 @@
         <p:spPr>
           <a:xfrm>
             <a:off x="838080" y="1202040"/>
-            <a:ext cx="10515240" cy="595080"/>
-          </a:xfrm>
-          <a:prstGeom prst="rect">
-            <a:avLst/>
-          </a:prstGeom>
-          <a:noFill/>
-          <a:ln w="0">
-            <a:noFill/>
-          </a:ln>
-        </p:spPr>
-        <p:txBody>
-          <a:bodyPr anchor="ctr">
+            <a:ext cx="10514880" cy="594720"/>
+          </a:xfrm>
+          <a:prstGeom prst="rect">
+            <a:avLst/>
+          </a:prstGeom>
+          <a:noFill/>
+          <a:ln w="0">
+            <a:noFill/>
+          </a:ln>
+        </p:spPr>
+        <p:txBody>
+          <a:bodyPr lIns="90000" rIns="90000" tIns="45000" bIns="45000" anchor="ctr">
             <a:normAutofit fontScale="83000"/>
           </a:bodyPr>
           <a:p>
@@ -7648,6 +6965,9 @@
                 <a:spcPct val="90000"/>
               </a:lnSpc>
               <a:buNone/>
+              <a:tabLst>
+                <a:tab algn="l" pos="0"/>
+              </a:tabLst>
             </a:pPr>
             <a:r>
               <a:rPr b="0" lang="en-US" sz="4400" spc="-1" strike="noStrike">
@@ -7658,11 +6978,8 @@
               </a:rPr>
               <a:t>Outline</a:t>
             </a:r>
-            <a:endParaRPr b="0" lang="en-US" sz="4400" spc="-1" strike="noStrike">
-              <a:solidFill>
-                <a:srgbClr val="000000"/>
-              </a:solidFill>
-              <a:latin typeface="Calibri"/>
+            <a:endParaRPr b="0" lang="en-IN" sz="4400" spc="-1" strike="noStrike">
+              <a:latin typeface="Arial"/>
             </a:endParaRPr>
           </a:p>
         </p:txBody>
@@ -7680,19 +6997,19 @@
         <p:spPr>
           <a:xfrm>
             <a:off x="838080" y="1893600"/>
-            <a:ext cx="10515240" cy="4491720"/>
-          </a:xfrm>
-          <a:prstGeom prst="rect">
-            <a:avLst/>
-          </a:prstGeom>
-          <a:noFill/>
-          <a:ln w="0">
-            <a:noFill/>
-          </a:ln>
-        </p:spPr>
-        <p:txBody>
-          <a:bodyPr anchor="t">
-            <a:normAutofit fontScale="98000"/>
+            <a:ext cx="10514880" cy="4491360"/>
+          </a:xfrm>
+          <a:prstGeom prst="rect">
+            <a:avLst/>
+          </a:prstGeom>
+          <a:noFill/>
+          <a:ln w="0">
+            <a:noFill/>
+          </a:ln>
+        </p:spPr>
+        <p:txBody>
+          <a:bodyPr lIns="90000" rIns="90000" tIns="45000" bIns="45000" anchor="t">
+            <a:normAutofit/>
           </a:bodyPr>
           <a:p>
             <a:pPr marL="228600" indent="-228600">
@@ -7717,11 +7034,8 @@
               </a:rPr>
               <a:t>Introduction</a:t>
             </a:r>
-            <a:endParaRPr b="0" lang="en-US" sz="2800" spc="-1" strike="noStrike">
-              <a:solidFill>
-                <a:srgbClr val="000000"/>
-              </a:solidFill>
-              <a:latin typeface="Calibri"/>
+            <a:endParaRPr b="0" lang="en-IN" sz="2800" spc="-1" strike="noStrike">
+              <a:latin typeface="Arial"/>
             </a:endParaRPr>
           </a:p>
           <a:p>
@@ -7747,11 +7061,8 @@
               </a:rPr>
               <a:t>Objectives</a:t>
             </a:r>
-            <a:endParaRPr b="0" lang="en-US" sz="2800" spc="-1" strike="noStrike">
-              <a:solidFill>
-                <a:srgbClr val="000000"/>
-              </a:solidFill>
-              <a:latin typeface="Calibri"/>
+            <a:endParaRPr b="0" lang="en-IN" sz="2800" spc="-1" strike="noStrike">
+              <a:latin typeface="Arial"/>
             </a:endParaRPr>
           </a:p>
           <a:p>
@@ -7775,13 +7086,10 @@
                 </a:solidFill>
                 <a:latin typeface="Calibri"/>
               </a:rPr>
-              <a:t>Literature Review</a:t>
-            </a:r>
-            <a:endParaRPr b="0" lang="en-US" sz="2800" spc="-1" strike="noStrike">
-              <a:solidFill>
-                <a:srgbClr val="000000"/>
-              </a:solidFill>
-              <a:latin typeface="Calibri"/>
+              <a:t>Methodology Used</a:t>
+            </a:r>
+            <a:endParaRPr b="0" lang="en-IN" sz="2800" spc="-1" strike="noStrike">
+              <a:latin typeface="Arial"/>
             </a:endParaRPr>
           </a:p>
           <a:p>
@@ -7805,13 +7113,10 @@
                 </a:solidFill>
                 <a:latin typeface="Calibri"/>
               </a:rPr>
-              <a:t>Methodology Used</a:t>
-            </a:r>
-            <a:endParaRPr b="0" lang="en-US" sz="2800" spc="-1" strike="noStrike">
-              <a:solidFill>
-                <a:srgbClr val="000000"/>
-              </a:solidFill>
-              <a:latin typeface="Calibri"/>
+              <a:t>Data Flow Diagram</a:t>
+            </a:r>
+            <a:endParaRPr b="0" lang="en-IN" sz="2800" spc="-1" strike="noStrike">
+              <a:latin typeface="Arial"/>
             </a:endParaRPr>
           </a:p>
           <a:p>
@@ -7835,13 +7140,10 @@
                 </a:solidFill>
                 <a:latin typeface="Calibri"/>
               </a:rPr>
-              <a:t>Data Flow Diagram</a:t>
-            </a:r>
-            <a:endParaRPr b="0" lang="en-US" sz="2800" spc="-1" strike="noStrike">
-              <a:solidFill>
-                <a:srgbClr val="000000"/>
-              </a:solidFill>
-              <a:latin typeface="Calibri"/>
+              <a:t>Progress and Result</a:t>
+            </a:r>
+            <a:endParaRPr b="0" lang="en-IN" sz="2800" spc="-1" strike="noStrike">
+              <a:latin typeface="Arial"/>
             </a:endParaRPr>
           </a:p>
           <a:p>
@@ -7865,13 +7167,10 @@
                 </a:solidFill>
                 <a:latin typeface="Calibri"/>
               </a:rPr>
-              <a:t>Progress and Result</a:t>
-            </a:r>
-            <a:endParaRPr b="0" lang="en-US" sz="2800" spc="-1" strike="noStrike">
-              <a:solidFill>
-                <a:srgbClr val="000000"/>
-              </a:solidFill>
-              <a:latin typeface="Calibri"/>
+              <a:t>Future Work</a:t>
+            </a:r>
+            <a:endParaRPr b="0" lang="en-IN" sz="2800" spc="-1" strike="noStrike">
+              <a:latin typeface="Arial"/>
             </a:endParaRPr>
           </a:p>
           <a:p>
@@ -7895,13 +7194,10 @@
                 </a:solidFill>
                 <a:latin typeface="Calibri"/>
               </a:rPr>
-              <a:t>Future Work</a:t>
-            </a:r>
-            <a:endParaRPr b="0" lang="en-US" sz="2800" spc="-1" strike="noStrike">
-              <a:solidFill>
-                <a:srgbClr val="000000"/>
-              </a:solidFill>
-              <a:latin typeface="Calibri"/>
+              <a:t>Conclusion</a:t>
+            </a:r>
+            <a:endParaRPr b="0" lang="en-IN" sz="2800" spc="-1" strike="noStrike">
+              <a:latin typeface="Arial"/>
             </a:endParaRPr>
           </a:p>
           <a:p>
@@ -7925,43 +7221,10 @@
                 </a:solidFill>
                 <a:latin typeface="Calibri"/>
               </a:rPr>
-              <a:t>Conclusion</a:t>
-            </a:r>
-            <a:endParaRPr b="0" lang="en-US" sz="2800" spc="-1" strike="noStrike">
-              <a:solidFill>
-                <a:srgbClr val="000000"/>
-              </a:solidFill>
-              <a:latin typeface="Calibri"/>
-            </a:endParaRPr>
-          </a:p>
-          <a:p>
-            <a:pPr marL="228600" indent="-228600">
-              <a:lnSpc>
-                <a:spcPct val="90000"/>
-              </a:lnSpc>
-              <a:spcBef>
-                <a:spcPts val="1001"/>
-              </a:spcBef>
-              <a:buClr>
-                <a:srgbClr val="000000"/>
-              </a:buClr>
-              <a:buFont typeface="Arial"/>
-              <a:buChar char="•"/>
-            </a:pPr>
-            <a:r>
-              <a:rPr b="0" lang="en-US" sz="2800" spc="-1" strike="noStrike">
-                <a:solidFill>
-                  <a:srgbClr val="000000"/>
-                </a:solidFill>
-                <a:latin typeface="Calibri"/>
-              </a:rPr>
               <a:t>References</a:t>
             </a:r>
-            <a:endParaRPr b="0" lang="en-US" sz="2800" spc="-1" strike="noStrike">
-              <a:solidFill>
-                <a:srgbClr val="000000"/>
-              </a:solidFill>
-              <a:latin typeface="Calibri"/>
+            <a:endParaRPr b="0" lang="en-IN" sz="2800" spc="-1" strike="noStrike">
+              <a:latin typeface="Arial"/>
             </a:endParaRPr>
           </a:p>
         </p:txBody>
@@ -7979,7 +7242,7 @@
         <p:spPr>
           <a:xfrm>
             <a:off x="288360" y="296640"/>
-            <a:ext cx="2290320" cy="736200"/>
+            <a:ext cx="2289960" cy="735840"/>
           </a:xfrm>
           <a:prstGeom prst="rect">
             <a:avLst/>
@@ -8002,7 +7265,7 @@
         <p:spPr>
           <a:xfrm>
             <a:off x="10777680" y="140760"/>
-            <a:ext cx="1367640" cy="883800"/>
+            <a:ext cx="1367280" cy="883440"/>
           </a:xfrm>
           <a:prstGeom prst="rect">
             <a:avLst/>
@@ -8021,12 +7284,12 @@
         <p:spPr>
           <a:xfrm>
             <a:off x="0" y="1105920"/>
-            <a:ext cx="12145680" cy="360"/>
+            <a:ext cx="12146040" cy="720"/>
           </a:xfrm>
           <a:prstGeom prst="straightConnector1">
             <a:avLst/>
           </a:prstGeom>
-          <a:ln>
+          <a:ln w="0">
             <a:solidFill>
               <a:srgbClr val="4472c4"/>
             </a:solidFill>
@@ -8072,7 +7335,7 @@
         <p:spPr>
           <a:xfrm>
             <a:off x="691560" y="2034360"/>
-            <a:ext cx="10515240" cy="3913920"/>
+            <a:ext cx="10514880" cy="3913560"/>
           </a:xfrm>
           <a:prstGeom prst="rect">
             <a:avLst/>
@@ -8089,7 +7352,7 @@
           <a:fontRef idx="minor"/>
         </p:style>
         <p:txBody>
-          <a:bodyPr anchor="ctr">
+          <a:bodyPr lIns="90000" rIns="90000" tIns="45000" bIns="45000" anchor="ctr">
             <a:normAutofit/>
           </a:bodyPr>
           <a:p>
@@ -8104,6 +7367,7 @@
                   <a:srgbClr val="000000"/>
                 </a:solidFill>
                 <a:latin typeface="Calibri Light"/>
+                <a:ea typeface="DejaVu Sans"/>
               </a:rPr>
               <a:t>	</a:t>
             </a:r>
@@ -8113,6 +7377,7 @@
                   <a:srgbClr val="000000"/>
                 </a:solidFill>
                 <a:latin typeface="Calibri Light"/>
+                <a:ea typeface="DejaVu Sans"/>
               </a:rPr>
               <a:t>	</a:t>
             </a:r>
@@ -8122,6 +7387,7 @@
                   <a:srgbClr val="000000"/>
                 </a:solidFill>
                 <a:latin typeface="Calibri Light"/>
+                <a:ea typeface="DejaVu Sans"/>
               </a:rPr>
               <a:t>	</a:t>
             </a:r>
@@ -8144,18 +7410,18 @@
         <p:spPr>
           <a:xfrm>
             <a:off x="838080" y="1202040"/>
-            <a:ext cx="10515240" cy="595080"/>
-          </a:xfrm>
-          <a:prstGeom prst="rect">
-            <a:avLst/>
-          </a:prstGeom>
-          <a:noFill/>
-          <a:ln w="0">
-            <a:noFill/>
-          </a:ln>
-        </p:spPr>
-        <p:txBody>
-          <a:bodyPr anchor="ctr">
+            <a:ext cx="10514880" cy="594720"/>
+          </a:xfrm>
+          <a:prstGeom prst="rect">
+            <a:avLst/>
+          </a:prstGeom>
+          <a:noFill/>
+          <a:ln w="0">
+            <a:noFill/>
+          </a:ln>
+        </p:spPr>
+        <p:txBody>
+          <a:bodyPr lIns="90000" rIns="90000" tIns="45000" bIns="45000" anchor="ctr">
             <a:normAutofit fontScale="83000"/>
           </a:bodyPr>
           <a:p>
@@ -8164,6 +7430,9 @@
                 <a:spcPct val="90000"/>
               </a:lnSpc>
               <a:buNone/>
+              <a:tabLst>
+                <a:tab algn="l" pos="0"/>
+              </a:tabLst>
             </a:pPr>
             <a:r>
               <a:rPr b="0" lang="en-US" sz="4400" spc="-1" strike="noStrike">
@@ -8174,11 +7443,8 @@
               </a:rPr>
               <a:t>Introduction</a:t>
             </a:r>
-            <a:endParaRPr b="0" lang="en-US" sz="4400" spc="-1" strike="noStrike">
-              <a:solidFill>
-                <a:srgbClr val="000000"/>
-              </a:solidFill>
-              <a:latin typeface="Calibri"/>
+            <a:endParaRPr b="0" lang="en-IN" sz="4400" spc="-1" strike="noStrike">
+              <a:latin typeface="Arial"/>
             </a:endParaRPr>
           </a:p>
         </p:txBody>
@@ -8196,18 +7462,18 @@
         <p:spPr>
           <a:xfrm>
             <a:off x="838080" y="1893600"/>
-            <a:ext cx="10515240" cy="4491720"/>
-          </a:xfrm>
-          <a:prstGeom prst="rect">
-            <a:avLst/>
-          </a:prstGeom>
-          <a:noFill/>
-          <a:ln w="0">
-            <a:noFill/>
-          </a:ln>
-        </p:spPr>
-        <p:txBody>
-          <a:bodyPr anchor="t">
+            <a:ext cx="10514880" cy="4491360"/>
+          </a:xfrm>
+          <a:prstGeom prst="rect">
+            <a:avLst/>
+          </a:prstGeom>
+          <a:noFill/>
+          <a:ln w="0">
+            <a:noFill/>
+          </a:ln>
+        </p:spPr>
+        <p:txBody>
+          <a:bodyPr lIns="90000" rIns="90000" tIns="45000" bIns="45000" anchor="t">
             <a:normAutofit/>
           </a:bodyPr>
           <a:p>
@@ -8233,11 +7499,8 @@
               </a:rPr>
               <a:t>Many websites on the Internet pretend to be reputed websites.</a:t>
             </a:r>
-            <a:endParaRPr b="0" lang="en-US" sz="2800" spc="-1" strike="noStrike">
-              <a:solidFill>
-                <a:srgbClr val="000000"/>
-              </a:solidFill>
-              <a:latin typeface="Calibri"/>
+            <a:endParaRPr b="0" lang="en-IN" sz="2800" spc="-1" strike="noStrike">
+              <a:latin typeface="Arial"/>
             </a:endParaRPr>
           </a:p>
           <a:p>
@@ -8263,11 +7526,8 @@
               </a:rPr>
               <a:t>Such websites steal data from users.</a:t>
             </a:r>
-            <a:endParaRPr b="0" lang="en-US" sz="2800" spc="-1" strike="noStrike">
-              <a:solidFill>
-                <a:srgbClr val="000000"/>
-              </a:solidFill>
-              <a:latin typeface="Calibri"/>
+            <a:endParaRPr b="0" lang="en-IN" sz="2800" spc="-1" strike="noStrike">
+              <a:latin typeface="Arial"/>
             </a:endParaRPr>
           </a:p>
           <a:p>
@@ -8293,11 +7553,8 @@
               </a:rPr>
               <a:t>Such theft of data can lead to huge financial fraud or even more disastrous attacks.</a:t>
             </a:r>
-            <a:endParaRPr b="0" lang="en-US" sz="2800" spc="-1" strike="noStrike">
-              <a:solidFill>
-                <a:srgbClr val="000000"/>
-              </a:solidFill>
-              <a:latin typeface="Calibri"/>
+            <a:endParaRPr b="0" lang="en-IN" sz="2800" spc="-1" strike="noStrike">
+              <a:latin typeface="Arial"/>
             </a:endParaRPr>
           </a:p>
         </p:txBody>
@@ -8315,7 +7572,7 @@
         <p:spPr>
           <a:xfrm>
             <a:off x="288360" y="296640"/>
-            <a:ext cx="2290320" cy="736200"/>
+            <a:ext cx="2289960" cy="735840"/>
           </a:xfrm>
           <a:prstGeom prst="rect">
             <a:avLst/>
@@ -8338,7 +7595,7 @@
         <p:spPr>
           <a:xfrm>
             <a:off x="10777680" y="140760"/>
-            <a:ext cx="1367640" cy="883800"/>
+            <a:ext cx="1367280" cy="883440"/>
           </a:xfrm>
           <a:prstGeom prst="rect">
             <a:avLst/>
@@ -8357,12 +7614,12 @@
         <p:spPr>
           <a:xfrm>
             <a:off x="0" y="1105920"/>
-            <a:ext cx="12145680" cy="360"/>
+            <a:ext cx="12146040" cy="720"/>
           </a:xfrm>
           <a:prstGeom prst="straightConnector1">
             <a:avLst/>
           </a:prstGeom>
-          <a:ln>
+          <a:ln w="0">
             <a:solidFill>
               <a:srgbClr val="4472c4"/>
             </a:solidFill>
@@ -8408,7 +7665,7 @@
         <p:spPr>
           <a:xfrm>
             <a:off x="691560" y="2034360"/>
-            <a:ext cx="10515240" cy="3913920"/>
+            <a:ext cx="10514880" cy="3913560"/>
           </a:xfrm>
           <a:prstGeom prst="rect">
             <a:avLst/>
@@ -8425,7 +7682,7 @@
           <a:fontRef idx="minor"/>
         </p:style>
         <p:txBody>
-          <a:bodyPr anchor="ctr">
+          <a:bodyPr lIns="90000" rIns="90000" tIns="45000" bIns="45000" anchor="ctr">
             <a:normAutofit/>
           </a:bodyPr>
           <a:p>
@@ -8440,6 +7697,7 @@
                   <a:srgbClr val="000000"/>
                 </a:solidFill>
                 <a:latin typeface="Calibri Light"/>
+                <a:ea typeface="DejaVu Sans"/>
               </a:rPr>
               <a:t>	</a:t>
             </a:r>
@@ -8449,6 +7707,7 @@
                   <a:srgbClr val="000000"/>
                 </a:solidFill>
                 <a:latin typeface="Calibri Light"/>
+                <a:ea typeface="DejaVu Sans"/>
               </a:rPr>
               <a:t>	</a:t>
             </a:r>
@@ -8458,6 +7717,7 @@
                   <a:srgbClr val="000000"/>
                 </a:solidFill>
                 <a:latin typeface="Calibri Light"/>
+                <a:ea typeface="DejaVu Sans"/>
               </a:rPr>
               <a:t>	</a:t>
             </a:r>
@@ -8480,18 +7740,18 @@
         <p:spPr>
           <a:xfrm>
             <a:off x="838080" y="1202040"/>
-            <a:ext cx="10515240" cy="595080"/>
-          </a:xfrm>
-          <a:prstGeom prst="rect">
-            <a:avLst/>
-          </a:prstGeom>
-          <a:noFill/>
-          <a:ln w="0">
-            <a:noFill/>
-          </a:ln>
-        </p:spPr>
-        <p:txBody>
-          <a:bodyPr anchor="ctr">
+            <a:ext cx="10514880" cy="594720"/>
+          </a:xfrm>
+          <a:prstGeom prst="rect">
+            <a:avLst/>
+          </a:prstGeom>
+          <a:noFill/>
+          <a:ln w="0">
+            <a:noFill/>
+          </a:ln>
+        </p:spPr>
+        <p:txBody>
+          <a:bodyPr lIns="90000" rIns="90000" tIns="45000" bIns="45000" anchor="ctr">
             <a:normAutofit fontScale="83000"/>
           </a:bodyPr>
           <a:p>
@@ -8500,6 +7760,9 @@
                 <a:spcPct val="90000"/>
               </a:lnSpc>
               <a:buNone/>
+              <a:tabLst>
+                <a:tab algn="l" pos="0"/>
+              </a:tabLst>
             </a:pPr>
             <a:r>
               <a:rPr b="0" lang="en-US" sz="4400" spc="-1" strike="noStrike">
@@ -8510,11 +7773,8 @@
               </a:rPr>
               <a:t>Objectives</a:t>
             </a:r>
-            <a:endParaRPr b="0" lang="en-US" sz="4400" spc="-1" strike="noStrike">
-              <a:solidFill>
-                <a:srgbClr val="000000"/>
-              </a:solidFill>
-              <a:latin typeface="Calibri"/>
+            <a:endParaRPr b="0" lang="en-IN" sz="4400" spc="-1" strike="noStrike">
+              <a:latin typeface="Arial"/>
             </a:endParaRPr>
           </a:p>
         </p:txBody>
@@ -8532,18 +7792,18 @@
         <p:spPr>
           <a:xfrm>
             <a:off x="711000" y="1893600"/>
-            <a:ext cx="10515240" cy="4491720"/>
-          </a:xfrm>
-          <a:prstGeom prst="rect">
-            <a:avLst/>
-          </a:prstGeom>
-          <a:noFill/>
-          <a:ln w="0">
-            <a:noFill/>
-          </a:ln>
-        </p:spPr>
-        <p:txBody>
-          <a:bodyPr anchor="t">
+            <a:ext cx="10514880" cy="4491360"/>
+          </a:xfrm>
+          <a:prstGeom prst="rect">
+            <a:avLst/>
+          </a:prstGeom>
+          <a:noFill/>
+          <a:ln w="0">
+            <a:noFill/>
+          </a:ln>
+        </p:spPr>
+        <p:txBody>
+          <a:bodyPr lIns="90000" rIns="90000" tIns="45000" bIns="45000" anchor="t">
             <a:normAutofit/>
           </a:bodyPr>
           <a:p>
@@ -8569,11 +7829,8 @@
               </a:rPr>
               <a:t>To protect users from such malicious websites.</a:t>
             </a:r>
-            <a:endParaRPr b="0" lang="en-US" sz="2800" spc="-1" strike="noStrike">
-              <a:solidFill>
-                <a:srgbClr val="000000"/>
-              </a:solidFill>
-              <a:latin typeface="Calibri"/>
+            <a:endParaRPr b="0" lang="en-IN" sz="2800" spc="-1" strike="noStrike">
+              <a:latin typeface="Arial"/>
             </a:endParaRPr>
           </a:p>
           <a:p>
@@ -8599,11 +7856,8 @@
               </a:rPr>
               <a:t>To authenticate and provide more verfication to legitimate websites.</a:t>
             </a:r>
-            <a:endParaRPr b="0" lang="en-US" sz="2800" spc="-1" strike="noStrike">
-              <a:solidFill>
-                <a:srgbClr val="000000"/>
-              </a:solidFill>
-              <a:latin typeface="Calibri"/>
+            <a:endParaRPr b="0" lang="en-IN" sz="2800" spc="-1" strike="noStrike">
+              <a:latin typeface="Arial"/>
             </a:endParaRPr>
           </a:p>
           <a:p>
@@ -8629,11 +7883,8 @@
               </a:rPr>
               <a:t>To discourage unlawful or illegitmate websites from functioning.</a:t>
             </a:r>
-            <a:endParaRPr b="0" lang="en-US" sz="2800" spc="-1" strike="noStrike">
-              <a:solidFill>
-                <a:srgbClr val="000000"/>
-              </a:solidFill>
-              <a:latin typeface="Calibri"/>
+            <a:endParaRPr b="0" lang="en-IN" sz="2800" spc="-1" strike="noStrike">
+              <a:latin typeface="Arial"/>
             </a:endParaRPr>
           </a:p>
           <a:p>
@@ -8659,11 +7910,8 @@
               </a:rPr>
               <a:t>To make Internet a safe place.</a:t>
             </a:r>
-            <a:endParaRPr b="0" lang="en-US" sz="2800" spc="-1" strike="noStrike">
-              <a:solidFill>
-                <a:srgbClr val="000000"/>
-              </a:solidFill>
-              <a:latin typeface="Calibri"/>
+            <a:endParaRPr b="0" lang="en-IN" sz="2800" spc="-1" strike="noStrike">
+              <a:latin typeface="Arial"/>
             </a:endParaRPr>
           </a:p>
         </p:txBody>
@@ -8681,7 +7929,7 @@
         <p:spPr>
           <a:xfrm>
             <a:off x="288360" y="296640"/>
-            <a:ext cx="2290320" cy="736200"/>
+            <a:ext cx="2289960" cy="735840"/>
           </a:xfrm>
           <a:prstGeom prst="rect">
             <a:avLst/>
@@ -8704,7 +7952,7 @@
         <p:spPr>
           <a:xfrm>
             <a:off x="10777680" y="140760"/>
-            <a:ext cx="1367640" cy="883800"/>
+            <a:ext cx="1367280" cy="883440"/>
           </a:xfrm>
           <a:prstGeom prst="rect">
             <a:avLst/>
@@ -8723,12 +7971,12 @@
         <p:spPr>
           <a:xfrm>
             <a:off x="0" y="1105920"/>
-            <a:ext cx="12145680" cy="360"/>
+            <a:ext cx="12146040" cy="720"/>
           </a:xfrm>
           <a:prstGeom prst="straightConnector1">
             <a:avLst/>
           </a:prstGeom>
-          <a:ln>
+          <a:ln w="0">
             <a:solidFill>
               <a:srgbClr val="4472c4"/>
             </a:solidFill>
@@ -8774,7 +8022,7 @@
         <p:spPr>
           <a:xfrm>
             <a:off x="691560" y="2034360"/>
-            <a:ext cx="10515240" cy="3913920"/>
+            <a:ext cx="10514880" cy="3913560"/>
           </a:xfrm>
           <a:prstGeom prst="rect">
             <a:avLst/>
@@ -8791,7 +8039,7 @@
           <a:fontRef idx="minor"/>
         </p:style>
         <p:txBody>
-          <a:bodyPr anchor="ctr">
+          <a:bodyPr lIns="90000" rIns="90000" tIns="45000" bIns="45000" anchor="ctr">
             <a:normAutofit/>
           </a:bodyPr>
           <a:p>
@@ -8806,6 +8054,7 @@
                   <a:srgbClr val="000000"/>
                 </a:solidFill>
                 <a:latin typeface="Calibri Light"/>
+                <a:ea typeface="DejaVu Sans"/>
               </a:rPr>
               <a:t>	</a:t>
             </a:r>
@@ -8815,6 +8064,7 @@
                   <a:srgbClr val="000000"/>
                 </a:solidFill>
                 <a:latin typeface="Calibri Light"/>
+                <a:ea typeface="DejaVu Sans"/>
               </a:rPr>
               <a:t>	</a:t>
             </a:r>
@@ -8824,6 +8074,7 @@
                   <a:srgbClr val="000000"/>
                 </a:solidFill>
                 <a:latin typeface="Calibri Light"/>
+                <a:ea typeface="DejaVu Sans"/>
               </a:rPr>
               <a:t>	</a:t>
             </a:r>
@@ -8846,18 +8097,18 @@
         <p:spPr>
           <a:xfrm>
             <a:off x="838080" y="1202040"/>
-            <a:ext cx="10515240" cy="595080"/>
-          </a:xfrm>
-          <a:prstGeom prst="rect">
-            <a:avLst/>
-          </a:prstGeom>
-          <a:noFill/>
-          <a:ln w="0">
-            <a:noFill/>
-          </a:ln>
-        </p:spPr>
-        <p:txBody>
-          <a:bodyPr anchor="ctr">
+            <a:ext cx="10514880" cy="594720"/>
+          </a:xfrm>
+          <a:prstGeom prst="rect">
+            <a:avLst/>
+          </a:prstGeom>
+          <a:noFill/>
+          <a:ln w="0">
+            <a:noFill/>
+          </a:ln>
+        </p:spPr>
+        <p:txBody>
+          <a:bodyPr lIns="90000" rIns="90000" tIns="45000" bIns="45000" anchor="ctr">
             <a:normAutofit fontScale="83000"/>
           </a:bodyPr>
           <a:p>
@@ -8866,6 +8117,9 @@
                 <a:spcPct val="90000"/>
               </a:lnSpc>
               <a:buNone/>
+              <a:tabLst>
+                <a:tab algn="l" pos="0"/>
+              </a:tabLst>
             </a:pPr>
             <a:r>
               <a:rPr b="0" lang="en-US" sz="4400" spc="-1" strike="noStrike">
@@ -8874,59 +8128,171 @@
                 </a:solidFill>
                 <a:latin typeface="Trebuchet MS"/>
               </a:rPr>
-              <a:t>Literature Review</a:t>
-            </a:r>
-            <a:endParaRPr b="0" lang="en-US" sz="4400" spc="-1" strike="noStrike">
-              <a:solidFill>
+              <a:t>Methodology Used</a:t>
+            </a:r>
+            <a:endParaRPr b="0" lang="en-IN" sz="4400" spc="-1" strike="noStrike">
+              <a:latin typeface="Arial"/>
+            </a:endParaRPr>
+          </a:p>
+        </p:txBody>
+      </p:sp>
+      <p:sp>
+        <p:nvSpPr>
+          <p:cNvPr id="107" name="PlaceHolder 2"/>
+          <p:cNvSpPr>
+            <a:spLocks noGrp="1"/>
+          </p:cNvSpPr>
+          <p:nvPr>
+            <p:ph/>
+          </p:nvPr>
+        </p:nvSpPr>
+        <p:spPr>
+          <a:xfrm>
+            <a:off x="838080" y="1893600"/>
+            <a:ext cx="10514880" cy="4491360"/>
+          </a:xfrm>
+          <a:prstGeom prst="rect">
+            <a:avLst/>
+          </a:prstGeom>
+          <a:noFill/>
+          <a:ln w="0">
+            <a:noFill/>
+          </a:ln>
+        </p:spPr>
+        <p:txBody>
+          <a:bodyPr lIns="90000" rIns="90000" tIns="45000" bIns="45000" anchor="t">
+            <a:normAutofit/>
+          </a:bodyPr>
+          <a:p>
+            <a:pPr marL="432000" indent="-324000">
+              <a:spcBef>
+                <a:spcPts val="1417"/>
+              </a:spcBef>
+              <a:buClr>
                 <a:srgbClr val="000000"/>
-              </a:solidFill>
-              <a:latin typeface="Calibri"/>
-            </a:endParaRPr>
-          </a:p>
-        </p:txBody>
-      </p:sp>
-      <p:sp>
-        <p:nvSpPr>
-          <p:cNvPr id="107" name="PlaceHolder 2"/>
-          <p:cNvSpPr>
-            <a:spLocks noGrp="1"/>
-          </p:cNvSpPr>
-          <p:nvPr>
-            <p:ph/>
-          </p:nvPr>
-        </p:nvSpPr>
-        <p:spPr>
-          <a:xfrm>
-            <a:off x="838080" y="1893600"/>
-            <a:ext cx="10515240" cy="4491720"/>
-          </a:xfrm>
-          <a:prstGeom prst="rect">
-            <a:avLst/>
-          </a:prstGeom>
-          <a:noFill/>
-          <a:ln w="0">
-            <a:noFill/>
-          </a:ln>
-        </p:spPr>
-        <p:txBody>
-          <a:bodyPr anchor="t">
-            <a:normAutofit/>
-          </a:bodyPr>
-          <a:p>
-            <a:pPr indent="0">
-              <a:lnSpc>
-                <a:spcPct val="90000"/>
-              </a:lnSpc>
+              </a:buClr>
+              <a:buSzPct val="45000"/>
+              <a:buFont typeface="Wingdings" charset="2"/>
+              <a:buChar char=""/>
+            </a:pPr>
+            <a:r>
+              <a:rPr b="0" lang="en-IN" sz="3200" spc="-1" strike="noStrike">
+                <a:latin typeface="Arial"/>
+              </a:rPr>
+              <a:t>Read research papers</a:t>
+            </a:r>
+            <a:endParaRPr b="0" lang="en-IN" sz="3200" spc="-1" strike="noStrike">
+              <a:latin typeface="Arial"/>
+            </a:endParaRPr>
+          </a:p>
+          <a:p>
+            <a:pPr marL="432000" indent="-324000">
               <a:spcBef>
                 <a:spcPts val="1417"/>
               </a:spcBef>
-              <a:buNone/>
-            </a:pPr>
-            <a:endParaRPr b="0" lang="en-US" sz="2800" spc="-1" strike="noStrike">
-              <a:solidFill>
+              <a:buClr>
                 <a:srgbClr val="000000"/>
-              </a:solidFill>
-              <a:latin typeface="Calibri"/>
+              </a:buClr>
+              <a:buSzPct val="45000"/>
+              <a:buFont typeface="Wingdings" charset="2"/>
+              <a:buChar char=""/>
+            </a:pPr>
+            <a:r>
+              <a:rPr b="0" lang="en-IN" sz="3200" spc="-1" strike="noStrike">
+                <a:latin typeface="Arial"/>
+              </a:rPr>
+              <a:t>Obtain dataset</a:t>
+            </a:r>
+            <a:endParaRPr b="0" lang="en-IN" sz="3200" spc="-1" strike="noStrike">
+              <a:latin typeface="Arial"/>
+            </a:endParaRPr>
+          </a:p>
+          <a:p>
+            <a:pPr marL="432000" indent="-324000">
+              <a:spcBef>
+                <a:spcPts val="1417"/>
+              </a:spcBef>
+              <a:buClr>
+                <a:srgbClr val="000000"/>
+              </a:buClr>
+              <a:buSzPct val="45000"/>
+              <a:buFont typeface="Wingdings" charset="2"/>
+              <a:buChar char=""/>
+            </a:pPr>
+            <a:r>
+              <a:rPr b="0" lang="en-IN" sz="3200" spc="-1" strike="noStrike">
+                <a:latin typeface="Arial"/>
+              </a:rPr>
+              <a:t>Design application</a:t>
+            </a:r>
+            <a:endParaRPr b="0" lang="en-IN" sz="3200" spc="-1" strike="noStrike">
+              <a:latin typeface="Arial"/>
+            </a:endParaRPr>
+          </a:p>
+          <a:p>
+            <a:pPr marL="432000" indent="-324000">
+              <a:spcBef>
+                <a:spcPts val="1417"/>
+              </a:spcBef>
+              <a:buClr>
+                <a:srgbClr val="000000"/>
+              </a:buClr>
+              <a:buSzPct val="45000"/>
+              <a:buFont typeface="Wingdings" charset="2"/>
+              <a:buChar char=""/>
+            </a:pPr>
+            <a:r>
+              <a:rPr b="0" lang="en-IN" sz="3200" spc="-1" strike="noStrike">
+                <a:latin typeface="Arial"/>
+              </a:rPr>
+              <a:t>Build model</a:t>
+            </a:r>
+            <a:endParaRPr b="0" lang="en-IN" sz="3200" spc="-1" strike="noStrike">
+              <a:latin typeface="Arial"/>
+            </a:endParaRPr>
+          </a:p>
+          <a:p>
+            <a:pPr marL="432000" indent="-324000">
+              <a:spcBef>
+                <a:spcPts val="1417"/>
+              </a:spcBef>
+              <a:buClr>
+                <a:srgbClr val="000000"/>
+              </a:buClr>
+              <a:buSzPct val="45000"/>
+              <a:buFont typeface="Wingdings" charset="2"/>
+              <a:buChar char=""/>
+            </a:pPr>
+            <a:r>
+              <a:rPr b="0" lang="en-IN" sz="3200" spc="-1" strike="noStrike">
+                <a:latin typeface="Arial"/>
+              </a:rPr>
+              <a:t>Test model</a:t>
+            </a:r>
+            <a:endParaRPr b="0" lang="en-IN" sz="3200" spc="-1" strike="noStrike">
+              <a:latin typeface="Arial"/>
+            </a:endParaRPr>
+          </a:p>
+          <a:p>
+            <a:pPr marL="432000" indent="-324000">
+              <a:spcBef>
+                <a:spcPts val="1417"/>
+              </a:spcBef>
+              <a:buClr>
+                <a:srgbClr val="000000"/>
+              </a:buClr>
+              <a:buSzPct val="45000"/>
+              <a:buFont typeface="Wingdings" charset="2"/>
+              <a:buChar char=""/>
+            </a:pPr>
+            <a:r>
+              <a:rPr b="0" lang="en-IN" sz="3200" spc="-1" strike="noStrike">
+                <a:latin typeface="Arial"/>
+              </a:rPr>
+              <a:t>Integrate interface with model</a:t>
+            </a:r>
+            <a:endParaRPr b="0" lang="en-IN" sz="3200" spc="-1" strike="noStrike">
+              <a:latin typeface="Arial"/>
             </a:endParaRPr>
           </a:p>
         </p:txBody>
@@ -8944,7 +8310,7 @@
         <p:spPr>
           <a:xfrm>
             <a:off x="288360" y="296640"/>
-            <a:ext cx="2290320" cy="736200"/>
+            <a:ext cx="2289960" cy="735840"/>
           </a:xfrm>
           <a:prstGeom prst="rect">
             <a:avLst/>
@@ -8967,7 +8333,7 @@
         <p:spPr>
           <a:xfrm>
             <a:off x="10777680" y="140760"/>
-            <a:ext cx="1367640" cy="883800"/>
+            <a:ext cx="1367280" cy="883440"/>
           </a:xfrm>
           <a:prstGeom prst="rect">
             <a:avLst/>
@@ -8986,12 +8352,12 @@
         <p:spPr>
           <a:xfrm>
             <a:off x="0" y="1105920"/>
-            <a:ext cx="12145680" cy="360"/>
+            <a:ext cx="12146040" cy="720"/>
           </a:xfrm>
           <a:prstGeom prst="straightConnector1">
             <a:avLst/>
           </a:prstGeom>
-          <a:ln>
+          <a:ln w="0">
             <a:solidFill>
               <a:srgbClr val="4472c4"/>
             </a:solidFill>
@@ -9037,7 +8403,7 @@
         <p:spPr>
           <a:xfrm>
             <a:off x="691560" y="2034360"/>
-            <a:ext cx="10515240" cy="3913920"/>
+            <a:ext cx="10514880" cy="3913560"/>
           </a:xfrm>
           <a:prstGeom prst="rect">
             <a:avLst/>
@@ -9054,7 +8420,7 @@
           <a:fontRef idx="minor"/>
         </p:style>
         <p:txBody>
-          <a:bodyPr anchor="ctr">
+          <a:bodyPr lIns="90000" rIns="90000" tIns="45000" bIns="45000" anchor="ctr">
             <a:normAutofit/>
           </a:bodyPr>
           <a:p>
@@ -9069,6 +8435,7 @@
                   <a:srgbClr val="000000"/>
                 </a:solidFill>
                 <a:latin typeface="Calibri Light"/>
+                <a:ea typeface="DejaVu Sans"/>
               </a:rPr>
               <a:t>	</a:t>
             </a:r>
@@ -9078,6 +8445,7 @@
                   <a:srgbClr val="000000"/>
                 </a:solidFill>
                 <a:latin typeface="Calibri Light"/>
+                <a:ea typeface="DejaVu Sans"/>
               </a:rPr>
               <a:t>	</a:t>
             </a:r>
@@ -9087,6 +8455,7 @@
                   <a:srgbClr val="000000"/>
                 </a:solidFill>
                 <a:latin typeface="Calibri Light"/>
+                <a:ea typeface="DejaVu Sans"/>
               </a:rPr>
               <a:t>	</a:t>
             </a:r>
@@ -9109,18 +8478,18 @@
         <p:spPr>
           <a:xfrm>
             <a:off x="838080" y="1202040"/>
-            <a:ext cx="10515240" cy="595080"/>
-          </a:xfrm>
-          <a:prstGeom prst="rect">
-            <a:avLst/>
-          </a:prstGeom>
-          <a:noFill/>
-          <a:ln w="0">
-            <a:noFill/>
-          </a:ln>
-        </p:spPr>
-        <p:txBody>
-          <a:bodyPr anchor="ctr">
+            <a:ext cx="10514880" cy="594720"/>
+          </a:xfrm>
+          <a:prstGeom prst="rect">
+            <a:avLst/>
+          </a:prstGeom>
+          <a:noFill/>
+          <a:ln w="0">
+            <a:noFill/>
+          </a:ln>
+        </p:spPr>
+        <p:txBody>
+          <a:bodyPr lIns="90000" rIns="90000" tIns="45000" bIns="45000" anchor="ctr">
             <a:normAutofit fontScale="83000"/>
           </a:bodyPr>
           <a:p>
@@ -9129,6 +8498,9 @@
                 <a:spcPct val="90000"/>
               </a:lnSpc>
               <a:buNone/>
+              <a:tabLst>
+                <a:tab algn="l" pos="0"/>
+              </a:tabLst>
             </a:pPr>
             <a:r>
               <a:rPr b="0" lang="en-US" sz="4400" spc="-1" strike="noStrike">
@@ -9137,66 +8509,17 @@
                 </a:solidFill>
                 <a:latin typeface="Trebuchet MS"/>
               </a:rPr>
-              <a:t>Methodology Used</a:t>
-            </a:r>
-            <a:endParaRPr b="0" lang="en-US" sz="4400" spc="-1" strike="noStrike">
-              <a:solidFill>
-                <a:srgbClr val="000000"/>
-              </a:solidFill>
-              <a:latin typeface="Calibri"/>
-            </a:endParaRPr>
-          </a:p>
-        </p:txBody>
-      </p:sp>
-      <p:sp>
-        <p:nvSpPr>
-          <p:cNvPr id="113" name="PlaceHolder 2"/>
-          <p:cNvSpPr>
-            <a:spLocks noGrp="1"/>
-          </p:cNvSpPr>
-          <p:nvPr>
-            <p:ph/>
-          </p:nvPr>
-        </p:nvSpPr>
-        <p:spPr>
-          <a:xfrm>
-            <a:off x="838080" y="1893600"/>
-            <a:ext cx="10515240" cy="4491720"/>
-          </a:xfrm>
-          <a:prstGeom prst="rect">
-            <a:avLst/>
-          </a:prstGeom>
-          <a:noFill/>
-          <a:ln w="0">
-            <a:noFill/>
-          </a:ln>
-        </p:spPr>
-        <p:txBody>
-          <a:bodyPr anchor="t">
-            <a:normAutofit/>
-          </a:bodyPr>
-          <a:p>
-            <a:pPr indent="0">
-              <a:lnSpc>
-                <a:spcPct val="90000"/>
-              </a:lnSpc>
-              <a:spcBef>
-                <a:spcPts val="1417"/>
-              </a:spcBef>
-              <a:buNone/>
-            </a:pPr>
-            <a:endParaRPr b="0" lang="en-US" sz="2800" spc="-1" strike="noStrike">
-              <a:solidFill>
-                <a:srgbClr val="000000"/>
-              </a:solidFill>
-              <a:latin typeface="Calibri"/>
+              <a:t>Data Flow Diagram/ER-Diagram</a:t>
+            </a:r>
+            <a:endParaRPr b="0" lang="en-IN" sz="4400" spc="-1" strike="noStrike">
+              <a:latin typeface="Arial"/>
             </a:endParaRPr>
           </a:p>
         </p:txBody>
       </p:sp>
       <p:pic>
         <p:nvPicPr>
-          <p:cNvPr id="114" name="Content Placeholder 4" descr=""/>
+          <p:cNvPr id="113" name="Content Placeholder 4" descr=""/>
           <p:cNvPicPr/>
           <p:nvPr/>
         </p:nvPicPr>
@@ -9207,7 +8530,7 @@
         <p:spPr>
           <a:xfrm>
             <a:off x="288360" y="296640"/>
-            <a:ext cx="2290320" cy="736200"/>
+            <a:ext cx="2289960" cy="735840"/>
           </a:xfrm>
           <a:prstGeom prst="rect">
             <a:avLst/>
@@ -9219,7 +8542,7 @@
       </p:pic>
       <p:pic>
         <p:nvPicPr>
-          <p:cNvPr id="115" name="Picture 20" descr=""/>
+          <p:cNvPr id="114" name="Picture 20" descr=""/>
           <p:cNvPicPr/>
           <p:nvPr/>
         </p:nvPicPr>
@@ -9230,7 +8553,7 @@
         <p:spPr>
           <a:xfrm>
             <a:off x="10777680" y="140760"/>
-            <a:ext cx="1367640" cy="883800"/>
+            <a:ext cx="1367280" cy="883440"/>
           </a:xfrm>
           <a:prstGeom prst="rect">
             <a:avLst/>
@@ -9242,25 +8565,48 @@
       </p:pic>
       <p:cxnSp>
         <p:nvCxnSpPr>
-          <p:cNvPr id="116" name="Straight Connector 21"/>
+          <p:cNvPr id="115" name="Straight Connector 21"/>
           <p:cNvCxnSpPr/>
           <p:nvPr/>
         </p:nvCxnSpPr>
         <p:spPr>
           <a:xfrm>
             <a:off x="0" y="1105920"/>
-            <a:ext cx="12145680" cy="360"/>
+            <a:ext cx="12146040" cy="720"/>
           </a:xfrm>
           <a:prstGeom prst="straightConnector1">
             <a:avLst/>
           </a:prstGeom>
-          <a:ln>
+          <a:ln w="0">
             <a:solidFill>
               <a:srgbClr val="4472c4"/>
             </a:solidFill>
           </a:ln>
         </p:spPr>
       </p:cxnSp>
+      <p:pic>
+        <p:nvPicPr>
+          <p:cNvPr id="116" name="" descr=""/>
+          <p:cNvPicPr/>
+          <p:nvPr/>
+        </p:nvPicPr>
+        <p:blipFill>
+          <a:blip r:embed="rId3"/>
+          <a:stretch/>
+        </p:blipFill>
+        <p:spPr>
+          <a:xfrm>
+            <a:off x="3250800" y="1978200"/>
+            <a:ext cx="5960520" cy="4100040"/>
+          </a:xfrm>
+          <a:prstGeom prst="rect">
+            <a:avLst/>
+          </a:prstGeom>
+          <a:ln w="0">
+            <a:noFill/>
+          </a:ln>
+        </p:spPr>
+      </p:pic>
     </p:spTree>
   </p:cSld>
   <mc:AlternateContent>
@@ -9300,7 +8646,7 @@
         <p:spPr>
           <a:xfrm>
             <a:off x="691560" y="2034360"/>
-            <a:ext cx="10515240" cy="3913920"/>
+            <a:ext cx="10514880" cy="3913560"/>
           </a:xfrm>
           <a:prstGeom prst="rect">
             <a:avLst/>
@@ -9317,7 +8663,7 @@
           <a:fontRef idx="minor"/>
         </p:style>
         <p:txBody>
-          <a:bodyPr anchor="ctr">
+          <a:bodyPr lIns="90000" rIns="90000" tIns="45000" bIns="45000" anchor="ctr">
             <a:normAutofit/>
           </a:bodyPr>
           <a:p>
@@ -9332,6 +8678,7 @@
                   <a:srgbClr val="000000"/>
                 </a:solidFill>
                 <a:latin typeface="Calibri Light"/>
+                <a:ea typeface="DejaVu Sans"/>
               </a:rPr>
               <a:t>	</a:t>
             </a:r>
@@ -9341,6 +8688,7 @@
                   <a:srgbClr val="000000"/>
                 </a:solidFill>
                 <a:latin typeface="Calibri Light"/>
+                <a:ea typeface="DejaVu Sans"/>
               </a:rPr>
               <a:t>	</a:t>
             </a:r>
@@ -9350,6 +8698,7 @@
                   <a:srgbClr val="000000"/>
                 </a:solidFill>
                 <a:latin typeface="Calibri Light"/>
+                <a:ea typeface="DejaVu Sans"/>
               </a:rPr>
               <a:t>	</a:t>
             </a:r>
@@ -9372,18 +8721,18 @@
         <p:spPr>
           <a:xfrm>
             <a:off x="838080" y="1202040"/>
-            <a:ext cx="10515240" cy="595080"/>
-          </a:xfrm>
-          <a:prstGeom prst="rect">
-            <a:avLst/>
-          </a:prstGeom>
-          <a:noFill/>
-          <a:ln w="0">
-            <a:noFill/>
-          </a:ln>
-        </p:spPr>
-        <p:txBody>
-          <a:bodyPr anchor="ctr">
+            <a:ext cx="10514880" cy="594720"/>
+          </a:xfrm>
+          <a:prstGeom prst="rect">
+            <a:avLst/>
+          </a:prstGeom>
+          <a:noFill/>
+          <a:ln w="0">
+            <a:noFill/>
+          </a:ln>
+        </p:spPr>
+        <p:txBody>
+          <a:bodyPr lIns="90000" rIns="90000" tIns="45000" bIns="45000" anchor="ctr">
             <a:normAutofit fontScale="83000"/>
           </a:bodyPr>
           <a:p>
@@ -9392,6 +8741,9 @@
                 <a:spcPct val="90000"/>
               </a:lnSpc>
               <a:buNone/>
+              <a:tabLst>
+                <a:tab algn="l" pos="0"/>
+              </a:tabLst>
             </a:pPr>
             <a:r>
               <a:rPr b="0" lang="en-US" sz="4400" spc="-1" strike="noStrike">
@@ -9400,20 +8752,127 @@
                 </a:solidFill>
                 <a:latin typeface="Trebuchet MS"/>
               </a:rPr>
-              <a:t>Data Flow Diagram/ER-Diagram</a:t>
-            </a:r>
-            <a:endParaRPr b="0" lang="en-US" sz="4400" spc="-1" strike="noStrike">
-              <a:solidFill>
+              <a:t>Progress &amp; Result</a:t>
+            </a:r>
+            <a:endParaRPr b="0" lang="en-IN" sz="4400" spc="-1" strike="noStrike">
+              <a:latin typeface="Arial"/>
+            </a:endParaRPr>
+          </a:p>
+        </p:txBody>
+      </p:sp>
+      <p:sp>
+        <p:nvSpPr>
+          <p:cNvPr id="119" name="PlaceHolder 2"/>
+          <p:cNvSpPr>
+            <a:spLocks noGrp="1"/>
+          </p:cNvSpPr>
+          <p:nvPr>
+            <p:ph/>
+          </p:nvPr>
+        </p:nvSpPr>
+        <p:spPr>
+          <a:xfrm>
+            <a:off x="838080" y="1893600"/>
+            <a:ext cx="10514880" cy="4491360"/>
+          </a:xfrm>
+          <a:prstGeom prst="rect">
+            <a:avLst/>
+          </a:prstGeom>
+          <a:noFill/>
+          <a:ln w="0">
+            <a:noFill/>
+          </a:ln>
+        </p:spPr>
+        <p:txBody>
+          <a:bodyPr lIns="90000" rIns="90000" tIns="45000" bIns="45000" anchor="t">
+            <a:normAutofit/>
+          </a:bodyPr>
+          <a:p>
+            <a:pPr marL="228600" indent="-228600">
+              <a:lnSpc>
+                <a:spcPct val="90000"/>
+              </a:lnSpc>
+              <a:spcBef>
+                <a:spcPts val="1001"/>
+              </a:spcBef>
+              <a:buClr>
                 <a:srgbClr val="000000"/>
-              </a:solidFill>
-              <a:latin typeface="Calibri"/>
+              </a:buClr>
+              <a:buFont typeface="Arial"/>
+              <a:buChar char="•"/>
+            </a:pPr>
+            <a:r>
+              <a:rPr b="0" lang="en-US" sz="2800" spc="-1" strike="noStrike">
+                <a:solidFill>
+                  <a:srgbClr val="000000"/>
+                </a:solidFill>
+                <a:latin typeface="Calibri"/>
+              </a:rPr>
+              <a:t>URL Phishshing Model Completed</a:t>
+            </a:r>
+            <a:endParaRPr b="0" lang="en-IN" sz="2800" spc="-1" strike="noStrike">
+              <a:latin typeface="Arial"/>
+            </a:endParaRPr>
+          </a:p>
+          <a:p>
+            <a:pPr marL="228600" indent="-228600">
+              <a:lnSpc>
+                <a:spcPct val="90000"/>
+              </a:lnSpc>
+              <a:spcBef>
+                <a:spcPts val="1001"/>
+              </a:spcBef>
+              <a:buClr>
+                <a:srgbClr val="000000"/>
+              </a:buClr>
+              <a:buFont typeface="Arial"/>
+              <a:buChar char="•"/>
+            </a:pPr>
+            <a:r>
+              <a:rPr b="0" lang="en-US" sz="2800" spc="-1" strike="noStrike">
+                <a:solidFill>
+                  <a:srgbClr val="000000"/>
+                </a:solidFill>
+                <a:latin typeface="Calibri"/>
+              </a:rPr>
+              <a:t>URL and HTML Feature Extraction Completed</a:t>
+            </a:r>
+            <a:endParaRPr b="0" lang="en-IN" sz="2800" spc="-1" strike="noStrike">
+              <a:latin typeface="Arial"/>
+            </a:endParaRPr>
+          </a:p>
+          <a:p>
+            <a:pPr marL="228600" indent="-228600">
+              <a:lnSpc>
+                <a:spcPct val="90000"/>
+              </a:lnSpc>
+              <a:spcBef>
+                <a:spcPts val="1001"/>
+              </a:spcBef>
+              <a:buClr>
+                <a:srgbClr val="000000"/>
+              </a:buClr>
+              <a:buFont typeface="Arial"/>
+              <a:buChar char="•"/>
+            </a:pPr>
+            <a:r>
+              <a:rPr b="0" lang="en-US" sz="2800" spc="-1" strike="noStrike">
+                <a:solidFill>
+                  <a:srgbClr val="000000"/>
+                </a:solidFill>
+                <a:latin typeface="Calibri"/>
+              </a:rPr>
+              <a:t>URL Detection Service Set Up and Working</a:t>
+            </a:r>
+            <a:endParaRPr b="0" lang="en-IN" sz="2800" spc="-1" strike="noStrike">
+              <a:latin typeface="Arial"/>
             </a:endParaRPr>
           </a:p>
         </p:txBody>
       </p:sp>
       <p:pic>
         <p:nvPicPr>
-          <p:cNvPr id="119" name="Content Placeholder 4" descr=""/>
+          <p:cNvPr id="120" name="Content Placeholder 4" descr=""/>
           <p:cNvPicPr/>
           <p:nvPr/>
         </p:nvPicPr>
@@ -9424,7 +8883,7 @@
         <p:spPr>
           <a:xfrm>
             <a:off x="288360" y="296640"/>
-            <a:ext cx="2290320" cy="736200"/>
+            <a:ext cx="2289960" cy="735840"/>
           </a:xfrm>
           <a:prstGeom prst="rect">
             <a:avLst/>
@@ -9436,7 +8895,7 @@
       </p:pic>
       <p:pic>
         <p:nvPicPr>
-          <p:cNvPr id="120" name="Picture 20" descr=""/>
+          <p:cNvPr id="121" name="Picture 20" descr=""/>
           <p:cNvPicPr/>
           <p:nvPr/>
         </p:nvPicPr>
@@ -9447,7 +8906,7 @@
         <p:spPr>
           <a:xfrm>
             <a:off x="10777680" y="140760"/>
-            <a:ext cx="1367640" cy="883800"/>
+            <a:ext cx="1367280" cy="883440"/>
           </a:xfrm>
           <a:prstGeom prst="rect">
             <a:avLst/>
@@ -9459,48 +8918,25 @@
       </p:pic>
       <p:cxnSp>
         <p:nvCxnSpPr>
-          <p:cNvPr id="121" name="Straight Connector 21"/>
+          <p:cNvPr id="122" name="Straight Connector 21"/>
           <p:cNvCxnSpPr/>
           <p:nvPr/>
         </p:nvCxnSpPr>
         <p:spPr>
           <a:xfrm>
             <a:off x="0" y="1105920"/>
-            <a:ext cx="12145680" cy="360"/>
+            <a:ext cx="12146040" cy="720"/>
           </a:xfrm>
           <a:prstGeom prst="straightConnector1">
             <a:avLst/>
           </a:prstGeom>
-          <a:ln>
+          <a:ln w="0">
             <a:solidFill>
               <a:srgbClr val="4472c4"/>
             </a:solidFill>
           </a:ln>
         </p:spPr>
       </p:cxnSp>
-      <p:pic>
-        <p:nvPicPr>
-          <p:cNvPr id="122" name="" descr=""/>
-          <p:cNvPicPr/>
-          <p:nvPr/>
-        </p:nvPicPr>
-        <p:blipFill>
-          <a:blip r:embed="rId3"/>
-          <a:stretch/>
-        </p:blipFill>
-        <p:spPr>
-          <a:xfrm>
-            <a:off x="3250800" y="1978200"/>
-            <a:ext cx="5960880" cy="4100400"/>
-          </a:xfrm>
-          <a:prstGeom prst="rect">
-            <a:avLst/>
-          </a:prstGeom>
-          <a:ln w="0">
-            <a:noFill/>
-          </a:ln>
-        </p:spPr>
-      </p:pic>
     </p:spTree>
   </p:cSld>
   <mc:AlternateContent>
@@ -9540,7 +8976,7 @@
         <p:spPr>
           <a:xfrm>
             <a:off x="691560" y="2034360"/>
-            <a:ext cx="10515240" cy="3913920"/>
+            <a:ext cx="10514880" cy="3913560"/>
           </a:xfrm>
           <a:prstGeom prst="rect">
             <a:avLst/>
@@ -9557,7 +8993,7 @@
           <a:fontRef idx="minor"/>
         </p:style>
         <p:txBody>
-          <a:bodyPr anchor="ctr">
+          <a:bodyPr lIns="90000" rIns="90000" tIns="45000" bIns="45000" anchor="ctr">
             <a:normAutofit/>
           </a:bodyPr>
           <a:p>
@@ -9572,6 +9008,7 @@
                   <a:srgbClr val="000000"/>
                 </a:solidFill>
                 <a:latin typeface="Calibri Light"/>
+                <a:ea typeface="DejaVu Sans"/>
               </a:rPr>
               <a:t>	</a:t>
             </a:r>
@@ -9581,6 +9018,7 @@
                   <a:srgbClr val="000000"/>
                 </a:solidFill>
                 <a:latin typeface="Calibri Light"/>
+                <a:ea typeface="DejaVu Sans"/>
               </a:rPr>
               <a:t>	</a:t>
             </a:r>
@@ -9590,6 +9028,7 @@
                   <a:srgbClr val="000000"/>
                 </a:solidFill>
                 <a:latin typeface="Calibri Light"/>
+                <a:ea typeface="DejaVu Sans"/>
               </a:rPr>
               <a:t>	</a:t>
             </a:r>
@@ -9612,18 +9051,18 @@
         <p:spPr>
           <a:xfrm>
             <a:off x="838080" y="1202040"/>
-            <a:ext cx="10515240" cy="595080"/>
-          </a:xfrm>
-          <a:prstGeom prst="rect">
-            <a:avLst/>
-          </a:prstGeom>
-          <a:noFill/>
-          <a:ln w="0">
-            <a:noFill/>
-          </a:ln>
-        </p:spPr>
-        <p:txBody>
-          <a:bodyPr anchor="ctr">
+            <a:ext cx="10514880" cy="594720"/>
+          </a:xfrm>
+          <a:prstGeom prst="rect">
+            <a:avLst/>
+          </a:prstGeom>
+          <a:noFill/>
+          <a:ln w="0">
+            <a:noFill/>
+          </a:ln>
+        </p:spPr>
+        <p:txBody>
+          <a:bodyPr lIns="90000" rIns="90000" tIns="45000" bIns="45000" anchor="ctr">
             <a:normAutofit fontScale="83000"/>
           </a:bodyPr>
           <a:p>
@@ -9632,6 +9071,9 @@
                 <a:spcPct val="90000"/>
               </a:lnSpc>
               <a:buNone/>
+              <a:tabLst>
+                <a:tab algn="l" pos="0"/>
+              </a:tabLst>
             </a:pPr>
             <a:r>
               <a:rPr b="0" lang="en-US" sz="4400" spc="-1" strike="noStrike">
@@ -9640,13 +9082,10 @@
                 </a:solidFill>
                 <a:latin typeface="Trebuchet MS"/>
               </a:rPr>
-              <a:t>Progress &amp; Result</a:t>
-            </a:r>
-            <a:endParaRPr b="0" lang="en-US" sz="4400" spc="-1" strike="noStrike">
-              <a:solidFill>
-                <a:srgbClr val="000000"/>
-              </a:solidFill>
-              <a:latin typeface="Calibri"/>
+              <a:t>Future Work</a:t>
+            </a:r>
+            <a:endParaRPr b="0" lang="en-IN" sz="4400" spc="-1" strike="noStrike">
+              <a:latin typeface="Arial"/>
             </a:endParaRPr>
           </a:p>
         </p:txBody>
@@ -9664,18 +9103,18 @@
         <p:spPr>
           <a:xfrm>
             <a:off x="838080" y="1893600"/>
-            <a:ext cx="10515240" cy="4491720"/>
-          </a:xfrm>
-          <a:prstGeom prst="rect">
-            <a:avLst/>
-          </a:prstGeom>
-          <a:noFill/>
-          <a:ln w="0">
-            <a:noFill/>
-          </a:ln>
-        </p:spPr>
-        <p:txBody>
-          <a:bodyPr anchor="t">
+            <a:ext cx="10514880" cy="4491360"/>
+          </a:xfrm>
+          <a:prstGeom prst="rect">
+            <a:avLst/>
+          </a:prstGeom>
+          <a:noFill/>
+          <a:ln w="0">
+            <a:noFill/>
+          </a:ln>
+        </p:spPr>
+        <p:txBody>
+          <a:bodyPr lIns="90000" rIns="90000" tIns="45000" bIns="45000" anchor="t">
             <a:normAutofit/>
           </a:bodyPr>
           <a:p>
@@ -9699,13 +9138,10 @@
                 </a:solidFill>
                 <a:latin typeface="Calibri"/>
               </a:rPr>
-              <a:t>URL Phishshing Model Completed</a:t>
-            </a:r>
-            <a:endParaRPr b="0" lang="en-US" sz="2800" spc="-1" strike="noStrike">
-              <a:solidFill>
-                <a:srgbClr val="000000"/>
-              </a:solidFill>
-              <a:latin typeface="Calibri"/>
+              <a:t>Web Application (more than 50% complete)</a:t>
+            </a:r>
+            <a:endParaRPr b="0" lang="en-IN" sz="2800" spc="-1" strike="noStrike">
+              <a:latin typeface="Arial"/>
             </a:endParaRPr>
           </a:p>
           <a:p>
@@ -9729,13 +9165,10 @@
                 </a:solidFill>
                 <a:latin typeface="Calibri"/>
               </a:rPr>
-              <a:t>URL and HTML Feature Extraction Completed</a:t>
-            </a:r>
-            <a:endParaRPr b="0" lang="en-US" sz="2800" spc="-1" strike="noStrike">
-              <a:solidFill>
-                <a:srgbClr val="000000"/>
-              </a:solidFill>
-              <a:latin typeface="Calibri"/>
+              <a:t>REST API</a:t>
+            </a:r>
+            <a:endParaRPr b="0" lang="en-IN" sz="2800" spc="-1" strike="noStrike">
+              <a:latin typeface="Arial"/>
             </a:endParaRPr>
           </a:p>
           <a:p>
@@ -9759,13 +9192,10 @@
                 </a:solidFill>
                 <a:latin typeface="Calibri"/>
               </a:rPr>
-              <a:t>URL Detection Service Set Up and Working</a:t>
-            </a:r>
-            <a:endParaRPr b="0" lang="en-US" sz="2800" spc="-1" strike="noStrike">
-              <a:solidFill>
-                <a:srgbClr val="000000"/>
-              </a:solidFill>
-              <a:latin typeface="Calibri"/>
+              <a:t>Browser Extension</a:t>
+            </a:r>
+            <a:endParaRPr b="0" lang="en-IN" sz="2800" spc="-1" strike="noStrike">
+              <a:latin typeface="Arial"/>
             </a:endParaRPr>
           </a:p>
         </p:txBody>
@@ -9783,7 +9213,7 @@
         <p:spPr>
           <a:xfrm>
             <a:off x="288360" y="296640"/>
-            <a:ext cx="2290320" cy="736200"/>
+            <a:ext cx="2289960" cy="735840"/>
           </a:xfrm>
           <a:prstGeom prst="rect">
             <a:avLst/>
@@ -9806,7 +9236,7 @@
         <p:spPr>
           <a:xfrm>
             <a:off x="10777680" y="140760"/>
-            <a:ext cx="1367640" cy="883800"/>
+            <a:ext cx="1367280" cy="883440"/>
           </a:xfrm>
           <a:prstGeom prst="rect">
             <a:avLst/>
@@ -9825,12 +9255,12 @@
         <p:spPr>
           <a:xfrm>
             <a:off x="0" y="1105920"/>
-            <a:ext cx="12145680" cy="360"/>
+            <a:ext cx="12146040" cy="720"/>
           </a:xfrm>
           <a:prstGeom prst="straightConnector1">
             <a:avLst/>
           </a:prstGeom>
-          <a:ln>
+          <a:ln w="0">
             <a:solidFill>
               <a:srgbClr val="4472c4"/>
             </a:solidFill>
@@ -9876,7 +9306,7 @@
         <p:spPr>
           <a:xfrm>
             <a:off x="691560" y="2034360"/>
-            <a:ext cx="10515240" cy="3913920"/>
+            <a:ext cx="10514880" cy="3913560"/>
           </a:xfrm>
           <a:prstGeom prst="rect">
             <a:avLst/>
@@ -9893,7 +9323,7 @@
           <a:fontRef idx="minor"/>
         </p:style>
         <p:txBody>
-          <a:bodyPr anchor="ctr">
+          <a:bodyPr lIns="90000" rIns="90000" tIns="45000" bIns="45000" anchor="ctr">
             <a:normAutofit/>
           </a:bodyPr>
           <a:p>
@@ -9908,6 +9338,7 @@
                   <a:srgbClr val="000000"/>
                 </a:solidFill>
                 <a:latin typeface="Calibri Light"/>
+                <a:ea typeface="DejaVu Sans"/>
               </a:rPr>
               <a:t>	</a:t>
             </a:r>
@@ -9917,6 +9348,7 @@
                   <a:srgbClr val="000000"/>
                 </a:solidFill>
                 <a:latin typeface="Calibri Light"/>
+                <a:ea typeface="DejaVu Sans"/>
               </a:rPr>
               <a:t>	</a:t>
             </a:r>
@@ -9926,6 +9358,7 @@
                   <a:srgbClr val="000000"/>
                 </a:solidFill>
                 <a:latin typeface="Calibri Light"/>
+                <a:ea typeface="DejaVu Sans"/>
               </a:rPr>
               <a:t>	</a:t>
             </a:r>
@@ -9948,18 +9381,18 @@
         <p:spPr>
           <a:xfrm>
             <a:off x="838080" y="1202040"/>
-            <a:ext cx="10515240" cy="595080"/>
-          </a:xfrm>
-          <a:prstGeom prst="rect">
-            <a:avLst/>
-          </a:prstGeom>
-          <a:noFill/>
-          <a:ln w="0">
-            <a:noFill/>
-          </a:ln>
-        </p:spPr>
-        <p:txBody>
-          <a:bodyPr anchor="ctr">
+            <a:ext cx="10514880" cy="594720"/>
+          </a:xfrm>
+          <a:prstGeom prst="rect">
+            <a:avLst/>
+          </a:prstGeom>
+          <a:noFill/>
+          <a:ln w="0">
+            <a:noFill/>
+          </a:ln>
+        </p:spPr>
+        <p:txBody>
+          <a:bodyPr lIns="90000" rIns="90000" tIns="45000" bIns="45000" anchor="ctr">
             <a:normAutofit fontScale="83000"/>
           </a:bodyPr>
           <a:p>
@@ -9968,6 +9401,9 @@
                 <a:spcPct val="90000"/>
               </a:lnSpc>
               <a:buNone/>
+              <a:tabLst>
+                <a:tab algn="l" pos="0"/>
+              </a:tabLst>
             </a:pPr>
             <a:r>
               <a:rPr b="0" lang="en-US" sz="4400" spc="-1" strike="noStrike">
@@ -9976,13 +9412,10 @@
                 </a:solidFill>
                 <a:latin typeface="Trebuchet MS"/>
               </a:rPr>
-              <a:t>Future Work</a:t>
-            </a:r>
-            <a:endParaRPr b="0" lang="en-US" sz="4400" spc="-1" strike="noStrike">
-              <a:solidFill>
-                <a:srgbClr val="000000"/>
-              </a:solidFill>
-              <a:latin typeface="Calibri"/>
+              <a:t>Conclusion</a:t>
+            </a:r>
+            <a:endParaRPr b="0" lang="en-IN" sz="4400" spc="-1" strike="noStrike">
+              <a:latin typeface="Arial"/>
             </a:endParaRPr>
           </a:p>
         </p:txBody>
@@ -10000,108 +9433,84 @@
         <p:spPr>
           <a:xfrm>
             <a:off x="838080" y="1893600"/>
-            <a:ext cx="10515240" cy="4491720"/>
-          </a:xfrm>
-          <a:prstGeom prst="rect">
-            <a:avLst/>
-          </a:prstGeom>
-          <a:noFill/>
-          <a:ln w="0">
-            <a:noFill/>
-          </a:ln>
-        </p:spPr>
-        <p:txBody>
-          <a:bodyPr anchor="t">
+            <a:ext cx="10514880" cy="4491360"/>
+          </a:xfrm>
+          <a:prstGeom prst="rect">
+            <a:avLst/>
+          </a:prstGeom>
+          <a:noFill/>
+          <a:ln w="0">
+            <a:noFill/>
+          </a:ln>
+        </p:spPr>
+        <p:txBody>
+          <a:bodyPr lIns="90000" rIns="90000" tIns="45000" bIns="45000" anchor="t">
             <a:normAutofit/>
           </a:bodyPr>
           <a:p>
-            <a:pPr marL="228600" indent="-228600">
-              <a:lnSpc>
-                <a:spcPct val="90000"/>
-              </a:lnSpc>
-              <a:spcBef>
-                <a:spcPts val="1001"/>
+            <a:pPr marL="432000" indent="-324000">
+              <a:spcBef>
+                <a:spcPts val="1417"/>
               </a:spcBef>
               <a:buClr>
                 <a:srgbClr val="000000"/>
               </a:buClr>
-              <a:buFont typeface="Arial"/>
-              <a:buChar char="•"/>
-            </a:pPr>
-            <a:r>
-              <a:rPr b="0" lang="en-US" sz="2800" spc="-1" strike="noStrike">
-                <a:solidFill>
-                  <a:srgbClr val="000000"/>
-                </a:solidFill>
-                <a:latin typeface="Calibri"/>
-              </a:rPr>
-              <a:t>Web Application (more than 50% complete)</a:t>
-            </a:r>
-            <a:endParaRPr b="0" lang="en-US" sz="2800" spc="-1" strike="noStrike">
-              <a:solidFill>
-                <a:srgbClr val="000000"/>
-              </a:solidFill>
-              <a:latin typeface="Calibri"/>
-            </a:endParaRPr>
-          </a:p>
-          <a:p>
-            <a:pPr marL="228600" indent="-228600">
-              <a:lnSpc>
-                <a:spcPct val="90000"/>
-              </a:lnSpc>
-              <a:spcBef>
-                <a:spcPts val="1001"/>
+              <a:buSzPct val="45000"/>
+              <a:buFont typeface="Wingdings" charset="2"/>
+              <a:buChar char=""/>
+            </a:pPr>
+            <a:r>
+              <a:rPr b="0" lang="en-IN" sz="3200" spc="-1" strike="noStrike">
+                <a:latin typeface="Arial"/>
+              </a:rPr>
+              <a:t>This application fulfils solves a critical problem in Internet Security.</a:t>
+            </a:r>
+            <a:endParaRPr b="0" lang="en-IN" sz="3200" spc="-1" strike="noStrike">
+              <a:latin typeface="Arial"/>
+            </a:endParaRPr>
+          </a:p>
+          <a:p>
+            <a:pPr marL="432000" indent="-324000">
+              <a:spcBef>
+                <a:spcPts val="1417"/>
               </a:spcBef>
               <a:buClr>
                 <a:srgbClr val="000000"/>
               </a:buClr>
-              <a:buFont typeface="Arial"/>
-              <a:buChar char="•"/>
-            </a:pPr>
-            <a:r>
-              <a:rPr b="0" lang="en-US" sz="2800" spc="-1" strike="noStrike">
-                <a:solidFill>
-                  <a:srgbClr val="000000"/>
-                </a:solidFill>
-                <a:latin typeface="Calibri"/>
-              </a:rPr>
-              <a:t>REST API</a:t>
-            </a:r>
-            <a:endParaRPr b="0" lang="en-US" sz="2800" spc="-1" strike="noStrike">
-              <a:solidFill>
-                <a:srgbClr val="000000"/>
-              </a:solidFill>
-              <a:latin typeface="Calibri"/>
-            </a:endParaRPr>
-          </a:p>
-          <a:p>
-            <a:pPr marL="228600" indent="-228600">
-              <a:lnSpc>
-                <a:spcPct val="90000"/>
-              </a:lnSpc>
-              <a:spcBef>
-                <a:spcPts val="1001"/>
+              <a:buSzPct val="45000"/>
+              <a:buFont typeface="Wingdings" charset="2"/>
+              <a:buChar char=""/>
+            </a:pPr>
+            <a:r>
+              <a:rPr b="0" lang="en-IN" sz="3200" spc="-1" strike="noStrike">
+                <a:latin typeface="Arial"/>
+              </a:rPr>
+              <a:t>It allows for a method to differntiate between legitimate and illegitimate websites.</a:t>
+            </a:r>
+            <a:endParaRPr b="0" lang="en-IN" sz="3200" spc="-1" strike="noStrike">
+              <a:latin typeface="Arial"/>
+            </a:endParaRPr>
+          </a:p>
+          <a:p>
+            <a:pPr marL="432000" indent="-324000">
+              <a:spcBef>
+                <a:spcPts val="1417"/>
               </a:spcBef>
               <a:buClr>
                 <a:srgbClr val="000000"/>
               </a:buClr>
-              <a:buFont typeface="Arial"/>
-              <a:buChar char="•"/>
-            </a:pPr>
-            <a:r>
-              <a:rPr b="0" lang="en-US" sz="2800" spc="-1" strike="noStrike">
-                <a:solidFill>
-                  <a:srgbClr val="000000"/>
-                </a:solidFill>
-                <a:latin typeface="Calibri"/>
-              </a:rPr>
-              <a:t>Browser Extension</a:t>
-            </a:r>
-            <a:endParaRPr b="0" lang="en-US" sz="2800" spc="-1" strike="noStrike">
-              <a:solidFill>
-                <a:srgbClr val="000000"/>
-              </a:solidFill>
-              <a:latin typeface="Calibri"/>
+              <a:buSzPct val="45000"/>
+              <a:buFont typeface="Wingdings" charset="2"/>
+              <a:buChar char=""/>
+            </a:pPr>
+            <a:r>
+              <a:rPr b="0" lang="en-IN" sz="3200" spc="-1" strike="noStrike">
+                <a:latin typeface="Arial"/>
+              </a:rPr>
+              <a:t>This application helps user avoid getting targeted by unlawful or illegetimate websites.</a:t>
+            </a:r>
+            <a:endParaRPr b="0" lang="en-IN" sz="3200" spc="-1" strike="noStrike">
+              <a:latin typeface="Arial"/>
             </a:endParaRPr>
           </a:p>
         </p:txBody>
@@ -10119,7 +9528,7 @@
         <p:spPr>
           <a:xfrm>
             <a:off x="288360" y="296640"/>
-            <a:ext cx="2290320" cy="736200"/>
+            <a:ext cx="2289960" cy="735840"/>
           </a:xfrm>
           <a:prstGeom prst="rect">
             <a:avLst/>
@@ -10142,7 +9551,7 @@
         <p:spPr>
           <a:xfrm>
             <a:off x="10777680" y="140760"/>
-            <a:ext cx="1367640" cy="883800"/>
+            <a:ext cx="1367280" cy="883440"/>
           </a:xfrm>
           <a:prstGeom prst="rect">
             <a:avLst/>
@@ -10161,12 +9570,12 @@
         <p:spPr>
           <a:xfrm>
             <a:off x="0" y="1105920"/>
-            <a:ext cx="12145680" cy="360"/>
+            <a:ext cx="12146040" cy="720"/>
           </a:xfrm>
           <a:prstGeom prst="straightConnector1">
             <a:avLst/>
           </a:prstGeom>
-          <a:ln>
+          <a:ln w="0">
             <a:solidFill>
               <a:srgbClr val="4472c4"/>
             </a:solidFill>
